--- a/Abbildungen/Flux.pptx
+++ b/Abbildungen/Flux.pptx
@@ -2,10 +2,10 @@
 <file path=ppt/presentation.xml><?xml version="1.0" encoding="utf-8"?>
 <p:presentation xmlns:a="http://schemas.openxmlformats.org/drawingml/2006/main" xmlns:r="http://schemas.openxmlformats.org/officeDocument/2006/relationships" xmlns:p="http://schemas.openxmlformats.org/presentationml/2006/main" saveSubsetFonts="1" autoCompressPictures="0">
   <p:sldMasterIdLst>
-    <p:sldMasterId id="2147483672" r:id="rId1"/>
+    <p:sldMasterId id="2147483696" r:id="rId1"/>
   </p:sldMasterIdLst>
   <p:notesMasterIdLst>
-    <p:notesMasterId r:id="rId7"/>
+    <p:notesMasterId r:id="rId8"/>
   </p:notesMasterIdLst>
   <p:sldIdLst>
     <p:sldId id="256" r:id="rId2"/>
@@ -13,8 +13,9 @@
     <p:sldId id="261" r:id="rId4"/>
     <p:sldId id="258" r:id="rId5"/>
     <p:sldId id="259" r:id="rId6"/>
+    <p:sldId id="262" r:id="rId7"/>
   </p:sldIdLst>
-  <p:sldSz cx="14400213" cy="14400213"/>
+  <p:sldSz cx="18000663" cy="18000663"/>
   <p:notesSz cx="6858000" cy="9144000"/>
   <p:defaultTextStyle>
     <a:defPPr>
@@ -201,7 +202,7 @@
           <a:p>
             <a:fld id="{B4FB2131-93BF-BC44-B00B-3FB86A347CA6}" type="datetimeFigureOut">
               <a:rPr lang="en-GB" smtClean="0"/>
-              <a:t>11/12/2025</a:t>
+              <a:t>06/01/2026</a:t>
             </a:fld>
             <a:endParaRPr lang="en-GB"/>
           </a:p>
@@ -508,7 +509,12 @@
             <p:ph type="sldImg"/>
           </p:nvPr>
         </p:nvSpPr>
-        <p:spPr/>
+        <p:spPr>
+          <a:xfrm>
+            <a:off x="1885950" y="1143000"/>
+            <a:ext cx="3086100" cy="3086100"/>
+          </a:xfrm>
+        </p:spPr>
       </p:sp>
       <p:sp>
         <p:nvSpPr>
@@ -616,7 +622,12 @@
             <p:ph type="sldImg"/>
           </p:nvPr>
         </p:nvSpPr>
-        <p:spPr/>
+        <p:spPr>
+          <a:xfrm>
+            <a:off x="1885950" y="1143000"/>
+            <a:ext cx="3086100" cy="3086100"/>
+          </a:xfrm>
+        </p:spPr>
       </p:sp>
       <p:sp>
         <p:nvSpPr>
@@ -724,7 +735,12 @@
             <p:ph type="sldImg"/>
           </p:nvPr>
         </p:nvSpPr>
-        <p:spPr/>
+        <p:spPr>
+          <a:xfrm>
+            <a:off x="1885950" y="1143000"/>
+            <a:ext cx="3086100" cy="3086100"/>
+          </a:xfrm>
+        </p:spPr>
       </p:sp>
       <p:sp>
         <p:nvSpPr>
@@ -835,7 +851,12 @@
             <p:ph type="sldImg"/>
           </p:nvPr>
         </p:nvSpPr>
-        <p:spPr/>
+        <p:spPr>
+          <a:xfrm>
+            <a:off x="1885950" y="1143000"/>
+            <a:ext cx="3086100" cy="3086100"/>
+          </a:xfrm>
+        </p:spPr>
       </p:sp>
       <p:sp>
         <p:nvSpPr>
@@ -898,6 +919,95 @@
     <p:extLst>
       <p:ext uri="{BB962C8B-B14F-4D97-AF65-F5344CB8AC3E}">
         <p14:creationId xmlns:p14="http://schemas.microsoft.com/office/powerpoint/2010/main" val="1747556463"/>
+      </p:ext>
+    </p:extLst>
+  </p:cSld>
+  <p:clrMapOvr>
+    <a:masterClrMapping/>
+  </p:clrMapOvr>
+</p:notes>
+</file>
+
+<file path=ppt/notesSlides/notesSlide5.xml><?xml version="1.0" encoding="utf-8"?>
+<p:notes xmlns:a="http://schemas.openxmlformats.org/drawingml/2006/main" xmlns:r="http://schemas.openxmlformats.org/officeDocument/2006/relationships" xmlns:p="http://schemas.openxmlformats.org/presentationml/2006/main">
+  <p:cSld>
+    <p:spTree>
+      <p:nvGrpSpPr>
+        <p:cNvPr id="1" name=""/>
+        <p:cNvGrpSpPr/>
+        <p:nvPr/>
+      </p:nvGrpSpPr>
+      <p:grpSpPr>
+        <a:xfrm>
+          <a:off x="0" y="0"/>
+          <a:ext cx="0" cy="0"/>
+          <a:chOff x="0" y="0"/>
+          <a:chExt cx="0" cy="0"/>
+        </a:xfrm>
+      </p:grpSpPr>
+      <p:sp>
+        <p:nvSpPr>
+          <p:cNvPr id="2" name="Folienbildplatzhalter 1"/>
+          <p:cNvSpPr>
+            <a:spLocks noGrp="1" noRot="1" noChangeAspect="1"/>
+          </p:cNvSpPr>
+          <p:nvPr>
+            <p:ph type="sldImg"/>
+          </p:nvPr>
+        </p:nvSpPr>
+        <p:spPr>
+          <a:xfrm>
+            <a:off x="1885950" y="1143000"/>
+            <a:ext cx="3086100" cy="3086100"/>
+          </a:xfrm>
+        </p:spPr>
+      </p:sp>
+      <p:sp>
+        <p:nvSpPr>
+          <p:cNvPr id="3" name="Notizenplatzhalter 2"/>
+          <p:cNvSpPr>
+            <a:spLocks noGrp="1"/>
+          </p:cNvSpPr>
+          <p:nvPr>
+            <p:ph type="body" idx="1"/>
+          </p:nvPr>
+        </p:nvSpPr>
+        <p:spPr/>
+        <p:txBody>
+          <a:bodyPr/>
+          <a:lstStyle/>
+          <a:p>
+            <a:endParaRPr lang="en-GB" dirty="0"/>
+          </a:p>
+        </p:txBody>
+      </p:sp>
+      <p:sp>
+        <p:nvSpPr>
+          <p:cNvPr id="4" name="Foliennummernplatzhalter 3"/>
+          <p:cNvSpPr>
+            <a:spLocks noGrp="1"/>
+          </p:cNvSpPr>
+          <p:nvPr>
+            <p:ph type="sldNum" sz="quarter" idx="5"/>
+          </p:nvPr>
+        </p:nvSpPr>
+        <p:spPr/>
+        <p:txBody>
+          <a:bodyPr/>
+          <a:lstStyle/>
+          <a:p>
+            <a:fld id="{C1367588-EEFF-624B-9E35-AB42EB90CE6C}" type="slidenum">
+              <a:rPr lang="en-GB" smtClean="0"/>
+              <a:t>6</a:t>
+            </a:fld>
+            <a:endParaRPr lang="en-GB"/>
+          </a:p>
+        </p:txBody>
+      </p:sp>
+    </p:spTree>
+    <p:extLst>
+      <p:ext uri="{BB962C8B-B14F-4D97-AF65-F5344CB8AC3E}">
+        <p14:creationId xmlns:p14="http://schemas.microsoft.com/office/powerpoint/2010/main" val="3180084635"/>
       </p:ext>
     </p:extLst>
   </p:cSld>
@@ -936,15 +1046,15 @@
         </p:nvSpPr>
         <p:spPr>
           <a:xfrm>
-            <a:off x="1080016" y="2356703"/>
-            <a:ext cx="12240181" cy="5013407"/>
+            <a:off x="1350050" y="2945943"/>
+            <a:ext cx="15300564" cy="6266897"/>
           </a:xfrm>
         </p:spPr>
         <p:txBody>
           <a:bodyPr anchor="b"/>
           <a:lstStyle>
             <a:lvl1pPr algn="ctr">
-              <a:defRPr sz="9449"/>
+              <a:defRPr sz="11812"/>
             </a:lvl1pPr>
           </a:lstStyle>
           <a:p>
@@ -968,8 +1078,8 @@
         </p:nvSpPr>
         <p:spPr>
           <a:xfrm>
-            <a:off x="1800027" y="7563446"/>
-            <a:ext cx="10800160" cy="3476717"/>
+            <a:off x="2250083" y="9454516"/>
+            <a:ext cx="13500497" cy="4345992"/>
           </a:xfrm>
         </p:spPr>
         <p:txBody>
@@ -977,39 +1087,39 @@
           <a:lstStyle>
             <a:lvl1pPr marL="0" indent="0" algn="ctr">
               <a:buNone/>
-              <a:defRPr sz="3780"/>
+              <a:defRPr sz="4725"/>
             </a:lvl1pPr>
-            <a:lvl2pPr marL="719999" indent="0" algn="ctr">
+            <a:lvl2pPr marL="900044" indent="0" algn="ctr">
+              <a:buNone/>
+              <a:defRPr sz="3937"/>
+            </a:lvl2pPr>
+            <a:lvl3pPr marL="1800088" indent="0" algn="ctr">
+              <a:buNone/>
+              <a:defRPr sz="3543"/>
+            </a:lvl3pPr>
+            <a:lvl4pPr marL="2700132" indent="0" algn="ctr">
               <a:buNone/>
               <a:defRPr sz="3150"/>
-            </a:lvl2pPr>
-            <a:lvl3pPr marL="1439997" indent="0" algn="ctr">
+            </a:lvl4pPr>
+            <a:lvl5pPr marL="3600176" indent="0" algn="ctr">
               <a:buNone/>
-              <a:defRPr sz="2835"/>
-            </a:lvl3pPr>
-            <a:lvl4pPr marL="2159996" indent="0" algn="ctr">
+              <a:defRPr sz="3150"/>
+            </a:lvl5pPr>
+            <a:lvl6pPr marL="4500220" indent="0" algn="ctr">
               <a:buNone/>
-              <a:defRPr sz="2520"/>
-            </a:lvl4pPr>
-            <a:lvl5pPr marL="2879994" indent="0" algn="ctr">
+              <a:defRPr sz="3150"/>
+            </a:lvl6pPr>
+            <a:lvl7pPr marL="5400264" indent="0" algn="ctr">
               <a:buNone/>
-              <a:defRPr sz="2520"/>
-            </a:lvl5pPr>
-            <a:lvl6pPr marL="3599993" indent="0" algn="ctr">
+              <a:defRPr sz="3150"/>
+            </a:lvl7pPr>
+            <a:lvl8pPr marL="6300307" indent="0" algn="ctr">
               <a:buNone/>
-              <a:defRPr sz="2520"/>
-            </a:lvl6pPr>
-            <a:lvl7pPr marL="4319991" indent="0" algn="ctr">
+              <a:defRPr sz="3150"/>
+            </a:lvl8pPr>
+            <a:lvl9pPr marL="7200351" indent="0" algn="ctr">
               <a:buNone/>
-              <a:defRPr sz="2520"/>
-            </a:lvl7pPr>
-            <a:lvl8pPr marL="5039990" indent="0" algn="ctr">
-              <a:buNone/>
-              <a:defRPr sz="2520"/>
-            </a:lvl8pPr>
-            <a:lvl9pPr marL="5759988" indent="0" algn="ctr">
-              <a:buNone/>
-              <a:defRPr sz="2520"/>
+              <a:defRPr sz="3150"/>
             </a:lvl9pPr>
           </a:lstStyle>
           <a:p>
@@ -1038,7 +1148,7 @@
           <a:p>
             <a:fld id="{0670DAA9-D872-7549-A01D-4215341119AE}" type="datetimeFigureOut">
               <a:rPr lang="en-GB" smtClean="0"/>
-              <a:t>11/12/2025</a:t>
+              <a:t>06/01/2026</a:t>
             </a:fld>
             <a:endParaRPr lang="en-GB"/>
           </a:p>
@@ -1089,7 +1199,7 @@
     </p:spTree>
     <p:extLst>
       <p:ext uri="{BB962C8B-B14F-4D97-AF65-F5344CB8AC3E}">
-        <p14:creationId xmlns:p14="http://schemas.microsoft.com/office/powerpoint/2010/main" val="1543533295"/>
+        <p14:creationId xmlns:p14="http://schemas.microsoft.com/office/powerpoint/2010/main" val="1707737264"/>
       </p:ext>
     </p:extLst>
   </p:cSld>
@@ -1208,7 +1318,7 @@
           <a:p>
             <a:fld id="{0670DAA9-D872-7549-A01D-4215341119AE}" type="datetimeFigureOut">
               <a:rPr lang="en-GB" smtClean="0"/>
-              <a:t>11/12/2025</a:t>
+              <a:t>06/01/2026</a:t>
             </a:fld>
             <a:endParaRPr lang="en-GB"/>
           </a:p>
@@ -1259,7 +1369,7 @@
     </p:spTree>
     <p:extLst>
       <p:ext uri="{BB962C8B-B14F-4D97-AF65-F5344CB8AC3E}">
-        <p14:creationId xmlns:p14="http://schemas.microsoft.com/office/powerpoint/2010/main" val="3477636926"/>
+        <p14:creationId xmlns:p14="http://schemas.microsoft.com/office/powerpoint/2010/main" val="2753123870"/>
       </p:ext>
     </p:extLst>
   </p:cSld>
@@ -1298,8 +1408,8 @@
         </p:nvSpPr>
         <p:spPr>
           <a:xfrm>
-            <a:off x="10305153" y="766678"/>
-            <a:ext cx="3105046" cy="12203515"/>
+            <a:off x="12881725" y="958369"/>
+            <a:ext cx="3881393" cy="15254730"/>
           </a:xfrm>
         </p:spPr>
         <p:txBody>
@@ -1326,8 +1436,8 @@
         </p:nvSpPr>
         <p:spPr>
           <a:xfrm>
-            <a:off x="990015" y="766678"/>
-            <a:ext cx="9135135" cy="12203515"/>
+            <a:off x="1237546" y="958369"/>
+            <a:ext cx="11419171" cy="15254730"/>
           </a:xfrm>
         </p:spPr>
         <p:txBody>
@@ -1388,7 +1498,7 @@
           <a:p>
             <a:fld id="{0670DAA9-D872-7549-A01D-4215341119AE}" type="datetimeFigureOut">
               <a:rPr lang="en-GB" smtClean="0"/>
-              <a:t>11/12/2025</a:t>
+              <a:t>06/01/2026</a:t>
             </a:fld>
             <a:endParaRPr lang="en-GB"/>
           </a:p>
@@ -1439,7 +1549,7 @@
     </p:spTree>
     <p:extLst>
       <p:ext uri="{BB962C8B-B14F-4D97-AF65-F5344CB8AC3E}">
-        <p14:creationId xmlns:p14="http://schemas.microsoft.com/office/powerpoint/2010/main" val="4219025791"/>
+        <p14:creationId xmlns:p14="http://schemas.microsoft.com/office/powerpoint/2010/main" val="3467323124"/>
       </p:ext>
     </p:extLst>
   </p:cSld>
@@ -1558,7 +1668,7 @@
           <a:p>
             <a:fld id="{0670DAA9-D872-7549-A01D-4215341119AE}" type="datetimeFigureOut">
               <a:rPr lang="en-GB" smtClean="0"/>
-              <a:t>11/12/2025</a:t>
+              <a:t>06/01/2026</a:t>
             </a:fld>
             <a:endParaRPr lang="en-GB"/>
           </a:p>
@@ -1609,7 +1719,7 @@
     </p:spTree>
     <p:extLst>
       <p:ext uri="{BB962C8B-B14F-4D97-AF65-F5344CB8AC3E}">
-        <p14:creationId xmlns:p14="http://schemas.microsoft.com/office/powerpoint/2010/main" val="2097533671"/>
+        <p14:creationId xmlns:p14="http://schemas.microsoft.com/office/powerpoint/2010/main" val="2891804520"/>
       </p:ext>
     </p:extLst>
   </p:cSld>
@@ -1648,15 +1758,15 @@
         </p:nvSpPr>
         <p:spPr>
           <a:xfrm>
-            <a:off x="982515" y="3590057"/>
-            <a:ext cx="12420184" cy="5990088"/>
+            <a:off x="1228171" y="4487671"/>
+            <a:ext cx="15525572" cy="7487774"/>
           </a:xfrm>
         </p:spPr>
         <p:txBody>
           <a:bodyPr anchor="b"/>
           <a:lstStyle>
             <a:lvl1pPr>
-              <a:defRPr sz="9449"/>
+              <a:defRPr sz="11812"/>
             </a:lvl1pPr>
           </a:lstStyle>
           <a:p>
@@ -1680,8 +1790,8 @@
         </p:nvSpPr>
         <p:spPr>
           <a:xfrm>
-            <a:off x="982515" y="9636813"/>
-            <a:ext cx="12420184" cy="3150046"/>
+            <a:off x="1228171" y="12046282"/>
+            <a:ext cx="15525572" cy="3937644"/>
           </a:xfrm>
         </p:spPr>
         <p:txBody>
@@ -1689,7 +1799,7 @@
           <a:lstStyle>
             <a:lvl1pPr marL="0" indent="0">
               <a:buNone/>
-              <a:defRPr sz="3780">
+              <a:defRPr sz="4725">
                 <a:solidFill>
                   <a:schemeClr val="tx1">
                     <a:tint val="82000"/>
@@ -1697,7 +1807,27 @@
                 </a:solidFill>
               </a:defRPr>
             </a:lvl1pPr>
-            <a:lvl2pPr marL="719999" indent="0">
+            <a:lvl2pPr marL="900044" indent="0">
+              <a:buNone/>
+              <a:defRPr sz="3937">
+                <a:solidFill>
+                  <a:schemeClr val="tx1">
+                    <a:tint val="82000"/>
+                  </a:schemeClr>
+                </a:solidFill>
+              </a:defRPr>
+            </a:lvl2pPr>
+            <a:lvl3pPr marL="1800088" indent="0">
+              <a:buNone/>
+              <a:defRPr sz="3543">
+                <a:solidFill>
+                  <a:schemeClr val="tx1">
+                    <a:tint val="82000"/>
+                  </a:schemeClr>
+                </a:solidFill>
+              </a:defRPr>
+            </a:lvl3pPr>
+            <a:lvl4pPr marL="2700132" indent="0">
               <a:buNone/>
               <a:defRPr sz="3150">
                 <a:solidFill>
@@ -1706,30 +1836,10 @@
                   </a:schemeClr>
                 </a:solidFill>
               </a:defRPr>
-            </a:lvl2pPr>
-            <a:lvl3pPr marL="1439997" indent="0">
+            </a:lvl4pPr>
+            <a:lvl5pPr marL="3600176" indent="0">
               <a:buNone/>
-              <a:defRPr sz="2835">
-                <a:solidFill>
-                  <a:schemeClr val="tx1">
-                    <a:tint val="82000"/>
-                  </a:schemeClr>
-                </a:solidFill>
-              </a:defRPr>
-            </a:lvl3pPr>
-            <a:lvl4pPr marL="2159996" indent="0">
-              <a:buNone/>
-              <a:defRPr sz="2520">
-                <a:solidFill>
-                  <a:schemeClr val="tx1">
-                    <a:tint val="82000"/>
-                  </a:schemeClr>
-                </a:solidFill>
-              </a:defRPr>
-            </a:lvl4pPr>
-            <a:lvl5pPr marL="2879994" indent="0">
-              <a:buNone/>
-              <a:defRPr sz="2520">
+              <a:defRPr sz="3150">
                 <a:solidFill>
                   <a:schemeClr val="tx1">
                     <a:tint val="82000"/>
@@ -1737,9 +1847,9 @@
                 </a:solidFill>
               </a:defRPr>
             </a:lvl5pPr>
-            <a:lvl6pPr marL="3599993" indent="0">
+            <a:lvl6pPr marL="4500220" indent="0">
               <a:buNone/>
-              <a:defRPr sz="2520">
+              <a:defRPr sz="3150">
                 <a:solidFill>
                   <a:schemeClr val="tx1">
                     <a:tint val="82000"/>
@@ -1747,9 +1857,9 @@
                 </a:solidFill>
               </a:defRPr>
             </a:lvl6pPr>
-            <a:lvl7pPr marL="4319991" indent="0">
+            <a:lvl7pPr marL="5400264" indent="0">
               <a:buNone/>
-              <a:defRPr sz="2520">
+              <a:defRPr sz="3150">
                 <a:solidFill>
                   <a:schemeClr val="tx1">
                     <a:tint val="82000"/>
@@ -1757,9 +1867,9 @@
                 </a:solidFill>
               </a:defRPr>
             </a:lvl7pPr>
-            <a:lvl8pPr marL="5039990" indent="0">
+            <a:lvl8pPr marL="6300307" indent="0">
               <a:buNone/>
-              <a:defRPr sz="2520">
+              <a:defRPr sz="3150">
                 <a:solidFill>
                   <a:schemeClr val="tx1">
                     <a:tint val="82000"/>
@@ -1767,9 +1877,9 @@
                 </a:solidFill>
               </a:defRPr>
             </a:lvl8pPr>
-            <a:lvl9pPr marL="5759988" indent="0">
+            <a:lvl9pPr marL="7200351" indent="0">
               <a:buNone/>
-              <a:defRPr sz="2520">
+              <a:defRPr sz="3150">
                 <a:solidFill>
                   <a:schemeClr val="tx1">
                     <a:tint val="82000"/>
@@ -1804,7 +1914,7 @@
           <a:p>
             <a:fld id="{0670DAA9-D872-7549-A01D-4215341119AE}" type="datetimeFigureOut">
               <a:rPr lang="en-GB" smtClean="0"/>
-              <a:t>11/12/2025</a:t>
+              <a:t>06/01/2026</a:t>
             </a:fld>
             <a:endParaRPr lang="en-GB"/>
           </a:p>
@@ -1855,7 +1965,7 @@
     </p:spTree>
     <p:extLst>
       <p:ext uri="{BB962C8B-B14F-4D97-AF65-F5344CB8AC3E}">
-        <p14:creationId xmlns:p14="http://schemas.microsoft.com/office/powerpoint/2010/main" val="2149141414"/>
+        <p14:creationId xmlns:p14="http://schemas.microsoft.com/office/powerpoint/2010/main" val="2429336043"/>
       </p:ext>
     </p:extLst>
   </p:cSld>
@@ -1917,8 +2027,8 @@
         </p:nvSpPr>
         <p:spPr>
           <a:xfrm>
-            <a:off x="990014" y="3833390"/>
-            <a:ext cx="6120091" cy="9136803"/>
+            <a:off x="1237545" y="4791843"/>
+            <a:ext cx="7650282" cy="11421255"/>
           </a:xfrm>
         </p:spPr>
         <p:txBody>
@@ -1974,8 +2084,8 @@
         </p:nvSpPr>
         <p:spPr>
           <a:xfrm>
-            <a:off x="7290108" y="3833390"/>
-            <a:ext cx="6120091" cy="9136803"/>
+            <a:off x="9112836" y="4791843"/>
+            <a:ext cx="7650282" cy="11421255"/>
           </a:xfrm>
         </p:spPr>
         <p:txBody>
@@ -2036,7 +2146,7 @@
           <a:p>
             <a:fld id="{0670DAA9-D872-7549-A01D-4215341119AE}" type="datetimeFigureOut">
               <a:rPr lang="en-GB" smtClean="0"/>
-              <a:t>11/12/2025</a:t>
+              <a:t>06/01/2026</a:t>
             </a:fld>
             <a:endParaRPr lang="en-GB"/>
           </a:p>
@@ -2087,7 +2197,7 @@
     </p:spTree>
     <p:extLst>
       <p:ext uri="{BB962C8B-B14F-4D97-AF65-F5344CB8AC3E}">
-        <p14:creationId xmlns:p14="http://schemas.microsoft.com/office/powerpoint/2010/main" val="2572208360"/>
+        <p14:creationId xmlns:p14="http://schemas.microsoft.com/office/powerpoint/2010/main" val="3248103843"/>
       </p:ext>
     </p:extLst>
   </p:cSld>
@@ -2126,8 +2236,8 @@
         </p:nvSpPr>
         <p:spPr>
           <a:xfrm>
-            <a:off x="991890" y="766681"/>
-            <a:ext cx="12420184" cy="2783376"/>
+            <a:off x="1239890" y="958373"/>
+            <a:ext cx="15525572" cy="3479296"/>
           </a:xfrm>
         </p:spPr>
         <p:txBody>
@@ -2154,8 +2264,8 @@
         </p:nvSpPr>
         <p:spPr>
           <a:xfrm>
-            <a:off x="991892" y="3530053"/>
-            <a:ext cx="6091964" cy="1730025"/>
+            <a:off x="1239892" y="4412664"/>
+            <a:ext cx="7615123" cy="2162578"/>
           </a:xfrm>
         </p:spPr>
         <p:txBody>
@@ -2163,39 +2273,39 @@
           <a:lstStyle>
             <a:lvl1pPr marL="0" indent="0">
               <a:buNone/>
-              <a:defRPr sz="3780" b="1"/>
+              <a:defRPr sz="4725" b="1"/>
             </a:lvl1pPr>
-            <a:lvl2pPr marL="719999" indent="0">
+            <a:lvl2pPr marL="900044" indent="0">
+              <a:buNone/>
+              <a:defRPr sz="3937" b="1"/>
+            </a:lvl2pPr>
+            <a:lvl3pPr marL="1800088" indent="0">
+              <a:buNone/>
+              <a:defRPr sz="3543" b="1"/>
+            </a:lvl3pPr>
+            <a:lvl4pPr marL="2700132" indent="0">
               <a:buNone/>
               <a:defRPr sz="3150" b="1"/>
-            </a:lvl2pPr>
-            <a:lvl3pPr marL="1439997" indent="0">
+            </a:lvl4pPr>
+            <a:lvl5pPr marL="3600176" indent="0">
               <a:buNone/>
-              <a:defRPr sz="2835" b="1"/>
-            </a:lvl3pPr>
-            <a:lvl4pPr marL="2159996" indent="0">
+              <a:defRPr sz="3150" b="1"/>
+            </a:lvl5pPr>
+            <a:lvl6pPr marL="4500220" indent="0">
               <a:buNone/>
-              <a:defRPr sz="2520" b="1"/>
-            </a:lvl4pPr>
-            <a:lvl5pPr marL="2879994" indent="0">
+              <a:defRPr sz="3150" b="1"/>
+            </a:lvl6pPr>
+            <a:lvl7pPr marL="5400264" indent="0">
               <a:buNone/>
-              <a:defRPr sz="2520" b="1"/>
-            </a:lvl5pPr>
-            <a:lvl6pPr marL="3599993" indent="0">
+              <a:defRPr sz="3150" b="1"/>
+            </a:lvl7pPr>
+            <a:lvl8pPr marL="6300307" indent="0">
               <a:buNone/>
-              <a:defRPr sz="2520" b="1"/>
-            </a:lvl6pPr>
-            <a:lvl7pPr marL="4319991" indent="0">
+              <a:defRPr sz="3150" b="1"/>
+            </a:lvl8pPr>
+            <a:lvl9pPr marL="7200351" indent="0">
               <a:buNone/>
-              <a:defRPr sz="2520" b="1"/>
-            </a:lvl7pPr>
-            <a:lvl8pPr marL="5039990" indent="0">
-              <a:buNone/>
-              <a:defRPr sz="2520" b="1"/>
-            </a:lvl8pPr>
-            <a:lvl9pPr marL="5759988" indent="0">
-              <a:buNone/>
-              <a:defRPr sz="2520" b="1"/>
+              <a:defRPr sz="3150" b="1"/>
             </a:lvl9pPr>
           </a:lstStyle>
           <a:p>
@@ -2219,8 +2329,8 @@
         </p:nvSpPr>
         <p:spPr>
           <a:xfrm>
-            <a:off x="991892" y="5260078"/>
-            <a:ext cx="6091964" cy="7736782"/>
+            <a:off x="1239892" y="6575242"/>
+            <a:ext cx="7615123" cy="9671191"/>
           </a:xfrm>
         </p:spPr>
         <p:txBody>
@@ -2276,8 +2386,8 @@
         </p:nvSpPr>
         <p:spPr>
           <a:xfrm>
-            <a:off x="7290109" y="3530053"/>
-            <a:ext cx="6121966" cy="1730025"/>
+            <a:off x="9112837" y="4412664"/>
+            <a:ext cx="7652626" cy="2162578"/>
           </a:xfrm>
         </p:spPr>
         <p:txBody>
@@ -2285,39 +2395,39 @@
           <a:lstStyle>
             <a:lvl1pPr marL="0" indent="0">
               <a:buNone/>
-              <a:defRPr sz="3780" b="1"/>
+              <a:defRPr sz="4725" b="1"/>
             </a:lvl1pPr>
-            <a:lvl2pPr marL="719999" indent="0">
+            <a:lvl2pPr marL="900044" indent="0">
+              <a:buNone/>
+              <a:defRPr sz="3937" b="1"/>
+            </a:lvl2pPr>
+            <a:lvl3pPr marL="1800088" indent="0">
+              <a:buNone/>
+              <a:defRPr sz="3543" b="1"/>
+            </a:lvl3pPr>
+            <a:lvl4pPr marL="2700132" indent="0">
               <a:buNone/>
               <a:defRPr sz="3150" b="1"/>
-            </a:lvl2pPr>
-            <a:lvl3pPr marL="1439997" indent="0">
+            </a:lvl4pPr>
+            <a:lvl5pPr marL="3600176" indent="0">
               <a:buNone/>
-              <a:defRPr sz="2835" b="1"/>
-            </a:lvl3pPr>
-            <a:lvl4pPr marL="2159996" indent="0">
+              <a:defRPr sz="3150" b="1"/>
+            </a:lvl5pPr>
+            <a:lvl6pPr marL="4500220" indent="0">
               <a:buNone/>
-              <a:defRPr sz="2520" b="1"/>
-            </a:lvl4pPr>
-            <a:lvl5pPr marL="2879994" indent="0">
+              <a:defRPr sz="3150" b="1"/>
+            </a:lvl6pPr>
+            <a:lvl7pPr marL="5400264" indent="0">
               <a:buNone/>
-              <a:defRPr sz="2520" b="1"/>
-            </a:lvl5pPr>
-            <a:lvl6pPr marL="3599993" indent="0">
+              <a:defRPr sz="3150" b="1"/>
+            </a:lvl7pPr>
+            <a:lvl8pPr marL="6300307" indent="0">
               <a:buNone/>
-              <a:defRPr sz="2520" b="1"/>
-            </a:lvl6pPr>
-            <a:lvl7pPr marL="4319991" indent="0">
+              <a:defRPr sz="3150" b="1"/>
+            </a:lvl8pPr>
+            <a:lvl9pPr marL="7200351" indent="0">
               <a:buNone/>
-              <a:defRPr sz="2520" b="1"/>
-            </a:lvl7pPr>
-            <a:lvl8pPr marL="5039990" indent="0">
-              <a:buNone/>
-              <a:defRPr sz="2520" b="1"/>
-            </a:lvl8pPr>
-            <a:lvl9pPr marL="5759988" indent="0">
-              <a:buNone/>
-              <a:defRPr sz="2520" b="1"/>
+              <a:defRPr sz="3150" b="1"/>
             </a:lvl9pPr>
           </a:lstStyle>
           <a:p>
@@ -2341,8 +2451,8 @@
         </p:nvSpPr>
         <p:spPr>
           <a:xfrm>
-            <a:off x="7290109" y="5260078"/>
-            <a:ext cx="6121966" cy="7736782"/>
+            <a:off x="9112837" y="6575242"/>
+            <a:ext cx="7652626" cy="9671191"/>
           </a:xfrm>
         </p:spPr>
         <p:txBody>
@@ -2403,7 +2513,7 @@
           <a:p>
             <a:fld id="{0670DAA9-D872-7549-A01D-4215341119AE}" type="datetimeFigureOut">
               <a:rPr lang="en-GB" smtClean="0"/>
-              <a:t>11/12/2025</a:t>
+              <a:t>06/01/2026</a:t>
             </a:fld>
             <a:endParaRPr lang="en-GB"/>
           </a:p>
@@ -2454,7 +2564,7 @@
     </p:spTree>
     <p:extLst>
       <p:ext uri="{BB962C8B-B14F-4D97-AF65-F5344CB8AC3E}">
-        <p14:creationId xmlns:p14="http://schemas.microsoft.com/office/powerpoint/2010/main" val="1684225854"/>
+        <p14:creationId xmlns:p14="http://schemas.microsoft.com/office/powerpoint/2010/main" val="824747742"/>
       </p:ext>
     </p:extLst>
   </p:cSld>
@@ -2521,7 +2631,7 @@
           <a:p>
             <a:fld id="{0670DAA9-D872-7549-A01D-4215341119AE}" type="datetimeFigureOut">
               <a:rPr lang="en-GB" smtClean="0"/>
-              <a:t>11/12/2025</a:t>
+              <a:t>06/01/2026</a:t>
             </a:fld>
             <a:endParaRPr lang="en-GB"/>
           </a:p>
@@ -2572,7 +2682,7 @@
     </p:spTree>
     <p:extLst>
       <p:ext uri="{BB962C8B-B14F-4D97-AF65-F5344CB8AC3E}">
-        <p14:creationId xmlns:p14="http://schemas.microsoft.com/office/powerpoint/2010/main" val="738331880"/>
+        <p14:creationId xmlns:p14="http://schemas.microsoft.com/office/powerpoint/2010/main" val="3302168850"/>
       </p:ext>
     </p:extLst>
   </p:cSld>
@@ -2616,7 +2726,7 @@
           <a:p>
             <a:fld id="{0670DAA9-D872-7549-A01D-4215341119AE}" type="datetimeFigureOut">
               <a:rPr lang="en-GB" smtClean="0"/>
-              <a:t>11/12/2025</a:t>
+              <a:t>06/01/2026</a:t>
             </a:fld>
             <a:endParaRPr lang="en-GB"/>
           </a:p>
@@ -2667,7 +2777,7 @@
     </p:spTree>
     <p:extLst>
       <p:ext uri="{BB962C8B-B14F-4D97-AF65-F5344CB8AC3E}">
-        <p14:creationId xmlns:p14="http://schemas.microsoft.com/office/powerpoint/2010/main" val="3906376446"/>
+        <p14:creationId xmlns:p14="http://schemas.microsoft.com/office/powerpoint/2010/main" val="3537231539"/>
       </p:ext>
     </p:extLst>
   </p:cSld>
@@ -2706,15 +2816,15 @@
         </p:nvSpPr>
         <p:spPr>
           <a:xfrm>
-            <a:off x="991890" y="960014"/>
-            <a:ext cx="4644444" cy="3360050"/>
+            <a:off x="1239890" y="1200044"/>
+            <a:ext cx="5805682" cy="4200155"/>
           </a:xfrm>
         </p:spPr>
         <p:txBody>
           <a:bodyPr anchor="b"/>
           <a:lstStyle>
             <a:lvl1pPr>
-              <a:defRPr sz="5039"/>
+              <a:defRPr sz="6300"/>
             </a:lvl1pPr>
           </a:lstStyle>
           <a:p>
@@ -2738,39 +2848,39 @@
         </p:nvSpPr>
         <p:spPr>
           <a:xfrm>
-            <a:off x="6121966" y="2073367"/>
-            <a:ext cx="7290108" cy="10233485"/>
+            <a:off x="7652626" y="2591766"/>
+            <a:ext cx="9112836" cy="12792138"/>
           </a:xfrm>
         </p:spPr>
         <p:txBody>
           <a:bodyPr/>
           <a:lstStyle>
             <a:lvl1pPr>
-              <a:defRPr sz="5039"/>
+              <a:defRPr sz="6300"/>
             </a:lvl1pPr>
             <a:lvl2pPr>
-              <a:defRPr sz="4409"/>
+              <a:defRPr sz="5512"/>
             </a:lvl2pPr>
             <a:lvl3pPr>
-              <a:defRPr sz="3780"/>
+              <a:defRPr sz="4725"/>
             </a:lvl3pPr>
             <a:lvl4pPr>
-              <a:defRPr sz="3150"/>
+              <a:defRPr sz="3937"/>
             </a:lvl4pPr>
             <a:lvl5pPr>
-              <a:defRPr sz="3150"/>
+              <a:defRPr sz="3937"/>
             </a:lvl5pPr>
             <a:lvl6pPr>
-              <a:defRPr sz="3150"/>
+              <a:defRPr sz="3937"/>
             </a:lvl6pPr>
             <a:lvl7pPr>
-              <a:defRPr sz="3150"/>
+              <a:defRPr sz="3937"/>
             </a:lvl7pPr>
             <a:lvl8pPr>
-              <a:defRPr sz="3150"/>
+              <a:defRPr sz="3937"/>
             </a:lvl8pPr>
             <a:lvl9pPr>
-              <a:defRPr sz="3150"/>
+              <a:defRPr sz="3937"/>
             </a:lvl9pPr>
           </a:lstStyle>
           <a:p>
@@ -2823,8 +2933,8 @@
         </p:nvSpPr>
         <p:spPr>
           <a:xfrm>
-            <a:off x="991890" y="4320064"/>
-            <a:ext cx="4644444" cy="8003453"/>
+            <a:off x="1239890" y="5400199"/>
+            <a:ext cx="5805682" cy="10004536"/>
           </a:xfrm>
         </p:spPr>
         <p:txBody>
@@ -2832,39 +2942,39 @@
           <a:lstStyle>
             <a:lvl1pPr marL="0" indent="0">
               <a:buNone/>
-              <a:defRPr sz="2520"/>
+              <a:defRPr sz="3150"/>
             </a:lvl1pPr>
-            <a:lvl2pPr marL="719999" indent="0">
+            <a:lvl2pPr marL="900044" indent="0">
               <a:buNone/>
-              <a:defRPr sz="2205"/>
+              <a:defRPr sz="2756"/>
             </a:lvl2pPr>
-            <a:lvl3pPr marL="1439997" indent="0">
+            <a:lvl3pPr marL="1800088" indent="0">
               <a:buNone/>
-              <a:defRPr sz="1890"/>
+              <a:defRPr sz="2362"/>
             </a:lvl3pPr>
-            <a:lvl4pPr marL="2159996" indent="0">
+            <a:lvl4pPr marL="2700132" indent="0">
               <a:buNone/>
-              <a:defRPr sz="1575"/>
+              <a:defRPr sz="1969"/>
             </a:lvl4pPr>
-            <a:lvl5pPr marL="2879994" indent="0">
+            <a:lvl5pPr marL="3600176" indent="0">
               <a:buNone/>
-              <a:defRPr sz="1575"/>
+              <a:defRPr sz="1969"/>
             </a:lvl5pPr>
-            <a:lvl6pPr marL="3599993" indent="0">
+            <a:lvl6pPr marL="4500220" indent="0">
               <a:buNone/>
-              <a:defRPr sz="1575"/>
+              <a:defRPr sz="1969"/>
             </a:lvl6pPr>
-            <a:lvl7pPr marL="4319991" indent="0">
+            <a:lvl7pPr marL="5400264" indent="0">
               <a:buNone/>
-              <a:defRPr sz="1575"/>
+              <a:defRPr sz="1969"/>
             </a:lvl7pPr>
-            <a:lvl8pPr marL="5039990" indent="0">
+            <a:lvl8pPr marL="6300307" indent="0">
               <a:buNone/>
-              <a:defRPr sz="1575"/>
+              <a:defRPr sz="1969"/>
             </a:lvl8pPr>
-            <a:lvl9pPr marL="5759988" indent="0">
+            <a:lvl9pPr marL="7200351" indent="0">
               <a:buNone/>
-              <a:defRPr sz="1575"/>
+              <a:defRPr sz="1969"/>
             </a:lvl9pPr>
           </a:lstStyle>
           <a:p>
@@ -2893,7 +3003,7 @@
           <a:p>
             <a:fld id="{0670DAA9-D872-7549-A01D-4215341119AE}" type="datetimeFigureOut">
               <a:rPr lang="en-GB" smtClean="0"/>
-              <a:t>11/12/2025</a:t>
+              <a:t>06/01/2026</a:t>
             </a:fld>
             <a:endParaRPr lang="en-GB"/>
           </a:p>
@@ -2944,7 +3054,7 @@
     </p:spTree>
     <p:extLst>
       <p:ext uri="{BB962C8B-B14F-4D97-AF65-F5344CB8AC3E}">
-        <p14:creationId xmlns:p14="http://schemas.microsoft.com/office/powerpoint/2010/main" val="4278378710"/>
+        <p14:creationId xmlns:p14="http://schemas.microsoft.com/office/powerpoint/2010/main" val="788364964"/>
       </p:ext>
     </p:extLst>
   </p:cSld>
@@ -2983,15 +3093,15 @@
         </p:nvSpPr>
         <p:spPr>
           <a:xfrm>
-            <a:off x="991890" y="960014"/>
-            <a:ext cx="4644444" cy="3360050"/>
+            <a:off x="1239890" y="1200044"/>
+            <a:ext cx="5805682" cy="4200155"/>
           </a:xfrm>
         </p:spPr>
         <p:txBody>
           <a:bodyPr anchor="b"/>
           <a:lstStyle>
             <a:lvl1pPr>
-              <a:defRPr sz="5039"/>
+              <a:defRPr sz="6300"/>
             </a:lvl1pPr>
           </a:lstStyle>
           <a:p>
@@ -3015,8 +3125,8 @@
         </p:nvSpPr>
         <p:spPr>
           <a:xfrm>
-            <a:off x="6121966" y="2073367"/>
-            <a:ext cx="7290108" cy="10233485"/>
+            <a:off x="7652626" y="2591766"/>
+            <a:ext cx="9112836" cy="12792138"/>
           </a:xfrm>
         </p:spPr>
         <p:txBody>
@@ -3024,39 +3134,39 @@
           <a:lstStyle>
             <a:lvl1pPr marL="0" indent="0">
               <a:buNone/>
-              <a:defRPr sz="5039"/>
+              <a:defRPr sz="6300"/>
             </a:lvl1pPr>
-            <a:lvl2pPr marL="719999" indent="0">
+            <a:lvl2pPr marL="900044" indent="0">
               <a:buNone/>
-              <a:defRPr sz="4409"/>
+              <a:defRPr sz="5512"/>
             </a:lvl2pPr>
-            <a:lvl3pPr marL="1439997" indent="0">
+            <a:lvl3pPr marL="1800088" indent="0">
               <a:buNone/>
-              <a:defRPr sz="3780"/>
+              <a:defRPr sz="4725"/>
             </a:lvl3pPr>
-            <a:lvl4pPr marL="2159996" indent="0">
+            <a:lvl4pPr marL="2700132" indent="0">
               <a:buNone/>
-              <a:defRPr sz="3150"/>
+              <a:defRPr sz="3937"/>
             </a:lvl4pPr>
-            <a:lvl5pPr marL="2879994" indent="0">
+            <a:lvl5pPr marL="3600176" indent="0">
               <a:buNone/>
-              <a:defRPr sz="3150"/>
+              <a:defRPr sz="3937"/>
             </a:lvl5pPr>
-            <a:lvl6pPr marL="3599993" indent="0">
+            <a:lvl6pPr marL="4500220" indent="0">
               <a:buNone/>
-              <a:defRPr sz="3150"/>
+              <a:defRPr sz="3937"/>
             </a:lvl6pPr>
-            <a:lvl7pPr marL="4319991" indent="0">
+            <a:lvl7pPr marL="5400264" indent="0">
               <a:buNone/>
-              <a:defRPr sz="3150"/>
+              <a:defRPr sz="3937"/>
             </a:lvl7pPr>
-            <a:lvl8pPr marL="5039990" indent="0">
+            <a:lvl8pPr marL="6300307" indent="0">
               <a:buNone/>
-              <a:defRPr sz="3150"/>
+              <a:defRPr sz="3937"/>
             </a:lvl8pPr>
-            <a:lvl9pPr marL="5759988" indent="0">
+            <a:lvl9pPr marL="7200351" indent="0">
               <a:buNone/>
-              <a:defRPr sz="3150"/>
+              <a:defRPr sz="3937"/>
             </a:lvl9pPr>
           </a:lstStyle>
           <a:p>
@@ -3080,8 +3190,8 @@
         </p:nvSpPr>
         <p:spPr>
           <a:xfrm>
-            <a:off x="991890" y="4320064"/>
-            <a:ext cx="4644444" cy="8003453"/>
+            <a:off x="1239890" y="5400199"/>
+            <a:ext cx="5805682" cy="10004536"/>
           </a:xfrm>
         </p:spPr>
         <p:txBody>
@@ -3089,39 +3199,39 @@
           <a:lstStyle>
             <a:lvl1pPr marL="0" indent="0">
               <a:buNone/>
-              <a:defRPr sz="2520"/>
+              <a:defRPr sz="3150"/>
             </a:lvl1pPr>
-            <a:lvl2pPr marL="719999" indent="0">
+            <a:lvl2pPr marL="900044" indent="0">
               <a:buNone/>
-              <a:defRPr sz="2205"/>
+              <a:defRPr sz="2756"/>
             </a:lvl2pPr>
-            <a:lvl3pPr marL="1439997" indent="0">
+            <a:lvl3pPr marL="1800088" indent="0">
               <a:buNone/>
-              <a:defRPr sz="1890"/>
+              <a:defRPr sz="2362"/>
             </a:lvl3pPr>
-            <a:lvl4pPr marL="2159996" indent="0">
+            <a:lvl4pPr marL="2700132" indent="0">
               <a:buNone/>
-              <a:defRPr sz="1575"/>
+              <a:defRPr sz="1969"/>
             </a:lvl4pPr>
-            <a:lvl5pPr marL="2879994" indent="0">
+            <a:lvl5pPr marL="3600176" indent="0">
               <a:buNone/>
-              <a:defRPr sz="1575"/>
+              <a:defRPr sz="1969"/>
             </a:lvl5pPr>
-            <a:lvl6pPr marL="3599993" indent="0">
+            <a:lvl6pPr marL="4500220" indent="0">
               <a:buNone/>
-              <a:defRPr sz="1575"/>
+              <a:defRPr sz="1969"/>
             </a:lvl6pPr>
-            <a:lvl7pPr marL="4319991" indent="0">
+            <a:lvl7pPr marL="5400264" indent="0">
               <a:buNone/>
-              <a:defRPr sz="1575"/>
+              <a:defRPr sz="1969"/>
             </a:lvl7pPr>
-            <a:lvl8pPr marL="5039990" indent="0">
+            <a:lvl8pPr marL="6300307" indent="0">
               <a:buNone/>
-              <a:defRPr sz="1575"/>
+              <a:defRPr sz="1969"/>
             </a:lvl8pPr>
-            <a:lvl9pPr marL="5759988" indent="0">
+            <a:lvl9pPr marL="7200351" indent="0">
               <a:buNone/>
-              <a:defRPr sz="1575"/>
+              <a:defRPr sz="1969"/>
             </a:lvl9pPr>
           </a:lstStyle>
           <a:p>
@@ -3150,7 +3260,7 @@
           <a:p>
             <a:fld id="{0670DAA9-D872-7549-A01D-4215341119AE}" type="datetimeFigureOut">
               <a:rPr lang="en-GB" smtClean="0"/>
-              <a:t>11/12/2025</a:t>
+              <a:t>06/01/2026</a:t>
             </a:fld>
             <a:endParaRPr lang="en-GB"/>
           </a:p>
@@ -3201,7 +3311,7 @@
     </p:spTree>
     <p:extLst>
       <p:ext uri="{BB962C8B-B14F-4D97-AF65-F5344CB8AC3E}">
-        <p14:creationId xmlns:p14="http://schemas.microsoft.com/office/powerpoint/2010/main" val="71637539"/>
+        <p14:creationId xmlns:p14="http://schemas.microsoft.com/office/powerpoint/2010/main" val="3047935293"/>
       </p:ext>
     </p:extLst>
   </p:cSld>
@@ -3245,8 +3355,8 @@
         </p:nvSpPr>
         <p:spPr>
           <a:xfrm>
-            <a:off x="990015" y="766681"/>
-            <a:ext cx="12420184" cy="2783376"/>
+            <a:off x="1237546" y="958373"/>
+            <a:ext cx="15525572" cy="3479296"/>
           </a:xfrm>
           <a:prstGeom prst="rect">
             <a:avLst/>
@@ -3278,8 +3388,8 @@
         </p:nvSpPr>
         <p:spPr>
           <a:xfrm>
-            <a:off x="990015" y="3833390"/>
-            <a:ext cx="12420184" cy="9136803"/>
+            <a:off x="1237546" y="4791843"/>
+            <a:ext cx="15525572" cy="11421255"/>
           </a:xfrm>
           <a:prstGeom prst="rect">
             <a:avLst/>
@@ -3340,8 +3450,8 @@
         </p:nvSpPr>
         <p:spPr>
           <a:xfrm>
-            <a:off x="990015" y="13346867"/>
-            <a:ext cx="3240048" cy="766678"/>
+            <a:off x="1237546" y="16683952"/>
+            <a:ext cx="4050149" cy="958369"/>
           </a:xfrm>
           <a:prstGeom prst="rect">
             <a:avLst/>
@@ -3351,7 +3461,7 @@
           <a:bodyPr vert="horz" lIns="91440" tIns="45720" rIns="91440" bIns="45720" rtlCol="0" anchor="ctr"/>
           <a:lstStyle>
             <a:lvl1pPr algn="l">
-              <a:defRPr sz="1890">
+              <a:defRPr sz="2362">
                 <a:solidFill>
                   <a:schemeClr val="tx1">
                     <a:tint val="82000"/>
@@ -3363,7 +3473,7 @@
           <a:p>
             <a:fld id="{0670DAA9-D872-7549-A01D-4215341119AE}" type="datetimeFigureOut">
               <a:rPr lang="en-GB" smtClean="0"/>
-              <a:t>11/12/2025</a:t>
+              <a:t>06/01/2026</a:t>
             </a:fld>
             <a:endParaRPr lang="en-GB"/>
           </a:p>
@@ -3381,8 +3491,8 @@
         </p:nvSpPr>
         <p:spPr>
           <a:xfrm>
-            <a:off x="4770071" y="13346867"/>
-            <a:ext cx="4860072" cy="766678"/>
+            <a:off x="5962720" y="16683952"/>
+            <a:ext cx="6075224" cy="958369"/>
           </a:xfrm>
           <a:prstGeom prst="rect">
             <a:avLst/>
@@ -3392,7 +3502,7 @@
           <a:bodyPr vert="horz" lIns="91440" tIns="45720" rIns="91440" bIns="45720" rtlCol="0" anchor="ctr"/>
           <a:lstStyle>
             <a:lvl1pPr algn="ctr">
-              <a:defRPr sz="1890">
+              <a:defRPr sz="2362">
                 <a:solidFill>
                   <a:schemeClr val="tx1">
                     <a:tint val="82000"/>
@@ -3418,8 +3528,8 @@
         </p:nvSpPr>
         <p:spPr>
           <a:xfrm>
-            <a:off x="10170150" y="13346867"/>
-            <a:ext cx="3240048" cy="766678"/>
+            <a:off x="12712968" y="16683952"/>
+            <a:ext cx="4050149" cy="958369"/>
           </a:xfrm>
           <a:prstGeom prst="rect">
             <a:avLst/>
@@ -3429,7 +3539,7 @@
           <a:bodyPr vert="horz" lIns="91440" tIns="45720" rIns="91440" bIns="45720" rtlCol="0" anchor="ctr"/>
           <a:lstStyle>
             <a:lvl1pPr algn="r">
-              <a:defRPr sz="1890">
+              <a:defRPr sz="2362">
                 <a:solidFill>
                   <a:schemeClr val="tx1">
                     <a:tint val="82000"/>
@@ -3450,27 +3560,27 @@
     </p:spTree>
     <p:extLst>
       <p:ext uri="{BB962C8B-B14F-4D97-AF65-F5344CB8AC3E}">
-        <p14:creationId xmlns:p14="http://schemas.microsoft.com/office/powerpoint/2010/main" val="3717861169"/>
+        <p14:creationId xmlns:p14="http://schemas.microsoft.com/office/powerpoint/2010/main" val="2976399576"/>
       </p:ext>
     </p:extLst>
   </p:cSld>
   <p:clrMap bg1="lt1" tx1="dk1" bg2="lt2" tx2="dk2" accent1="accent1" accent2="accent2" accent3="accent3" accent4="accent4" accent5="accent5" accent6="accent6" hlink="hlink" folHlink="folHlink"/>
   <p:sldLayoutIdLst>
-    <p:sldLayoutId id="2147483673" r:id="rId1"/>
-    <p:sldLayoutId id="2147483674" r:id="rId2"/>
-    <p:sldLayoutId id="2147483675" r:id="rId3"/>
-    <p:sldLayoutId id="2147483676" r:id="rId4"/>
-    <p:sldLayoutId id="2147483677" r:id="rId5"/>
-    <p:sldLayoutId id="2147483678" r:id="rId6"/>
-    <p:sldLayoutId id="2147483679" r:id="rId7"/>
-    <p:sldLayoutId id="2147483680" r:id="rId8"/>
-    <p:sldLayoutId id="2147483681" r:id="rId9"/>
-    <p:sldLayoutId id="2147483682" r:id="rId10"/>
-    <p:sldLayoutId id="2147483683" r:id="rId11"/>
+    <p:sldLayoutId id="2147483697" r:id="rId1"/>
+    <p:sldLayoutId id="2147483698" r:id="rId2"/>
+    <p:sldLayoutId id="2147483699" r:id="rId3"/>
+    <p:sldLayoutId id="2147483700" r:id="rId4"/>
+    <p:sldLayoutId id="2147483701" r:id="rId5"/>
+    <p:sldLayoutId id="2147483702" r:id="rId6"/>
+    <p:sldLayoutId id="2147483703" r:id="rId7"/>
+    <p:sldLayoutId id="2147483704" r:id="rId8"/>
+    <p:sldLayoutId id="2147483705" r:id="rId9"/>
+    <p:sldLayoutId id="2147483706" r:id="rId10"/>
+    <p:sldLayoutId id="2147483707" r:id="rId11"/>
   </p:sldLayoutIdLst>
   <p:txStyles>
     <p:titleStyle>
-      <a:lvl1pPr algn="l" defTabSz="1439997" rtl="0" eaLnBrk="1" latinLnBrk="0" hangingPunct="1">
+      <a:lvl1pPr algn="l" defTabSz="1800088" rtl="0" eaLnBrk="1" latinLnBrk="0" hangingPunct="1">
         <a:lnSpc>
           <a:spcPct val="90000"/>
         </a:lnSpc>
@@ -3478,7 +3588,7 @@
           <a:spcPct val="0"/>
         </a:spcBef>
         <a:buNone/>
-        <a:defRPr sz="6929" kern="1200">
+        <a:defRPr sz="8662" kern="1200">
           <a:solidFill>
             <a:schemeClr val="tx1"/>
           </a:solidFill>
@@ -3489,16 +3599,16 @@
       </a:lvl1pPr>
     </p:titleStyle>
     <p:bodyStyle>
-      <a:lvl1pPr marL="359999" indent="-359999" algn="l" defTabSz="1439997" rtl="0" eaLnBrk="1" latinLnBrk="0" hangingPunct="1">
+      <a:lvl1pPr marL="450022" indent="-450022" algn="l" defTabSz="1800088" rtl="0" eaLnBrk="1" latinLnBrk="0" hangingPunct="1">
         <a:lnSpc>
           <a:spcPct val="90000"/>
         </a:lnSpc>
         <a:spcBef>
-          <a:spcPts val="1575"/>
+          <a:spcPts val="1969"/>
         </a:spcBef>
         <a:buFont typeface="Arial" panose="020B0604020202020204" pitchFamily="34" charset="0"/>
         <a:buChar char="•"/>
-        <a:defRPr sz="4409" kern="1200">
+        <a:defRPr sz="5512" kern="1200">
           <a:solidFill>
             <a:schemeClr val="tx1"/>
           </a:solidFill>
@@ -3507,16 +3617,16 @@
           <a:cs typeface="+mn-cs"/>
         </a:defRPr>
       </a:lvl1pPr>
-      <a:lvl2pPr marL="1079998" indent="-359999" algn="l" defTabSz="1439997" rtl="0" eaLnBrk="1" latinLnBrk="0" hangingPunct="1">
+      <a:lvl2pPr marL="1350066" indent="-450022" algn="l" defTabSz="1800088" rtl="0" eaLnBrk="1" latinLnBrk="0" hangingPunct="1">
         <a:lnSpc>
           <a:spcPct val="90000"/>
         </a:lnSpc>
         <a:spcBef>
-          <a:spcPts val="787"/>
+          <a:spcPts val="984"/>
         </a:spcBef>
         <a:buFont typeface="Arial" panose="020B0604020202020204" pitchFamily="34" charset="0"/>
         <a:buChar char="•"/>
-        <a:defRPr sz="3780" kern="1200">
+        <a:defRPr sz="4725" kern="1200">
           <a:solidFill>
             <a:schemeClr val="tx1"/>
           </a:solidFill>
@@ -3525,16 +3635,16 @@
           <a:cs typeface="+mn-cs"/>
         </a:defRPr>
       </a:lvl2pPr>
-      <a:lvl3pPr marL="1799996" indent="-359999" algn="l" defTabSz="1439997" rtl="0" eaLnBrk="1" latinLnBrk="0" hangingPunct="1">
+      <a:lvl3pPr marL="2250110" indent="-450022" algn="l" defTabSz="1800088" rtl="0" eaLnBrk="1" latinLnBrk="0" hangingPunct="1">
         <a:lnSpc>
           <a:spcPct val="90000"/>
         </a:lnSpc>
         <a:spcBef>
-          <a:spcPts val="787"/>
+          <a:spcPts val="984"/>
         </a:spcBef>
         <a:buFont typeface="Arial" panose="020B0604020202020204" pitchFamily="34" charset="0"/>
         <a:buChar char="•"/>
-        <a:defRPr sz="3150" kern="1200">
+        <a:defRPr sz="3937" kern="1200">
           <a:solidFill>
             <a:schemeClr val="tx1"/>
           </a:solidFill>
@@ -3543,16 +3653,16 @@
           <a:cs typeface="+mn-cs"/>
         </a:defRPr>
       </a:lvl3pPr>
-      <a:lvl4pPr marL="2519995" indent="-359999" algn="l" defTabSz="1439997" rtl="0" eaLnBrk="1" latinLnBrk="0" hangingPunct="1">
+      <a:lvl4pPr marL="3150154" indent="-450022" algn="l" defTabSz="1800088" rtl="0" eaLnBrk="1" latinLnBrk="0" hangingPunct="1">
         <a:lnSpc>
           <a:spcPct val="90000"/>
         </a:lnSpc>
         <a:spcBef>
-          <a:spcPts val="787"/>
+          <a:spcPts val="984"/>
         </a:spcBef>
         <a:buFont typeface="Arial" panose="020B0604020202020204" pitchFamily="34" charset="0"/>
         <a:buChar char="•"/>
-        <a:defRPr sz="2835" kern="1200">
+        <a:defRPr sz="3543" kern="1200">
           <a:solidFill>
             <a:schemeClr val="tx1"/>
           </a:solidFill>
@@ -3561,16 +3671,16 @@
           <a:cs typeface="+mn-cs"/>
         </a:defRPr>
       </a:lvl4pPr>
-      <a:lvl5pPr marL="3239994" indent="-359999" algn="l" defTabSz="1439997" rtl="0" eaLnBrk="1" latinLnBrk="0" hangingPunct="1">
+      <a:lvl5pPr marL="4050198" indent="-450022" algn="l" defTabSz="1800088" rtl="0" eaLnBrk="1" latinLnBrk="0" hangingPunct="1">
         <a:lnSpc>
           <a:spcPct val="90000"/>
         </a:lnSpc>
         <a:spcBef>
-          <a:spcPts val="787"/>
+          <a:spcPts val="984"/>
         </a:spcBef>
         <a:buFont typeface="Arial" panose="020B0604020202020204" pitchFamily="34" charset="0"/>
         <a:buChar char="•"/>
-        <a:defRPr sz="2835" kern="1200">
+        <a:defRPr sz="3543" kern="1200">
           <a:solidFill>
             <a:schemeClr val="tx1"/>
           </a:solidFill>
@@ -3579,16 +3689,16 @@
           <a:cs typeface="+mn-cs"/>
         </a:defRPr>
       </a:lvl5pPr>
-      <a:lvl6pPr marL="3959992" indent="-359999" algn="l" defTabSz="1439997" rtl="0" eaLnBrk="1" latinLnBrk="0" hangingPunct="1">
+      <a:lvl6pPr marL="4950242" indent="-450022" algn="l" defTabSz="1800088" rtl="0" eaLnBrk="1" latinLnBrk="0" hangingPunct="1">
         <a:lnSpc>
           <a:spcPct val="90000"/>
         </a:lnSpc>
         <a:spcBef>
-          <a:spcPts val="787"/>
+          <a:spcPts val="984"/>
         </a:spcBef>
         <a:buFont typeface="Arial" panose="020B0604020202020204" pitchFamily="34" charset="0"/>
         <a:buChar char="•"/>
-        <a:defRPr sz="2835" kern="1200">
+        <a:defRPr sz="3543" kern="1200">
           <a:solidFill>
             <a:schemeClr val="tx1"/>
           </a:solidFill>
@@ -3597,16 +3707,16 @@
           <a:cs typeface="+mn-cs"/>
         </a:defRPr>
       </a:lvl6pPr>
-      <a:lvl7pPr marL="4679991" indent="-359999" algn="l" defTabSz="1439997" rtl="0" eaLnBrk="1" latinLnBrk="0" hangingPunct="1">
+      <a:lvl7pPr marL="5850285" indent="-450022" algn="l" defTabSz="1800088" rtl="0" eaLnBrk="1" latinLnBrk="0" hangingPunct="1">
         <a:lnSpc>
           <a:spcPct val="90000"/>
         </a:lnSpc>
         <a:spcBef>
-          <a:spcPts val="787"/>
+          <a:spcPts val="984"/>
         </a:spcBef>
         <a:buFont typeface="Arial" panose="020B0604020202020204" pitchFamily="34" charset="0"/>
         <a:buChar char="•"/>
-        <a:defRPr sz="2835" kern="1200">
+        <a:defRPr sz="3543" kern="1200">
           <a:solidFill>
             <a:schemeClr val="tx1"/>
           </a:solidFill>
@@ -3615,16 +3725,16 @@
           <a:cs typeface="+mn-cs"/>
         </a:defRPr>
       </a:lvl7pPr>
-      <a:lvl8pPr marL="5399989" indent="-359999" algn="l" defTabSz="1439997" rtl="0" eaLnBrk="1" latinLnBrk="0" hangingPunct="1">
+      <a:lvl8pPr marL="6750329" indent="-450022" algn="l" defTabSz="1800088" rtl="0" eaLnBrk="1" latinLnBrk="0" hangingPunct="1">
         <a:lnSpc>
           <a:spcPct val="90000"/>
         </a:lnSpc>
         <a:spcBef>
-          <a:spcPts val="787"/>
+          <a:spcPts val="984"/>
         </a:spcBef>
         <a:buFont typeface="Arial" panose="020B0604020202020204" pitchFamily="34" charset="0"/>
         <a:buChar char="•"/>
-        <a:defRPr sz="2835" kern="1200">
+        <a:defRPr sz="3543" kern="1200">
           <a:solidFill>
             <a:schemeClr val="tx1"/>
           </a:solidFill>
@@ -3633,16 +3743,16 @@
           <a:cs typeface="+mn-cs"/>
         </a:defRPr>
       </a:lvl8pPr>
-      <a:lvl9pPr marL="6119988" indent="-359999" algn="l" defTabSz="1439997" rtl="0" eaLnBrk="1" latinLnBrk="0" hangingPunct="1">
+      <a:lvl9pPr marL="7650373" indent="-450022" algn="l" defTabSz="1800088" rtl="0" eaLnBrk="1" latinLnBrk="0" hangingPunct="1">
         <a:lnSpc>
           <a:spcPct val="90000"/>
         </a:lnSpc>
         <a:spcBef>
-          <a:spcPts val="787"/>
+          <a:spcPts val="984"/>
         </a:spcBef>
         <a:buFont typeface="Arial" panose="020B0604020202020204" pitchFamily="34" charset="0"/>
         <a:buChar char="•"/>
-        <a:defRPr sz="2835" kern="1200">
+        <a:defRPr sz="3543" kern="1200">
           <a:solidFill>
             <a:schemeClr val="tx1"/>
           </a:solidFill>
@@ -3656,8 +3766,8 @@
       <a:defPPr>
         <a:defRPr lang="en-US"/>
       </a:defPPr>
-      <a:lvl1pPr marL="0" algn="l" defTabSz="1439997" rtl="0" eaLnBrk="1" latinLnBrk="0" hangingPunct="1">
-        <a:defRPr sz="2835" kern="1200">
+      <a:lvl1pPr marL="0" algn="l" defTabSz="1800088" rtl="0" eaLnBrk="1" latinLnBrk="0" hangingPunct="1">
+        <a:defRPr sz="3543" kern="1200">
           <a:solidFill>
             <a:schemeClr val="tx1"/>
           </a:solidFill>
@@ -3666,8 +3776,8 @@
           <a:cs typeface="+mn-cs"/>
         </a:defRPr>
       </a:lvl1pPr>
-      <a:lvl2pPr marL="719999" algn="l" defTabSz="1439997" rtl="0" eaLnBrk="1" latinLnBrk="0" hangingPunct="1">
-        <a:defRPr sz="2835" kern="1200">
+      <a:lvl2pPr marL="900044" algn="l" defTabSz="1800088" rtl="0" eaLnBrk="1" latinLnBrk="0" hangingPunct="1">
+        <a:defRPr sz="3543" kern="1200">
           <a:solidFill>
             <a:schemeClr val="tx1"/>
           </a:solidFill>
@@ -3676,8 +3786,8 @@
           <a:cs typeface="+mn-cs"/>
         </a:defRPr>
       </a:lvl2pPr>
-      <a:lvl3pPr marL="1439997" algn="l" defTabSz="1439997" rtl="0" eaLnBrk="1" latinLnBrk="0" hangingPunct="1">
-        <a:defRPr sz="2835" kern="1200">
+      <a:lvl3pPr marL="1800088" algn="l" defTabSz="1800088" rtl="0" eaLnBrk="1" latinLnBrk="0" hangingPunct="1">
+        <a:defRPr sz="3543" kern="1200">
           <a:solidFill>
             <a:schemeClr val="tx1"/>
           </a:solidFill>
@@ -3686,8 +3796,8 @@
           <a:cs typeface="+mn-cs"/>
         </a:defRPr>
       </a:lvl3pPr>
-      <a:lvl4pPr marL="2159996" algn="l" defTabSz="1439997" rtl="0" eaLnBrk="1" latinLnBrk="0" hangingPunct="1">
-        <a:defRPr sz="2835" kern="1200">
+      <a:lvl4pPr marL="2700132" algn="l" defTabSz="1800088" rtl="0" eaLnBrk="1" latinLnBrk="0" hangingPunct="1">
+        <a:defRPr sz="3543" kern="1200">
           <a:solidFill>
             <a:schemeClr val="tx1"/>
           </a:solidFill>
@@ -3696,8 +3806,8 @@
           <a:cs typeface="+mn-cs"/>
         </a:defRPr>
       </a:lvl4pPr>
-      <a:lvl5pPr marL="2879994" algn="l" defTabSz="1439997" rtl="0" eaLnBrk="1" latinLnBrk="0" hangingPunct="1">
-        <a:defRPr sz="2835" kern="1200">
+      <a:lvl5pPr marL="3600176" algn="l" defTabSz="1800088" rtl="0" eaLnBrk="1" latinLnBrk="0" hangingPunct="1">
+        <a:defRPr sz="3543" kern="1200">
           <a:solidFill>
             <a:schemeClr val="tx1"/>
           </a:solidFill>
@@ -3706,8 +3816,8 @@
           <a:cs typeface="+mn-cs"/>
         </a:defRPr>
       </a:lvl5pPr>
-      <a:lvl6pPr marL="3599993" algn="l" defTabSz="1439997" rtl="0" eaLnBrk="1" latinLnBrk="0" hangingPunct="1">
-        <a:defRPr sz="2835" kern="1200">
+      <a:lvl6pPr marL="4500220" algn="l" defTabSz="1800088" rtl="0" eaLnBrk="1" latinLnBrk="0" hangingPunct="1">
+        <a:defRPr sz="3543" kern="1200">
           <a:solidFill>
             <a:schemeClr val="tx1"/>
           </a:solidFill>
@@ -3716,8 +3826,8 @@
           <a:cs typeface="+mn-cs"/>
         </a:defRPr>
       </a:lvl6pPr>
-      <a:lvl7pPr marL="4319991" algn="l" defTabSz="1439997" rtl="0" eaLnBrk="1" latinLnBrk="0" hangingPunct="1">
-        <a:defRPr sz="2835" kern="1200">
+      <a:lvl7pPr marL="5400264" algn="l" defTabSz="1800088" rtl="0" eaLnBrk="1" latinLnBrk="0" hangingPunct="1">
+        <a:defRPr sz="3543" kern="1200">
           <a:solidFill>
             <a:schemeClr val="tx1"/>
           </a:solidFill>
@@ -3726,8 +3836,8 @@
           <a:cs typeface="+mn-cs"/>
         </a:defRPr>
       </a:lvl7pPr>
-      <a:lvl8pPr marL="5039990" algn="l" defTabSz="1439997" rtl="0" eaLnBrk="1" latinLnBrk="0" hangingPunct="1">
-        <a:defRPr sz="2835" kern="1200">
+      <a:lvl8pPr marL="6300307" algn="l" defTabSz="1800088" rtl="0" eaLnBrk="1" latinLnBrk="0" hangingPunct="1">
+        <a:defRPr sz="3543" kern="1200">
           <a:solidFill>
             <a:schemeClr val="tx1"/>
           </a:solidFill>
@@ -3736,8 +3846,8 @@
           <a:cs typeface="+mn-cs"/>
         </a:defRPr>
       </a:lvl8pPr>
-      <a:lvl9pPr marL="5759988" algn="l" defTabSz="1439997" rtl="0" eaLnBrk="1" latinLnBrk="0" hangingPunct="1">
-        <a:defRPr sz="2835" kern="1200">
+      <a:lvl9pPr marL="7200351" algn="l" defTabSz="1800088" rtl="0" eaLnBrk="1" latinLnBrk="0" hangingPunct="1">
+        <a:defRPr sz="3543" kern="1200">
           <a:solidFill>
             <a:schemeClr val="tx1"/>
           </a:solidFill>
@@ -3868,7 +3978,7 @@
         </p:nvSpPr>
         <p:spPr>
           <a:xfrm>
-            <a:off x="5759999" y="2178557"/>
+            <a:off x="7560224" y="3978782"/>
             <a:ext cx="6480000" cy="8722800"/>
           </a:xfrm>
           <a:prstGeom prst="rect">
@@ -3924,7 +4034,7 @@
         </p:nvSpPr>
         <p:spPr>
           <a:xfrm>
-            <a:off x="7920000" y="10532605"/>
+            <a:off x="9720225" y="12332830"/>
             <a:ext cx="2162836" cy="369332"/>
           </a:xfrm>
           <a:prstGeom prst="rect">
@@ -3961,7 +4071,7 @@
         </p:nvCxnSpPr>
         <p:spPr>
           <a:xfrm flipV="1">
-            <a:off x="7200000" y="9986211"/>
+            <a:off x="9000225" y="11786436"/>
             <a:ext cx="0" cy="1515978"/>
           </a:xfrm>
           <a:prstGeom prst="straightConnector1">
@@ -4000,7 +4110,7 @@
         </p:nvSpPr>
         <p:spPr>
           <a:xfrm>
-            <a:off x="7055621" y="11659073"/>
+            <a:off x="8855848" y="13459298"/>
             <a:ext cx="529387" cy="369332"/>
           </a:xfrm>
           <a:prstGeom prst="rect">
@@ -4037,7 +4147,7 @@
         </p:nvCxnSpPr>
         <p:spPr>
           <a:xfrm flipV="1">
-            <a:off x="10800000" y="9986211"/>
+            <a:off x="12600225" y="11786436"/>
             <a:ext cx="0" cy="1515978"/>
           </a:xfrm>
           <a:prstGeom prst="straightConnector1">
@@ -4081,7 +4191,7 @@
         </p:nvSpPr>
         <p:spPr>
           <a:xfrm>
-            <a:off x="10199515" y="11575325"/>
+            <a:off x="11999740" y="13375552"/>
             <a:ext cx="1200970" cy="646331"/>
           </a:xfrm>
           <a:prstGeom prst="rect">
@@ -4122,7 +4232,7 @@
         </p:nvSpPr>
         <p:spPr>
           <a:xfrm>
-            <a:off x="9945758" y="9385959"/>
+            <a:off x="11745983" y="11186184"/>
             <a:ext cx="1708484" cy="579600"/>
           </a:xfrm>
           <a:prstGeom prst="rect">
@@ -4186,7 +4296,7 @@
         </p:nvSpPr>
         <p:spPr>
           <a:xfrm>
-            <a:off x="6357307" y="9590069"/>
+            <a:off x="8157532" y="11390294"/>
             <a:ext cx="1708484" cy="370800"/>
           </a:xfrm>
           <a:prstGeom prst="rect">
@@ -4256,7 +4366,7 @@
         </p:nvCxnSpPr>
         <p:spPr>
           <a:xfrm flipV="1">
-            <a:off x="7200000" y="9005608"/>
+            <a:off x="9000225" y="10805835"/>
             <a:ext cx="0" cy="590071"/>
           </a:xfrm>
           <a:prstGeom prst="line">
@@ -4294,7 +4404,7 @@
         </p:nvCxnSpPr>
         <p:spPr>
           <a:xfrm>
-            <a:off x="7200000" y="9014400"/>
+            <a:off x="9000227" y="10814625"/>
             <a:ext cx="1481947" cy="0"/>
           </a:xfrm>
           <a:prstGeom prst="line">
@@ -4332,7 +4442,7 @@
         </p:nvCxnSpPr>
         <p:spPr>
           <a:xfrm flipV="1">
-            <a:off x="10800000" y="9011480"/>
+            <a:off x="12600225" y="10811705"/>
             <a:ext cx="0" cy="360000"/>
           </a:xfrm>
           <a:prstGeom prst="line">
@@ -4375,7 +4485,7 @@
         </p:nvCxnSpPr>
         <p:spPr>
           <a:xfrm flipV="1">
-            <a:off x="8681947" y="8465608"/>
+            <a:off x="10482172" y="10265833"/>
             <a:ext cx="0" cy="540000"/>
           </a:xfrm>
           <a:prstGeom prst="straightConnector1">
@@ -4414,7 +4524,7 @@
         </p:nvSpPr>
         <p:spPr>
           <a:xfrm>
-            <a:off x="8145757" y="7873084"/>
+            <a:off x="9945982" y="9673309"/>
             <a:ext cx="1708484" cy="579600"/>
           </a:xfrm>
           <a:prstGeom prst="rect">
@@ -4480,7 +4590,7 @@
         </p:nvCxnSpPr>
         <p:spPr>
           <a:xfrm flipV="1">
-            <a:off x="8999999" y="7328448"/>
+            <a:off x="10800224" y="9128673"/>
             <a:ext cx="0" cy="540000"/>
           </a:xfrm>
           <a:prstGeom prst="straightConnector1">
@@ -4519,7 +4629,7 @@
         </p:nvSpPr>
         <p:spPr>
           <a:xfrm>
-            <a:off x="8145757" y="6945335"/>
+            <a:off x="9945982" y="8745560"/>
             <a:ext cx="1708484" cy="370800"/>
           </a:xfrm>
           <a:prstGeom prst="rect">
@@ -4586,7 +4696,7 @@
         </p:nvCxnSpPr>
         <p:spPr>
           <a:xfrm flipV="1">
-            <a:off x="8999999" y="6584447"/>
+            <a:off x="10800224" y="8384672"/>
             <a:ext cx="0" cy="360000"/>
           </a:xfrm>
           <a:prstGeom prst="line">
@@ -4622,7 +4732,7 @@
         </p:nvCxnSpPr>
         <p:spPr>
           <a:xfrm>
-            <a:off x="7199999" y="6584447"/>
+            <a:off x="9000224" y="8384672"/>
             <a:ext cx="3600000" cy="0"/>
           </a:xfrm>
           <a:prstGeom prst="line">
@@ -4658,7 +4768,7 @@
         </p:nvCxnSpPr>
         <p:spPr>
           <a:xfrm flipV="1">
-            <a:off x="7211549" y="6225745"/>
+            <a:off x="9011774" y="8025970"/>
             <a:ext cx="0" cy="360000"/>
           </a:xfrm>
           <a:prstGeom prst="straightConnector1">
@@ -4697,7 +4807,7 @@
         </p:nvCxnSpPr>
         <p:spPr>
           <a:xfrm flipV="1">
-            <a:off x="10799999" y="6225745"/>
+            <a:off x="12600224" y="8025970"/>
             <a:ext cx="0" cy="360000"/>
           </a:xfrm>
           <a:prstGeom prst="straightConnector1">
@@ -4736,7 +4846,7 @@
         </p:nvSpPr>
         <p:spPr>
           <a:xfrm>
-            <a:off x="6345757" y="5844984"/>
+            <a:off x="8145982" y="7645209"/>
             <a:ext cx="1708484" cy="370800"/>
           </a:xfrm>
           <a:prstGeom prst="rect">
@@ -4801,7 +4911,7 @@
         </p:nvSpPr>
         <p:spPr>
           <a:xfrm>
-            <a:off x="9945757" y="5844984"/>
+            <a:off x="11745982" y="7645209"/>
             <a:ext cx="1708484" cy="370800"/>
           </a:xfrm>
           <a:prstGeom prst="rect">
@@ -4866,7 +4976,7 @@
         </p:nvCxnSpPr>
         <p:spPr>
           <a:xfrm flipV="1">
-            <a:off x="7199999" y="5486710"/>
+            <a:off x="9000224" y="7286935"/>
             <a:ext cx="0" cy="358274"/>
           </a:xfrm>
           <a:prstGeom prst="line">
@@ -4904,7 +5014,7 @@
         </p:nvCxnSpPr>
         <p:spPr>
           <a:xfrm flipV="1">
-            <a:off x="10799999" y="5486710"/>
+            <a:off x="12600224" y="7286935"/>
             <a:ext cx="0" cy="358274"/>
           </a:xfrm>
           <a:prstGeom prst="line">
@@ -4940,7 +5050,7 @@
         </p:nvGrpSpPr>
         <p:grpSpPr>
           <a:xfrm>
-            <a:off x="8909999" y="5398826"/>
+            <a:off x="10710224" y="7199051"/>
             <a:ext cx="180000" cy="180000"/>
             <a:chOff x="2993721" y="5110619"/>
             <a:chExt cx="180000" cy="180000"/>
@@ -5091,7 +5201,7 @@
         </p:nvCxnSpPr>
         <p:spPr>
           <a:xfrm>
-            <a:off x="7199999" y="5486710"/>
+            <a:off x="9000224" y="7286935"/>
             <a:ext cx="1710000" cy="0"/>
           </a:xfrm>
           <a:prstGeom prst="straightConnector1">
@@ -5130,7 +5240,7 @@
         </p:nvCxnSpPr>
         <p:spPr>
           <a:xfrm flipH="1">
-            <a:off x="9090000" y="5486710"/>
+            <a:off x="10890227" y="7286935"/>
             <a:ext cx="1709999" cy="0"/>
           </a:xfrm>
           <a:prstGeom prst="straightConnector1">
@@ -5169,7 +5279,7 @@
         </p:nvCxnSpPr>
         <p:spPr>
           <a:xfrm flipV="1">
-            <a:off x="8999999" y="5035773"/>
+            <a:off x="10800224" y="6835998"/>
             <a:ext cx="0" cy="360000"/>
           </a:xfrm>
           <a:prstGeom prst="straightConnector1">
@@ -5208,7 +5318,7 @@
         </p:nvSpPr>
         <p:spPr>
           <a:xfrm>
-            <a:off x="8145757" y="4654216"/>
+            <a:off x="9945982" y="6454441"/>
             <a:ext cx="1708484" cy="370800"/>
           </a:xfrm>
           <a:prstGeom prst="rect">
@@ -5273,7 +5383,7 @@
         </p:nvSpPr>
         <p:spPr>
           <a:xfrm>
-            <a:off x="9754587" y="8747353"/>
+            <a:off x="11554812" y="10547580"/>
             <a:ext cx="1045414" cy="307777"/>
           </a:xfrm>
           <a:prstGeom prst="rect">
@@ -5311,7 +5421,7 @@
         </p:nvCxnSpPr>
         <p:spPr>
           <a:xfrm>
-            <a:off x="11654242" y="9675759"/>
+            <a:off x="13454467" y="11475984"/>
             <a:ext cx="349690" cy="354"/>
           </a:xfrm>
           <a:prstGeom prst="line">
@@ -5356,7 +5466,7 @@
         </p:nvCxnSpPr>
         <p:spPr>
           <a:xfrm flipV="1">
-            <a:off x="12003932" y="3915336"/>
+            <a:off x="13804157" y="5715563"/>
             <a:ext cx="0" cy="5760777"/>
           </a:xfrm>
           <a:prstGeom prst="line">
@@ -5401,7 +5511,7 @@
         </p:nvCxnSpPr>
         <p:spPr>
           <a:xfrm flipV="1">
-            <a:off x="8999999" y="4112311"/>
+            <a:off x="10800224" y="5912536"/>
             <a:ext cx="0" cy="540000"/>
           </a:xfrm>
           <a:prstGeom prst="straightConnector1">
@@ -5440,7 +5550,7 @@
         </p:nvSpPr>
         <p:spPr>
           <a:xfrm>
-            <a:off x="8145757" y="3722009"/>
+            <a:off x="9945982" y="5522234"/>
             <a:ext cx="1708484" cy="370800"/>
           </a:xfrm>
           <a:prstGeom prst="rect">
@@ -5506,7 +5616,7 @@
         </p:nvCxnSpPr>
         <p:spPr>
           <a:xfrm flipH="1">
-            <a:off x="9854241" y="3915336"/>
+            <a:off x="11654468" y="5715561"/>
             <a:ext cx="2149691" cy="0"/>
           </a:xfrm>
           <a:prstGeom prst="straightConnector1">
@@ -5550,7 +5660,7 @@
         </p:nvSpPr>
         <p:spPr>
           <a:xfrm>
-            <a:off x="11492710" y="3668974"/>
+            <a:off x="13292935" y="5469201"/>
             <a:ext cx="1214756" cy="307777"/>
           </a:xfrm>
           <a:prstGeom prst="rect">
@@ -5587,7 +5697,7 @@
         </p:nvCxnSpPr>
         <p:spPr>
           <a:xfrm flipV="1">
-            <a:off x="8999999" y="3349496"/>
+            <a:off x="10800224" y="5149723"/>
             <a:ext cx="0" cy="372513"/>
           </a:xfrm>
           <a:prstGeom prst="line">
@@ -5623,7 +5733,7 @@
         </p:nvSpPr>
         <p:spPr>
           <a:xfrm>
-            <a:off x="8910127" y="3175586"/>
+            <a:off x="10710352" y="4975811"/>
             <a:ext cx="180000" cy="180000"/>
           </a:xfrm>
           <a:prstGeom prst="ellipse">
@@ -5684,7 +5794,7 @@
         </p:nvCxnSpPr>
         <p:spPr>
           <a:xfrm flipH="1">
-            <a:off x="6128426" y="10532605"/>
+            <a:off x="7928653" y="12332830"/>
             <a:ext cx="1071573" cy="0"/>
           </a:xfrm>
           <a:prstGeom prst="line">
@@ -5722,7 +5832,7 @@
         </p:nvCxnSpPr>
         <p:spPr>
           <a:xfrm flipV="1">
-            <a:off x="6128426" y="3265586"/>
+            <a:off x="7928651" y="5065813"/>
             <a:ext cx="0" cy="7267019"/>
           </a:xfrm>
           <a:prstGeom prst="line">
@@ -5761,7 +5871,7 @@
         </p:nvCxnSpPr>
         <p:spPr>
           <a:xfrm>
-            <a:off x="6128426" y="3265586"/>
+            <a:off x="7928653" y="5065811"/>
             <a:ext cx="2781701" cy="0"/>
           </a:xfrm>
           <a:prstGeom prst="straightConnector1">
@@ -5803,7 +5913,7 @@
         </p:nvCxnSpPr>
         <p:spPr>
           <a:xfrm flipH="1" flipV="1">
-            <a:off x="8999999" y="2800339"/>
+            <a:off x="10800224" y="4600566"/>
             <a:ext cx="128" cy="375247"/>
           </a:xfrm>
           <a:prstGeom prst="straightConnector1">
@@ -5842,7 +5952,7 @@
         </p:nvCxnSpPr>
         <p:spPr>
           <a:xfrm flipV="1">
-            <a:off x="9322298" y="8467200"/>
+            <a:off x="11122523" y="10267425"/>
             <a:ext cx="0" cy="540000"/>
           </a:xfrm>
           <a:prstGeom prst="straightConnector1">
@@ -5888,7 +5998,7 @@
         </p:nvCxnSpPr>
         <p:spPr>
           <a:xfrm>
-            <a:off x="9318052" y="9014400"/>
+            <a:off x="11118279" y="10814625"/>
             <a:ext cx="1481947" cy="0"/>
           </a:xfrm>
           <a:prstGeom prst="line">
@@ -5917,44 +6027,6 @@
           </a:fontRef>
         </p:style>
       </p:cxnSp>
-      <p:sp>
-        <p:nvSpPr>
-          <p:cNvPr id="2" name="Textfeld 1">
-            <a:extLst>
-              <a:ext uri="{FF2B5EF4-FFF2-40B4-BE49-F238E27FC236}">
-                <a16:creationId xmlns:a16="http://schemas.microsoft.com/office/drawing/2014/main" id="{221927B8-706C-B3FD-FAD0-1C6E59D3B216}"/>
-              </a:ext>
-            </a:extLst>
-          </p:cNvPr>
-          <p:cNvSpPr txBox="1"/>
-          <p:nvPr/>
-        </p:nvSpPr>
-        <p:spPr>
-          <a:xfrm>
-            <a:off x="8033586" y="1008247"/>
-            <a:ext cx="592990" cy="707886"/>
-          </a:xfrm>
-          <a:prstGeom prst="rect">
-            <a:avLst/>
-          </a:prstGeom>
-          <a:noFill/>
-        </p:spPr>
-        <p:txBody>
-          <a:bodyPr wrap="square">
-            <a:spAutoFit/>
-          </a:bodyPr>
-          <a:lstStyle/>
-          <a:p>
-            <a:r>
-              <a:rPr lang="de-DE" sz="4000" dirty="0">
-                <a:effectLst/>
-                <a:latin typeface="Apple Color Emoji" pitchFamily="2" charset="0"/>
-              </a:rPr>
-              <a:t>🔥</a:t>
-            </a:r>
-          </a:p>
-        </p:txBody>
-      </p:sp>
     </p:spTree>
     <p:extLst>
       <p:ext uri="{BB962C8B-B14F-4D97-AF65-F5344CB8AC3E}">
@@ -6005,7 +6077,7 @@
         </p:nvSpPr>
         <p:spPr>
           <a:xfrm>
-            <a:off x="5759999" y="2178557"/>
+            <a:off x="7560224" y="3978782"/>
             <a:ext cx="6480000" cy="8722800"/>
           </a:xfrm>
           <a:prstGeom prst="rect">
@@ -6061,7 +6133,7 @@
         </p:nvSpPr>
         <p:spPr>
           <a:xfrm>
-            <a:off x="7920000" y="10532605"/>
+            <a:off x="9720225" y="12332830"/>
             <a:ext cx="2162836" cy="369332"/>
           </a:xfrm>
           <a:prstGeom prst="rect">
@@ -6098,7 +6170,7 @@
         </p:nvCxnSpPr>
         <p:spPr>
           <a:xfrm flipV="1">
-            <a:off x="7200000" y="9986211"/>
+            <a:off x="9000225" y="11786436"/>
             <a:ext cx="0" cy="1515978"/>
           </a:xfrm>
           <a:prstGeom prst="straightConnector1">
@@ -6137,7 +6209,7 @@
         </p:nvSpPr>
         <p:spPr>
           <a:xfrm>
-            <a:off x="7055621" y="11659073"/>
+            <a:off x="8855848" y="13459298"/>
             <a:ext cx="529387" cy="369332"/>
           </a:xfrm>
           <a:prstGeom prst="rect">
@@ -6174,7 +6246,7 @@
         </p:nvCxnSpPr>
         <p:spPr>
           <a:xfrm flipV="1">
-            <a:off x="10800000" y="9986211"/>
+            <a:off x="12600225" y="11786436"/>
             <a:ext cx="0" cy="1515978"/>
           </a:xfrm>
           <a:prstGeom prst="straightConnector1">
@@ -6218,7 +6290,7 @@
         </p:nvSpPr>
         <p:spPr>
           <a:xfrm>
-            <a:off x="10199515" y="11575325"/>
+            <a:off x="11999740" y="13375552"/>
             <a:ext cx="1200970" cy="646331"/>
           </a:xfrm>
           <a:prstGeom prst="rect">
@@ -6259,7 +6331,7 @@
         </p:nvSpPr>
         <p:spPr>
           <a:xfrm>
-            <a:off x="9945758" y="9385959"/>
+            <a:off x="11745983" y="11186184"/>
             <a:ext cx="1708484" cy="579600"/>
           </a:xfrm>
           <a:prstGeom prst="rect">
@@ -6323,7 +6395,7 @@
         </p:nvSpPr>
         <p:spPr>
           <a:xfrm>
-            <a:off x="6357307" y="9590069"/>
+            <a:off x="8157532" y="11390294"/>
             <a:ext cx="1708484" cy="370800"/>
           </a:xfrm>
           <a:prstGeom prst="rect">
@@ -6393,7 +6465,7 @@
         </p:nvCxnSpPr>
         <p:spPr>
           <a:xfrm flipV="1">
-            <a:off x="7200000" y="9005608"/>
+            <a:off x="9000225" y="10805835"/>
             <a:ext cx="0" cy="590071"/>
           </a:xfrm>
           <a:prstGeom prst="line">
@@ -6431,7 +6503,7 @@
         </p:nvCxnSpPr>
         <p:spPr>
           <a:xfrm>
-            <a:off x="7200000" y="9014400"/>
+            <a:off x="9000227" y="10814625"/>
             <a:ext cx="1481947" cy="0"/>
           </a:xfrm>
           <a:prstGeom prst="line">
@@ -6469,7 +6541,7 @@
         </p:nvCxnSpPr>
         <p:spPr>
           <a:xfrm flipV="1">
-            <a:off x="10800000" y="9011480"/>
+            <a:off x="12600225" y="10811705"/>
             <a:ext cx="0" cy="360000"/>
           </a:xfrm>
           <a:prstGeom prst="line">
@@ -6512,7 +6584,7 @@
         </p:nvCxnSpPr>
         <p:spPr>
           <a:xfrm flipV="1">
-            <a:off x="8681947" y="8465608"/>
+            <a:off x="10482172" y="10265833"/>
             <a:ext cx="0" cy="540000"/>
           </a:xfrm>
           <a:prstGeom prst="straightConnector1">
@@ -6551,7 +6623,7 @@
         </p:nvSpPr>
         <p:spPr>
           <a:xfrm>
-            <a:off x="8145757" y="7873084"/>
+            <a:off x="9945982" y="9673309"/>
             <a:ext cx="1708484" cy="579600"/>
           </a:xfrm>
           <a:prstGeom prst="rect">
@@ -6617,7 +6689,7 @@
         </p:nvCxnSpPr>
         <p:spPr>
           <a:xfrm flipV="1">
-            <a:off x="8999999" y="7328448"/>
+            <a:off x="10800224" y="9128673"/>
             <a:ext cx="0" cy="540000"/>
           </a:xfrm>
           <a:prstGeom prst="straightConnector1">
@@ -6656,7 +6728,7 @@
         </p:nvSpPr>
         <p:spPr>
           <a:xfrm>
-            <a:off x="8145757" y="6945335"/>
+            <a:off x="9945982" y="8745560"/>
             <a:ext cx="1708484" cy="370800"/>
           </a:xfrm>
           <a:prstGeom prst="rect">
@@ -6723,7 +6795,7 @@
         </p:nvCxnSpPr>
         <p:spPr>
           <a:xfrm flipV="1">
-            <a:off x="8999999" y="6584447"/>
+            <a:off x="10800224" y="8384672"/>
             <a:ext cx="0" cy="360000"/>
           </a:xfrm>
           <a:prstGeom prst="line">
@@ -6759,7 +6831,7 @@
         </p:nvCxnSpPr>
         <p:spPr>
           <a:xfrm>
-            <a:off x="7199999" y="6584447"/>
+            <a:off x="9000224" y="8384672"/>
             <a:ext cx="3600000" cy="0"/>
           </a:xfrm>
           <a:prstGeom prst="line">
@@ -6795,7 +6867,7 @@
         </p:nvCxnSpPr>
         <p:spPr>
           <a:xfrm flipV="1">
-            <a:off x="7211549" y="6225745"/>
+            <a:off x="9011774" y="8025970"/>
             <a:ext cx="0" cy="360000"/>
           </a:xfrm>
           <a:prstGeom prst="straightConnector1">
@@ -6834,7 +6906,7 @@
         </p:nvCxnSpPr>
         <p:spPr>
           <a:xfrm flipV="1">
-            <a:off x="10799999" y="6225745"/>
+            <a:off x="12600224" y="8025970"/>
             <a:ext cx="0" cy="360000"/>
           </a:xfrm>
           <a:prstGeom prst="straightConnector1">
@@ -6873,7 +6945,7 @@
         </p:nvSpPr>
         <p:spPr>
           <a:xfrm>
-            <a:off x="6345757" y="5844984"/>
+            <a:off x="8145982" y="7645209"/>
             <a:ext cx="1708484" cy="370800"/>
           </a:xfrm>
           <a:prstGeom prst="rect">
@@ -6938,7 +7010,7 @@
         </p:nvSpPr>
         <p:spPr>
           <a:xfrm>
-            <a:off x="9945757" y="5844984"/>
+            <a:off x="11745982" y="7645209"/>
             <a:ext cx="1708484" cy="370800"/>
           </a:xfrm>
           <a:prstGeom prst="rect">
@@ -7003,7 +7075,7 @@
         </p:nvCxnSpPr>
         <p:spPr>
           <a:xfrm flipV="1">
-            <a:off x="7199999" y="5486710"/>
+            <a:off x="9000224" y="7286935"/>
             <a:ext cx="0" cy="358274"/>
           </a:xfrm>
           <a:prstGeom prst="line">
@@ -7041,7 +7113,7 @@
         </p:nvCxnSpPr>
         <p:spPr>
           <a:xfrm flipV="1">
-            <a:off x="10799999" y="5486710"/>
+            <a:off x="12600224" y="7286935"/>
             <a:ext cx="0" cy="358274"/>
           </a:xfrm>
           <a:prstGeom prst="line">
@@ -7077,7 +7149,7 @@
         </p:nvGrpSpPr>
         <p:grpSpPr>
           <a:xfrm>
-            <a:off x="8909999" y="5398826"/>
+            <a:off x="10710224" y="7199051"/>
             <a:ext cx="180000" cy="180000"/>
             <a:chOff x="2993721" y="5110619"/>
             <a:chExt cx="180000" cy="180000"/>
@@ -7228,7 +7300,7 @@
         </p:nvCxnSpPr>
         <p:spPr>
           <a:xfrm>
-            <a:off x="7199999" y="5486710"/>
+            <a:off x="9000224" y="7286935"/>
             <a:ext cx="1710000" cy="0"/>
           </a:xfrm>
           <a:prstGeom prst="straightConnector1">
@@ -7267,7 +7339,7 @@
         </p:nvCxnSpPr>
         <p:spPr>
           <a:xfrm flipH="1">
-            <a:off x="9090000" y="5486710"/>
+            <a:off x="10890227" y="7286935"/>
             <a:ext cx="1709999" cy="0"/>
           </a:xfrm>
           <a:prstGeom prst="straightConnector1">
@@ -7306,7 +7378,7 @@
         </p:nvCxnSpPr>
         <p:spPr>
           <a:xfrm flipV="1">
-            <a:off x="8999999" y="5035773"/>
+            <a:off x="10800224" y="6835998"/>
             <a:ext cx="0" cy="360000"/>
           </a:xfrm>
           <a:prstGeom prst="straightConnector1">
@@ -7345,7 +7417,7 @@
         </p:nvSpPr>
         <p:spPr>
           <a:xfrm>
-            <a:off x="8145757" y="4654216"/>
+            <a:off x="9945982" y="6454441"/>
             <a:ext cx="1708484" cy="370800"/>
           </a:xfrm>
           <a:prstGeom prst="rect">
@@ -7410,7 +7482,7 @@
         </p:nvSpPr>
         <p:spPr>
           <a:xfrm>
-            <a:off x="9754587" y="8747353"/>
+            <a:off x="11554812" y="10547580"/>
             <a:ext cx="1045414" cy="307777"/>
           </a:xfrm>
           <a:prstGeom prst="rect">
@@ -7448,7 +7520,7 @@
         </p:nvCxnSpPr>
         <p:spPr>
           <a:xfrm>
-            <a:off x="11654242" y="9675759"/>
+            <a:off x="13454467" y="11475984"/>
             <a:ext cx="349690" cy="354"/>
           </a:xfrm>
           <a:prstGeom prst="line">
@@ -7493,7 +7565,7 @@
         </p:nvCxnSpPr>
         <p:spPr>
           <a:xfrm flipV="1">
-            <a:off x="12003932" y="3915336"/>
+            <a:off x="13804157" y="5715563"/>
             <a:ext cx="0" cy="5760777"/>
           </a:xfrm>
           <a:prstGeom prst="line">
@@ -7538,7 +7610,7 @@
         </p:nvCxnSpPr>
         <p:spPr>
           <a:xfrm flipV="1">
-            <a:off x="8999999" y="4112311"/>
+            <a:off x="10800224" y="5912536"/>
             <a:ext cx="0" cy="540000"/>
           </a:xfrm>
           <a:prstGeom prst="straightConnector1">
@@ -7577,7 +7649,7 @@
         </p:nvSpPr>
         <p:spPr>
           <a:xfrm>
-            <a:off x="8145757" y="3722009"/>
+            <a:off x="9945982" y="5522234"/>
             <a:ext cx="1708484" cy="370800"/>
           </a:xfrm>
           <a:prstGeom prst="rect">
@@ -7643,7 +7715,7 @@
         </p:nvCxnSpPr>
         <p:spPr>
           <a:xfrm flipH="1">
-            <a:off x="9854241" y="3915336"/>
+            <a:off x="11654468" y="5715561"/>
             <a:ext cx="2149691" cy="0"/>
           </a:xfrm>
           <a:prstGeom prst="straightConnector1">
@@ -7687,7 +7759,7 @@
         </p:nvSpPr>
         <p:spPr>
           <a:xfrm>
-            <a:off x="11492710" y="3668974"/>
+            <a:off x="13292935" y="5469201"/>
             <a:ext cx="1214756" cy="307777"/>
           </a:xfrm>
           <a:prstGeom prst="rect">
@@ -7724,7 +7796,7 @@
         </p:nvCxnSpPr>
         <p:spPr>
           <a:xfrm flipV="1">
-            <a:off x="8999999" y="3349496"/>
+            <a:off x="10800224" y="5149723"/>
             <a:ext cx="0" cy="372513"/>
           </a:xfrm>
           <a:prstGeom prst="line">
@@ -7760,7 +7832,7 @@
         </p:nvSpPr>
         <p:spPr>
           <a:xfrm>
-            <a:off x="8910127" y="3175586"/>
+            <a:off x="10710352" y="4975811"/>
             <a:ext cx="180000" cy="180000"/>
           </a:xfrm>
           <a:prstGeom prst="ellipse">
@@ -7821,7 +7893,7 @@
         </p:nvCxnSpPr>
         <p:spPr>
           <a:xfrm flipH="1">
-            <a:off x="6128426" y="10532605"/>
+            <a:off x="7928653" y="12332830"/>
             <a:ext cx="1071573" cy="0"/>
           </a:xfrm>
           <a:prstGeom prst="line">
@@ -7859,7 +7931,7 @@
         </p:nvCxnSpPr>
         <p:spPr>
           <a:xfrm flipV="1">
-            <a:off x="6128426" y="3265586"/>
+            <a:off x="7928651" y="5065813"/>
             <a:ext cx="0" cy="7267019"/>
           </a:xfrm>
           <a:prstGeom prst="line">
@@ -7898,7 +7970,7 @@
         </p:nvCxnSpPr>
         <p:spPr>
           <a:xfrm>
-            <a:off x="6128426" y="3265586"/>
+            <a:off x="7928653" y="5065811"/>
             <a:ext cx="2781701" cy="0"/>
           </a:xfrm>
           <a:prstGeom prst="straightConnector1">
@@ -7940,7 +8012,7 @@
         </p:nvCxnSpPr>
         <p:spPr>
           <a:xfrm flipH="1" flipV="1">
-            <a:off x="8999999" y="2800339"/>
+            <a:off x="10800224" y="4600566"/>
             <a:ext cx="128" cy="375247"/>
           </a:xfrm>
           <a:prstGeom prst="straightConnector1">
@@ -7979,7 +8051,7 @@
         </p:nvCxnSpPr>
         <p:spPr>
           <a:xfrm flipV="1">
-            <a:off x="9322298" y="8467200"/>
+            <a:off x="11122523" y="10267425"/>
             <a:ext cx="0" cy="540000"/>
           </a:xfrm>
           <a:prstGeom prst="straightConnector1">
@@ -8025,7 +8097,7 @@
         </p:nvCxnSpPr>
         <p:spPr>
           <a:xfrm>
-            <a:off x="9318052" y="9014400"/>
+            <a:off x="11118279" y="10814625"/>
             <a:ext cx="1481947" cy="0"/>
           </a:xfrm>
           <a:prstGeom prst="line">
@@ -8068,7 +8140,7 @@
         </p:nvSpPr>
         <p:spPr>
           <a:xfrm>
-            <a:off x="9583200" y="4457489"/>
+            <a:off x="11383427" y="6257716"/>
             <a:ext cx="337015" cy="461665"/>
           </a:xfrm>
           <a:prstGeom prst="rect">
@@ -8084,7 +8156,6 @@
           <a:p>
             <a:r>
               <a:rPr lang="de-DE" sz="2400" dirty="0">
-                <a:effectLst/>
                 <a:latin typeface="Apple Color Emoji" pitchFamily="2" charset="0"/>
               </a:rPr>
               <a:t>🔥</a:t>
@@ -8106,7 +8177,7 @@
         </p:nvSpPr>
         <p:spPr>
           <a:xfrm>
-            <a:off x="9583200" y="6755042"/>
+            <a:off x="11383427" y="8555269"/>
             <a:ext cx="337015" cy="461665"/>
           </a:xfrm>
           <a:prstGeom prst="rect">
@@ -8122,7 +8193,6 @@
           <a:p>
             <a:r>
               <a:rPr lang="de-DE" sz="2400" dirty="0">
-                <a:effectLst/>
                 <a:latin typeface="Apple Color Emoji" pitchFamily="2" charset="0"/>
               </a:rPr>
               <a:t>🔥</a:t>
@@ -8144,7 +8214,7 @@
         </p:nvSpPr>
         <p:spPr>
           <a:xfrm>
-            <a:off x="11382453" y="9198253"/>
+            <a:off x="13182680" y="10998480"/>
             <a:ext cx="337015" cy="461665"/>
           </a:xfrm>
           <a:prstGeom prst="rect">
@@ -8160,7 +8230,6 @@
           <a:p>
             <a:r>
               <a:rPr lang="de-DE" sz="2400" dirty="0">
-                <a:effectLst/>
                 <a:latin typeface="Apple Color Emoji" pitchFamily="2" charset="0"/>
               </a:rPr>
               <a:t>🔥</a:t>
@@ -8218,7 +8287,7 @@
         </p:nvSpPr>
         <p:spPr>
           <a:xfrm>
-            <a:off x="720106" y="630936"/>
+            <a:off x="2520331" y="2431161"/>
             <a:ext cx="12600000" cy="10930570"/>
           </a:xfrm>
           <a:prstGeom prst="rect">
@@ -8279,7 +8348,7 @@
         </p:nvSpPr>
         <p:spPr>
           <a:xfrm>
-            <a:off x="7421711" y="10317978"/>
+            <a:off x="9221936" y="12118203"/>
             <a:ext cx="1708484" cy="845622"/>
           </a:xfrm>
           <a:prstGeom prst="rect">
@@ -8343,7 +8412,7 @@
         </p:nvSpPr>
         <p:spPr>
           <a:xfrm>
-            <a:off x="4903735" y="10317600"/>
+            <a:off x="6703960" y="12117825"/>
             <a:ext cx="1708484" cy="845622"/>
           </a:xfrm>
           <a:prstGeom prst="rect">
@@ -8409,7 +8478,7 @@
         </p:nvCxnSpPr>
         <p:spPr>
           <a:xfrm flipV="1">
-            <a:off x="3240000" y="10688400"/>
+            <a:off x="5040225" y="12488625"/>
             <a:ext cx="0" cy="1582106"/>
           </a:xfrm>
           <a:prstGeom prst="straightConnector1">
@@ -8448,7 +8517,7 @@
         </p:nvCxnSpPr>
         <p:spPr>
           <a:xfrm flipV="1">
-            <a:off x="5760000" y="11163600"/>
+            <a:off x="7560225" y="12963825"/>
             <a:ext cx="0" cy="1106906"/>
           </a:xfrm>
           <a:prstGeom prst="straightConnector1">
@@ -8495,7 +8564,7 @@
         </p:nvCxnSpPr>
         <p:spPr>
           <a:xfrm flipH="1" flipV="1">
-            <a:off x="10793929" y="10688400"/>
+            <a:off x="12594156" y="12488625"/>
             <a:ext cx="6071" cy="1582106"/>
           </a:xfrm>
           <a:prstGeom prst="straightConnector1">
@@ -8534,7 +8603,7 @@
         </p:nvCxnSpPr>
         <p:spPr>
           <a:xfrm flipV="1">
-            <a:off x="8280000" y="11163600"/>
+            <a:off x="10080225" y="12963825"/>
             <a:ext cx="0" cy="1106906"/>
           </a:xfrm>
           <a:prstGeom prst="straightConnector1">
@@ -8578,7 +8647,7 @@
         </p:nvSpPr>
         <p:spPr>
           <a:xfrm>
-            <a:off x="2767017" y="12270506"/>
+            <a:off x="4567244" y="14070733"/>
             <a:ext cx="945965" cy="646331"/>
           </a:xfrm>
           <a:prstGeom prst="rect">
@@ -8619,7 +8688,7 @@
         </p:nvSpPr>
         <p:spPr>
           <a:xfrm>
-            <a:off x="10327017" y="12270506"/>
+            <a:off x="12127244" y="14070733"/>
             <a:ext cx="945965" cy="646331"/>
           </a:xfrm>
           <a:prstGeom prst="rect">
@@ -8660,7 +8729,7 @@
         </p:nvSpPr>
         <p:spPr>
           <a:xfrm>
-            <a:off x="5291637" y="12270506"/>
+            <a:off x="7091862" y="14070733"/>
             <a:ext cx="1200970" cy="646331"/>
           </a:xfrm>
           <a:prstGeom prst="rect">
@@ -8701,7 +8770,7 @@
         </p:nvSpPr>
         <p:spPr>
           <a:xfrm>
-            <a:off x="7866048" y="12270506"/>
+            <a:off x="9666273" y="14070733"/>
             <a:ext cx="1200970" cy="646331"/>
           </a:xfrm>
           <a:prstGeom prst="rect">
@@ -8742,7 +8811,7 @@
         </p:nvSpPr>
         <p:spPr>
           <a:xfrm>
-            <a:off x="2385759" y="10317600"/>
+            <a:off x="4185984" y="12117825"/>
             <a:ext cx="1708484" cy="370800"/>
           </a:xfrm>
           <a:prstGeom prst="rect">
@@ -8810,7 +8879,7 @@
         </p:nvSpPr>
         <p:spPr>
           <a:xfrm>
-            <a:off x="9939687" y="10317600"/>
+            <a:off x="11739912" y="12117825"/>
             <a:ext cx="1708484" cy="370800"/>
           </a:xfrm>
           <a:prstGeom prst="rect">
@@ -8880,7 +8949,7 @@
         </p:nvCxnSpPr>
         <p:spPr>
           <a:xfrm flipH="1" flipV="1">
-            <a:off x="3240000" y="10137600"/>
+            <a:off x="5040227" y="11937825"/>
             <a:ext cx="1" cy="180000"/>
           </a:xfrm>
           <a:prstGeom prst="line">
@@ -8918,7 +8987,7 @@
         </p:nvCxnSpPr>
         <p:spPr>
           <a:xfrm flipH="1" flipV="1">
-            <a:off x="5757976" y="10137600"/>
+            <a:off x="7558203" y="11937825"/>
             <a:ext cx="1" cy="180000"/>
           </a:xfrm>
           <a:prstGeom prst="line">
@@ -8961,7 +9030,7 @@
         </p:nvSpPr>
         <p:spPr>
           <a:xfrm>
-            <a:off x="3646800" y="9360000"/>
+            <a:off x="5447025" y="11160225"/>
             <a:ext cx="1708484" cy="579600"/>
           </a:xfrm>
           <a:prstGeom prst="rect">
@@ -9027,7 +9096,7 @@
         </p:nvCxnSpPr>
         <p:spPr>
           <a:xfrm>
-            <a:off x="3239999" y="10137600"/>
+            <a:off x="5040224" y="11937825"/>
             <a:ext cx="1080000" cy="0"/>
           </a:xfrm>
           <a:prstGeom prst="line">
@@ -9063,7 +9132,7 @@
         </p:nvCxnSpPr>
         <p:spPr>
           <a:xfrm flipH="1">
-            <a:off x="4677976" y="10137600"/>
+            <a:off x="6478201" y="11937825"/>
             <a:ext cx="1080000" cy="0"/>
           </a:xfrm>
           <a:prstGeom prst="line">
@@ -9106,7 +9175,7 @@
         </p:nvCxnSpPr>
         <p:spPr>
           <a:xfrm flipV="1">
-            <a:off x="4319999" y="9966960"/>
+            <a:off x="6120224" y="11767185"/>
             <a:ext cx="0" cy="180000"/>
           </a:xfrm>
           <a:prstGeom prst="straightConnector1">
@@ -9145,7 +9214,7 @@
         </p:nvCxnSpPr>
         <p:spPr>
           <a:xfrm flipV="1">
-            <a:off x="4683600" y="9968400"/>
+            <a:off x="6483825" y="11768625"/>
             <a:ext cx="0" cy="180000"/>
           </a:xfrm>
           <a:prstGeom prst="straightConnector1">
@@ -9191,7 +9260,7 @@
         </p:nvCxnSpPr>
         <p:spPr>
           <a:xfrm flipH="1" flipV="1">
-            <a:off x="8270008" y="10137600"/>
+            <a:off x="10070235" y="11937825"/>
             <a:ext cx="1" cy="180000"/>
           </a:xfrm>
           <a:prstGeom prst="line">
@@ -9236,7 +9305,7 @@
         </p:nvCxnSpPr>
         <p:spPr>
           <a:xfrm flipH="1" flipV="1">
-            <a:off x="10787984" y="10137600"/>
+            <a:off x="12588211" y="11937825"/>
             <a:ext cx="1" cy="180000"/>
           </a:xfrm>
           <a:prstGeom prst="line">
@@ -9272,7 +9341,7 @@
         </p:nvSpPr>
         <p:spPr>
           <a:xfrm>
-            <a:off x="8676808" y="9360000"/>
+            <a:off x="10477033" y="11160225"/>
             <a:ext cx="1708484" cy="579600"/>
           </a:xfrm>
           <a:prstGeom prst="rect">
@@ -9338,7 +9407,7 @@
         </p:nvCxnSpPr>
         <p:spPr>
           <a:xfrm>
-            <a:off x="8270007" y="10137600"/>
+            <a:off x="10070232" y="11937825"/>
             <a:ext cx="1080000" cy="0"/>
           </a:xfrm>
           <a:prstGeom prst="line">
@@ -9381,7 +9450,7 @@
         </p:nvCxnSpPr>
         <p:spPr>
           <a:xfrm flipH="1">
-            <a:off x="9707984" y="10137600"/>
+            <a:off x="11508209" y="11937825"/>
             <a:ext cx="1080000" cy="0"/>
           </a:xfrm>
           <a:prstGeom prst="line">
@@ -9417,7 +9486,7 @@
         </p:nvCxnSpPr>
         <p:spPr>
           <a:xfrm flipV="1">
-            <a:off x="9350007" y="9968400"/>
+            <a:off x="11150232" y="11768625"/>
             <a:ext cx="0" cy="180000"/>
           </a:xfrm>
           <a:prstGeom prst="straightConnector1">
@@ -9461,7 +9530,7 @@
         </p:nvCxnSpPr>
         <p:spPr>
           <a:xfrm flipV="1">
-            <a:off x="9715063" y="9968400"/>
+            <a:off x="11515288" y="11768625"/>
             <a:ext cx="0" cy="180000"/>
           </a:xfrm>
           <a:prstGeom prst="straightConnector1">
@@ -9500,7 +9569,7 @@
         </p:nvSpPr>
         <p:spPr>
           <a:xfrm>
-            <a:off x="3646800" y="8609204"/>
+            <a:off x="5447025" y="10409429"/>
             <a:ext cx="1708484" cy="370800"/>
           </a:xfrm>
           <a:prstGeom prst="rect">
@@ -9567,7 +9636,7 @@
         </p:nvCxnSpPr>
         <p:spPr>
           <a:xfrm flipV="1">
-            <a:off x="4501042" y="8989148"/>
+            <a:off x="6301267" y="10789373"/>
             <a:ext cx="0" cy="360000"/>
           </a:xfrm>
           <a:prstGeom prst="straightConnector1">
@@ -9606,7 +9675,7 @@
         </p:nvSpPr>
         <p:spPr>
           <a:xfrm>
-            <a:off x="8676808" y="8614686"/>
+            <a:off x="10477033" y="10414911"/>
             <a:ext cx="1708484" cy="370800"/>
           </a:xfrm>
           <a:prstGeom prst="rect">
@@ -9673,7 +9742,7 @@
         </p:nvCxnSpPr>
         <p:spPr>
           <a:xfrm flipV="1">
-            <a:off x="9531050" y="8994630"/>
+            <a:off x="11331275" y="10794855"/>
             <a:ext cx="0" cy="360000"/>
           </a:xfrm>
           <a:prstGeom prst="straightConnector1">
@@ -9712,7 +9781,7 @@
         </p:nvSpPr>
         <p:spPr>
           <a:xfrm>
-            <a:off x="3646800" y="7863006"/>
+            <a:off x="5447025" y="9663231"/>
             <a:ext cx="1708484" cy="370800"/>
           </a:xfrm>
           <a:prstGeom prst="rect">
@@ -9777,7 +9846,7 @@
         </p:nvCxnSpPr>
         <p:spPr>
           <a:xfrm flipV="1">
-            <a:off x="4501042" y="8249204"/>
+            <a:off x="6301267" y="10049429"/>
             <a:ext cx="0" cy="360000"/>
           </a:xfrm>
           <a:prstGeom prst="straightConnector1">
@@ -9816,7 +9885,7 @@
         </p:nvSpPr>
         <p:spPr>
           <a:xfrm>
-            <a:off x="8676808" y="7862373"/>
+            <a:off x="10477033" y="9662598"/>
             <a:ext cx="1708484" cy="370800"/>
           </a:xfrm>
           <a:prstGeom prst="rect">
@@ -9881,7 +9950,7 @@
         </p:nvCxnSpPr>
         <p:spPr>
           <a:xfrm flipV="1">
-            <a:off x="9531050" y="8248571"/>
+            <a:off x="11331275" y="10048796"/>
             <a:ext cx="0" cy="360000"/>
           </a:xfrm>
           <a:prstGeom prst="straightConnector1">
@@ -9922,7 +9991,7 @@
         </p:nvCxnSpPr>
         <p:spPr>
           <a:xfrm flipV="1">
-            <a:off x="4500000" y="7682400"/>
+            <a:off x="6300225" y="9482625"/>
             <a:ext cx="0" cy="182046"/>
           </a:xfrm>
           <a:prstGeom prst="line">
@@ -9960,7 +10029,7 @@
         </p:nvCxnSpPr>
         <p:spPr>
           <a:xfrm flipV="1">
-            <a:off x="9532800" y="7680960"/>
+            <a:off x="11333025" y="9481187"/>
             <a:ext cx="0" cy="181413"/>
           </a:xfrm>
           <a:prstGeom prst="line">
@@ -9996,7 +10065,7 @@
         </p:nvGrpSpPr>
         <p:grpSpPr>
           <a:xfrm>
-            <a:off x="6930106" y="7593386"/>
+            <a:off x="8730331" y="9393611"/>
             <a:ext cx="180000" cy="180000"/>
             <a:chOff x="2993721" y="5110619"/>
             <a:chExt cx="180000" cy="180000"/>
@@ -10149,7 +10218,7 @@
         </p:nvCxnSpPr>
         <p:spPr>
           <a:xfrm>
-            <a:off x="4501042" y="7680960"/>
+            <a:off x="6301267" y="9481185"/>
             <a:ext cx="2433600" cy="0"/>
           </a:xfrm>
           <a:prstGeom prst="straightConnector1">
@@ -10188,7 +10257,7 @@
         </p:nvCxnSpPr>
         <p:spPr>
           <a:xfrm flipH="1">
-            <a:off x="7110106" y="7680960"/>
+            <a:off x="8910331" y="9481185"/>
             <a:ext cx="2420944" cy="0"/>
           </a:xfrm>
           <a:prstGeom prst="straightConnector1">
@@ -10227,7 +10296,7 @@
         </p:nvSpPr>
         <p:spPr>
           <a:xfrm>
-            <a:off x="6165864" y="7026031"/>
+            <a:off x="7966089" y="8826256"/>
             <a:ext cx="1708484" cy="370800"/>
           </a:xfrm>
           <a:prstGeom prst="rect">
@@ -10294,7 +10363,7 @@
         </p:nvCxnSpPr>
         <p:spPr>
           <a:xfrm flipV="1">
-            <a:off x="7020106" y="7405372"/>
+            <a:off x="8820331" y="9205597"/>
             <a:ext cx="0" cy="188014"/>
           </a:xfrm>
           <a:prstGeom prst="straightConnector1">
@@ -10335,7 +10404,7 @@
         </p:nvCxnSpPr>
         <p:spPr>
           <a:xfrm flipV="1">
-            <a:off x="7020106" y="6846031"/>
+            <a:off x="8820331" y="8646256"/>
             <a:ext cx="0" cy="180000"/>
           </a:xfrm>
           <a:prstGeom prst="line">
@@ -10373,7 +10442,7 @@
         </p:nvCxnSpPr>
         <p:spPr>
           <a:xfrm flipH="1">
-            <a:off x="4501042" y="6846031"/>
+            <a:off x="6301267" y="8646256"/>
             <a:ext cx="2519064" cy="0"/>
           </a:xfrm>
           <a:prstGeom prst="line">
@@ -10411,7 +10480,7 @@
         </p:nvCxnSpPr>
         <p:spPr>
           <a:xfrm flipH="1">
-            <a:off x="7010475" y="6846031"/>
+            <a:off x="8810700" y="8646256"/>
             <a:ext cx="2519064" cy="0"/>
           </a:xfrm>
           <a:prstGeom prst="line">
@@ -10447,7 +10516,7 @@
         </p:nvCxnSpPr>
         <p:spPr>
           <a:xfrm flipV="1">
-            <a:off x="4500000" y="6667200"/>
+            <a:off x="6300225" y="8467427"/>
             <a:ext cx="0" cy="180055"/>
           </a:xfrm>
           <a:prstGeom prst="straightConnector1">
@@ -10486,7 +10555,7 @@
         </p:nvCxnSpPr>
         <p:spPr>
           <a:xfrm flipV="1">
-            <a:off x="9532800" y="6667200"/>
+            <a:off x="11333025" y="8467427"/>
             <a:ext cx="0" cy="180055"/>
           </a:xfrm>
           <a:prstGeom prst="straightConnector1">
@@ -10525,7 +10594,7 @@
         </p:nvSpPr>
         <p:spPr>
           <a:xfrm>
-            <a:off x="3645758" y="6066000"/>
+            <a:off x="5445983" y="7866225"/>
             <a:ext cx="1708484" cy="579600"/>
           </a:xfrm>
           <a:prstGeom prst="rect">
@@ -10590,7 +10659,7 @@
         </p:nvSpPr>
         <p:spPr>
           <a:xfrm>
-            <a:off x="8675297" y="6066000"/>
+            <a:off x="10475522" y="7866225"/>
             <a:ext cx="1708484" cy="579600"/>
           </a:xfrm>
           <a:prstGeom prst="rect">
@@ -10666,7 +10735,7 @@
         </p:nvSpPr>
         <p:spPr>
           <a:xfrm>
-            <a:off x="3645758" y="4248209"/>
+            <a:off x="5445983" y="6048434"/>
             <a:ext cx="1708484" cy="370800"/>
           </a:xfrm>
           <a:prstGeom prst="rect">
@@ -10736,7 +10805,7 @@
         </p:nvCxnSpPr>
         <p:spPr>
           <a:xfrm flipV="1">
-            <a:off x="4500000" y="5713200"/>
+            <a:off x="6300225" y="7513425"/>
             <a:ext cx="0" cy="360000"/>
           </a:xfrm>
           <a:prstGeom prst="straightConnector1">
@@ -10777,7 +10846,7 @@
         </p:nvCxnSpPr>
         <p:spPr>
           <a:xfrm flipV="1">
-            <a:off x="9532800" y="5169600"/>
+            <a:off x="11333025" y="6969825"/>
             <a:ext cx="0" cy="180000"/>
           </a:xfrm>
           <a:prstGeom prst="straightConnector1">
@@ -10816,7 +10885,7 @@
         </p:nvSpPr>
         <p:spPr>
           <a:xfrm>
-            <a:off x="8675297" y="4248209"/>
+            <a:off x="10475522" y="6048434"/>
             <a:ext cx="1708484" cy="370800"/>
           </a:xfrm>
           <a:prstGeom prst="rect">
@@ -10884,7 +10953,7 @@
         </p:nvSpPr>
         <p:spPr>
           <a:xfrm>
-            <a:off x="3645758" y="3294209"/>
+            <a:off x="5445983" y="5094434"/>
             <a:ext cx="1708484" cy="579600"/>
           </a:xfrm>
           <a:prstGeom prst="rect">
@@ -10950,7 +11019,7 @@
         </p:nvCxnSpPr>
         <p:spPr>
           <a:xfrm flipV="1">
-            <a:off x="4500000" y="3888209"/>
+            <a:off x="6300225" y="5688434"/>
             <a:ext cx="0" cy="360000"/>
           </a:xfrm>
           <a:prstGeom prst="straightConnector1">
@@ -10989,7 +11058,7 @@
         </p:nvSpPr>
         <p:spPr>
           <a:xfrm>
-            <a:off x="8675297" y="3294209"/>
+            <a:off x="10475522" y="5094434"/>
             <a:ext cx="1708484" cy="579600"/>
           </a:xfrm>
           <a:prstGeom prst="rect">
@@ -11055,7 +11124,7 @@
         </p:nvCxnSpPr>
         <p:spPr>
           <a:xfrm flipV="1">
-            <a:off x="9532800" y="3888209"/>
+            <a:off x="11333025" y="5688434"/>
             <a:ext cx="0" cy="360000"/>
           </a:xfrm>
           <a:prstGeom prst="straightConnector1">
@@ -11094,7 +11163,7 @@
         </p:nvSpPr>
         <p:spPr>
           <a:xfrm>
-            <a:off x="3645758" y="2556209"/>
+            <a:off x="5445983" y="4356434"/>
             <a:ext cx="1708484" cy="370800"/>
           </a:xfrm>
           <a:prstGeom prst="rect">
@@ -11161,7 +11230,7 @@
         </p:nvCxnSpPr>
         <p:spPr>
           <a:xfrm flipV="1">
-            <a:off x="4500000" y="2930609"/>
+            <a:off x="6300225" y="4730834"/>
             <a:ext cx="0" cy="360000"/>
           </a:xfrm>
           <a:prstGeom prst="straightConnector1">
@@ -11200,7 +11269,7 @@
         </p:nvSpPr>
         <p:spPr>
           <a:xfrm>
-            <a:off x="8676000" y="2556209"/>
+            <a:off x="10476225" y="4356434"/>
             <a:ext cx="1708484" cy="370800"/>
           </a:xfrm>
           <a:prstGeom prst="rect">
@@ -11267,7 +11336,7 @@
         </p:nvCxnSpPr>
         <p:spPr>
           <a:xfrm flipV="1">
-            <a:off x="9529539" y="2930609"/>
+            <a:off x="11329764" y="4730834"/>
             <a:ext cx="0" cy="360000"/>
           </a:xfrm>
           <a:prstGeom prst="straightConnector1">
@@ -11306,7 +11375,7 @@
         </p:nvSpPr>
         <p:spPr>
           <a:xfrm>
-            <a:off x="3640825" y="5347800"/>
+            <a:off x="5441050" y="7148025"/>
             <a:ext cx="1708484" cy="370800"/>
           </a:xfrm>
           <a:prstGeom prst="rect">
@@ -11372,7 +11441,7 @@
         </p:nvCxnSpPr>
         <p:spPr>
           <a:xfrm flipH="1" flipV="1">
-            <a:off x="4500000" y="5169600"/>
+            <a:off x="6300225" y="6969825"/>
             <a:ext cx="0" cy="178200"/>
           </a:xfrm>
           <a:prstGeom prst="straightConnector1">
@@ -11413,7 +11482,7 @@
         </p:nvCxnSpPr>
         <p:spPr>
           <a:xfrm flipV="1">
-            <a:off x="6100344" y="2001600"/>
+            <a:off x="7900569" y="3801825"/>
             <a:ext cx="0" cy="8314686"/>
           </a:xfrm>
           <a:prstGeom prst="line">
@@ -11458,7 +11527,7 @@
         </p:nvCxnSpPr>
         <p:spPr>
           <a:xfrm flipV="1">
-            <a:off x="7943613" y="2001600"/>
+            <a:off x="9743838" y="3801825"/>
             <a:ext cx="0" cy="8314686"/>
           </a:xfrm>
           <a:prstGeom prst="line">
@@ -11501,7 +11570,7 @@
         </p:nvSpPr>
         <p:spPr>
           <a:xfrm>
-            <a:off x="4656591" y="9906818"/>
+            <a:off x="6456818" y="11707045"/>
             <a:ext cx="1243225" cy="307777"/>
           </a:xfrm>
           <a:prstGeom prst="rect">
@@ -11536,7 +11605,7 @@
         </p:nvSpPr>
         <p:spPr>
           <a:xfrm>
-            <a:off x="8188394" y="9903071"/>
+            <a:off x="9988621" y="11703298"/>
             <a:ext cx="1243225" cy="307777"/>
           </a:xfrm>
           <a:prstGeom prst="rect">
@@ -11571,7 +11640,7 @@
         </p:nvCxnSpPr>
         <p:spPr>
           <a:xfrm flipH="1">
-            <a:off x="5349309" y="5533200"/>
+            <a:off x="7149536" y="7333425"/>
             <a:ext cx="751035" cy="0"/>
           </a:xfrm>
           <a:prstGeom prst="straightConnector1">
@@ -11615,7 +11684,7 @@
         </p:nvSpPr>
         <p:spPr>
           <a:xfrm>
-            <a:off x="5452363" y="5279671"/>
+            <a:off x="7252588" y="7079898"/>
             <a:ext cx="1214756" cy="307777"/>
           </a:xfrm>
           <a:prstGeom prst="rect">
@@ -11652,7 +11721,7 @@
         </p:nvCxnSpPr>
         <p:spPr>
           <a:xfrm flipV="1">
-            <a:off x="9534472" y="5711108"/>
+            <a:off x="11334697" y="7511333"/>
             <a:ext cx="0" cy="360000"/>
           </a:xfrm>
           <a:prstGeom prst="straightConnector1">
@@ -11691,7 +11760,7 @@
         </p:nvSpPr>
         <p:spPr>
           <a:xfrm>
-            <a:off x="8675297" y="5345708"/>
+            <a:off x="10475522" y="7145933"/>
             <a:ext cx="1708484" cy="370800"/>
           </a:xfrm>
           <a:prstGeom prst="rect">
@@ -11758,7 +11827,7 @@
         </p:nvCxnSpPr>
         <p:spPr>
           <a:xfrm>
-            <a:off x="7943612" y="5531108"/>
+            <a:off x="9743839" y="7331333"/>
             <a:ext cx="731685" cy="0"/>
           </a:xfrm>
           <a:prstGeom prst="straightConnector1">
@@ -11802,7 +11871,7 @@
         </p:nvSpPr>
         <p:spPr>
           <a:xfrm>
-            <a:off x="7999200" y="5273710"/>
+            <a:off x="9799425" y="7073937"/>
             <a:ext cx="1214756" cy="307777"/>
           </a:xfrm>
           <a:prstGeom prst="rect">
@@ -11840,7 +11909,7 @@
         </p:nvCxnSpPr>
         <p:spPr>
           <a:xfrm flipH="1">
-            <a:off x="5354242" y="3582860"/>
+            <a:off x="7154467" y="5383087"/>
             <a:ext cx="746102" cy="1149"/>
           </a:xfrm>
           <a:prstGeom prst="straightConnector1">
@@ -11887,7 +11956,7 @@
         </p:nvCxnSpPr>
         <p:spPr>
           <a:xfrm>
-            <a:off x="7943612" y="3582860"/>
+            <a:off x="9743839" y="5383087"/>
             <a:ext cx="731685" cy="1149"/>
           </a:xfrm>
           <a:prstGeom prst="straightConnector1">
@@ -11931,7 +12000,7 @@
         </p:nvSpPr>
         <p:spPr>
           <a:xfrm>
-            <a:off x="5416066" y="3346468"/>
+            <a:off x="7216293" y="5146693"/>
             <a:ext cx="760721" cy="523220"/>
           </a:xfrm>
           <a:prstGeom prst="rect">
@@ -11972,7 +12041,7 @@
         </p:nvSpPr>
         <p:spPr>
           <a:xfrm>
-            <a:off x="7914576" y="3343476"/>
+            <a:off x="9714803" y="5143701"/>
             <a:ext cx="760721" cy="523220"/>
           </a:xfrm>
           <a:prstGeom prst="rect">
@@ -12013,7 +12082,7 @@
         </p:nvSpPr>
         <p:spPr>
           <a:xfrm>
-            <a:off x="4405067" y="4987555"/>
+            <a:off x="6205292" y="6787780"/>
             <a:ext cx="180000" cy="180000"/>
           </a:xfrm>
           <a:prstGeom prst="ellipse">
@@ -12072,7 +12141,7 @@
         </p:nvSpPr>
         <p:spPr>
           <a:xfrm>
-            <a:off x="9439200" y="4981901"/>
+            <a:off x="11239425" y="6782126"/>
             <a:ext cx="180000" cy="180000"/>
           </a:xfrm>
           <a:prstGeom prst="ellipse">
@@ -12133,7 +12202,7 @@
         </p:nvCxnSpPr>
         <p:spPr>
           <a:xfrm flipH="1" flipV="1">
-            <a:off x="4495067" y="4626000"/>
+            <a:off x="6295292" y="6426225"/>
             <a:ext cx="0" cy="360000"/>
           </a:xfrm>
           <a:prstGeom prst="straightConnector1">
@@ -12174,7 +12243,7 @@
         </p:nvCxnSpPr>
         <p:spPr>
           <a:xfrm flipV="1">
-            <a:off x="9532800" y="4626000"/>
+            <a:off x="11333025" y="6426225"/>
             <a:ext cx="0" cy="360000"/>
           </a:xfrm>
           <a:prstGeom prst="straightConnector1">
@@ -12213,7 +12282,7 @@
         </p:nvCxnSpPr>
         <p:spPr>
           <a:xfrm flipH="1">
-            <a:off x="1806497" y="11163600"/>
+            <a:off x="3606722" y="12963825"/>
             <a:ext cx="1440000" cy="0"/>
           </a:xfrm>
           <a:prstGeom prst="line">
@@ -12249,7 +12318,7 @@
         </p:nvCxnSpPr>
         <p:spPr>
           <a:xfrm flipH="1">
-            <a:off x="10796964" y="11163600"/>
+            <a:off x="12597189" y="12963825"/>
             <a:ext cx="1440000" cy="0"/>
           </a:xfrm>
           <a:prstGeom prst="line">
@@ -12285,7 +12354,7 @@
         </p:nvCxnSpPr>
         <p:spPr>
           <a:xfrm flipV="1">
-            <a:off x="1800000" y="5077555"/>
+            <a:off x="3600225" y="6877782"/>
             <a:ext cx="0" cy="6085667"/>
           </a:xfrm>
           <a:prstGeom prst="line">
@@ -12321,7 +12390,7 @@
         </p:nvCxnSpPr>
         <p:spPr>
           <a:xfrm flipV="1">
-            <a:off x="12232800" y="5077555"/>
+            <a:off x="14033025" y="6877782"/>
             <a:ext cx="0" cy="6085667"/>
           </a:xfrm>
           <a:prstGeom prst="line">
@@ -12359,7 +12428,7 @@
         </p:nvCxnSpPr>
         <p:spPr>
           <a:xfrm>
-            <a:off x="1803600" y="5077555"/>
+            <a:off x="3603827" y="6877780"/>
             <a:ext cx="2602393" cy="0"/>
           </a:xfrm>
           <a:prstGeom prst="straightConnector1">
@@ -12401,7 +12470,7 @@
         </p:nvCxnSpPr>
         <p:spPr>
           <a:xfrm flipH="1" flipV="1">
-            <a:off x="9619200" y="5071901"/>
+            <a:off x="11419425" y="6872126"/>
             <a:ext cx="2616004" cy="5654"/>
           </a:xfrm>
           <a:prstGeom prst="straightConnector1">
@@ -12442,7 +12511,7 @@
         </p:nvCxnSpPr>
         <p:spPr>
           <a:xfrm flipV="1">
-            <a:off x="9529200" y="2175200"/>
+            <a:off x="11329425" y="3975425"/>
             <a:ext cx="0" cy="360000"/>
           </a:xfrm>
           <a:prstGeom prst="straightConnector1">
@@ -12481,7 +12550,7 @@
         </p:nvSpPr>
         <p:spPr>
           <a:xfrm>
-            <a:off x="8675297" y="1810895"/>
+            <a:off x="10475522" y="3611120"/>
             <a:ext cx="1708484" cy="370800"/>
           </a:xfrm>
           <a:prstGeom prst="rect">
@@ -12547,7 +12616,7 @@
         </p:nvCxnSpPr>
         <p:spPr>
           <a:xfrm flipV="1">
-            <a:off x="4500000" y="2175200"/>
+            <a:off x="6300225" y="3975425"/>
             <a:ext cx="0" cy="360000"/>
           </a:xfrm>
           <a:prstGeom prst="straightConnector1">
@@ -12586,7 +12655,7 @@
         </p:nvSpPr>
         <p:spPr>
           <a:xfrm>
-            <a:off x="3640825" y="1811600"/>
+            <a:off x="5441050" y="3611825"/>
             <a:ext cx="1708484" cy="370800"/>
           </a:xfrm>
           <a:prstGeom prst="rect">
@@ -12653,7 +12722,7 @@
         </p:nvCxnSpPr>
         <p:spPr>
           <a:xfrm flipH="1">
-            <a:off x="5349309" y="1993617"/>
+            <a:off x="7149536" y="3793842"/>
             <a:ext cx="751035" cy="0"/>
           </a:xfrm>
           <a:prstGeom prst="straightConnector1">
@@ -12697,7 +12766,7 @@
         </p:nvSpPr>
         <p:spPr>
           <a:xfrm>
-            <a:off x="5452363" y="1750400"/>
+            <a:off x="7252588" y="3550627"/>
             <a:ext cx="1214756" cy="307777"/>
           </a:xfrm>
           <a:prstGeom prst="rect">
@@ -12734,7 +12803,7 @@
         </p:nvCxnSpPr>
         <p:spPr>
           <a:xfrm>
-            <a:off x="7943612" y="1995455"/>
+            <a:off x="9743839" y="3795680"/>
             <a:ext cx="731685" cy="840"/>
           </a:xfrm>
           <a:prstGeom prst="straightConnector1">
@@ -12778,7 +12847,7 @@
         </p:nvSpPr>
         <p:spPr>
           <a:xfrm>
-            <a:off x="7999200" y="1750400"/>
+            <a:off x="9799425" y="3550627"/>
             <a:ext cx="1214756" cy="307777"/>
           </a:xfrm>
           <a:prstGeom prst="rect">
@@ -12815,7 +12884,7 @@
         </p:nvCxnSpPr>
         <p:spPr>
           <a:xfrm flipH="1" flipV="1">
-            <a:off x="4504933" y="1630800"/>
+            <a:off x="6305158" y="3431025"/>
             <a:ext cx="0" cy="178200"/>
           </a:xfrm>
           <a:prstGeom prst="straightConnector1">
@@ -12854,7 +12923,7 @@
         </p:nvSpPr>
         <p:spPr>
           <a:xfrm>
-            <a:off x="4410000" y="1448535"/>
+            <a:off x="6210225" y="3248760"/>
             <a:ext cx="180000" cy="180000"/>
           </a:xfrm>
           <a:prstGeom prst="ellipse">
@@ -12915,7 +12984,7 @@
         </p:nvCxnSpPr>
         <p:spPr>
           <a:xfrm flipH="1" flipV="1">
-            <a:off x="4500000" y="1086980"/>
+            <a:off x="6300225" y="2887205"/>
             <a:ext cx="0" cy="360000"/>
           </a:xfrm>
           <a:prstGeom prst="straightConnector1">
@@ -12956,7 +13025,7 @@
         </p:nvCxnSpPr>
         <p:spPr>
           <a:xfrm flipH="1" flipV="1">
-            <a:off x="9529200" y="1630800"/>
+            <a:off x="11329425" y="3431025"/>
             <a:ext cx="0" cy="178200"/>
           </a:xfrm>
           <a:prstGeom prst="straightConnector1">
@@ -12995,7 +13064,7 @@
         </p:nvSpPr>
         <p:spPr>
           <a:xfrm>
-            <a:off x="9439200" y="1447200"/>
+            <a:off x="11239425" y="3247425"/>
             <a:ext cx="180000" cy="180000"/>
           </a:xfrm>
           <a:prstGeom prst="ellipse">
@@ -13056,7 +13125,7 @@
         </p:nvCxnSpPr>
         <p:spPr>
           <a:xfrm flipH="1" flipV="1">
-            <a:off x="9529200" y="1087200"/>
+            <a:off x="11329425" y="2887425"/>
             <a:ext cx="0" cy="360000"/>
           </a:xfrm>
           <a:prstGeom prst="straightConnector1">
@@ -13095,7 +13164,7 @@
         </p:nvCxnSpPr>
         <p:spPr>
           <a:xfrm flipH="1">
-            <a:off x="1793174" y="4845600"/>
+            <a:off x="3593399" y="6645825"/>
             <a:ext cx="2706826" cy="0"/>
           </a:xfrm>
           <a:prstGeom prst="line">
@@ -13131,7 +13200,7 @@
         </p:nvCxnSpPr>
         <p:spPr>
           <a:xfrm flipV="1">
-            <a:off x="1800000" y="1544400"/>
+            <a:off x="3600225" y="3344625"/>
             <a:ext cx="0" cy="3301340"/>
           </a:xfrm>
           <a:prstGeom prst="line">
@@ -13169,7 +13238,7 @@
         </p:nvCxnSpPr>
         <p:spPr>
           <a:xfrm>
-            <a:off x="1802674" y="1536729"/>
+            <a:off x="3602901" y="3336954"/>
             <a:ext cx="2602393" cy="0"/>
           </a:xfrm>
           <a:prstGeom prst="straightConnector1">
@@ -13208,7 +13277,7 @@
         </p:nvCxnSpPr>
         <p:spPr>
           <a:xfrm flipH="1">
-            <a:off x="9529539" y="4845600"/>
+            <a:off x="11329764" y="6645825"/>
             <a:ext cx="2706826" cy="0"/>
           </a:xfrm>
           <a:prstGeom prst="line">
@@ -13244,7 +13313,7 @@
         </p:nvCxnSpPr>
         <p:spPr>
           <a:xfrm flipV="1">
-            <a:off x="12232800" y="1544400"/>
+            <a:off x="14033025" y="3344625"/>
             <a:ext cx="0" cy="3301340"/>
           </a:xfrm>
           <a:prstGeom prst="line">
@@ -13283,7 +13352,7 @@
         </p:nvCxnSpPr>
         <p:spPr>
           <a:xfrm flipH="1" flipV="1">
-            <a:off x="9619200" y="1537200"/>
+            <a:off x="11419425" y="3337425"/>
             <a:ext cx="2624260" cy="0"/>
           </a:xfrm>
           <a:prstGeom prst="straightConnector1">
@@ -13358,7 +13427,7 @@
         </p:nvSpPr>
         <p:spPr>
           <a:xfrm>
-            <a:off x="720106" y="630936"/>
+            <a:off x="2520331" y="2431161"/>
             <a:ext cx="12600000" cy="10930570"/>
           </a:xfrm>
           <a:prstGeom prst="rect">
@@ -13419,7 +13488,7 @@
         </p:nvSpPr>
         <p:spPr>
           <a:xfrm>
-            <a:off x="7421711" y="10317978"/>
+            <a:off x="9221936" y="12118203"/>
             <a:ext cx="1708484" cy="845622"/>
           </a:xfrm>
           <a:prstGeom prst="rect">
@@ -13483,7 +13552,7 @@
         </p:nvSpPr>
         <p:spPr>
           <a:xfrm>
-            <a:off x="4903735" y="10317600"/>
+            <a:off x="6703960" y="12117825"/>
             <a:ext cx="1708484" cy="845622"/>
           </a:xfrm>
           <a:prstGeom prst="rect">
@@ -13549,7 +13618,7 @@
         </p:nvCxnSpPr>
         <p:spPr>
           <a:xfrm flipV="1">
-            <a:off x="3240000" y="10688400"/>
+            <a:off x="5040225" y="12488625"/>
             <a:ext cx="0" cy="1582106"/>
           </a:xfrm>
           <a:prstGeom prst="straightConnector1">
@@ -13588,7 +13657,7 @@
         </p:nvCxnSpPr>
         <p:spPr>
           <a:xfrm flipV="1">
-            <a:off x="5760000" y="11163600"/>
+            <a:off x="7560225" y="12963825"/>
             <a:ext cx="0" cy="1106906"/>
           </a:xfrm>
           <a:prstGeom prst="straightConnector1">
@@ -13635,7 +13704,7 @@
         </p:nvCxnSpPr>
         <p:spPr>
           <a:xfrm flipH="1" flipV="1">
-            <a:off x="10793929" y="10688400"/>
+            <a:off x="12594156" y="12488625"/>
             <a:ext cx="6071" cy="1582106"/>
           </a:xfrm>
           <a:prstGeom prst="straightConnector1">
@@ -13674,7 +13743,7 @@
         </p:nvCxnSpPr>
         <p:spPr>
           <a:xfrm flipV="1">
-            <a:off x="8280000" y="11163600"/>
+            <a:off x="10080225" y="12963825"/>
             <a:ext cx="0" cy="1106906"/>
           </a:xfrm>
           <a:prstGeom prst="straightConnector1">
@@ -13718,7 +13787,7 @@
         </p:nvSpPr>
         <p:spPr>
           <a:xfrm>
-            <a:off x="2767017" y="12270506"/>
+            <a:off x="4567244" y="14070733"/>
             <a:ext cx="945965" cy="646331"/>
           </a:xfrm>
           <a:prstGeom prst="rect">
@@ -13759,7 +13828,7 @@
         </p:nvSpPr>
         <p:spPr>
           <a:xfrm>
-            <a:off x="10327017" y="12270506"/>
+            <a:off x="12127244" y="14070733"/>
             <a:ext cx="945965" cy="646331"/>
           </a:xfrm>
           <a:prstGeom prst="rect">
@@ -13800,7 +13869,7 @@
         </p:nvSpPr>
         <p:spPr>
           <a:xfrm>
-            <a:off x="5291637" y="12270506"/>
+            <a:off x="7091862" y="14070733"/>
             <a:ext cx="1200970" cy="646331"/>
           </a:xfrm>
           <a:prstGeom prst="rect">
@@ -13841,7 +13910,7 @@
         </p:nvSpPr>
         <p:spPr>
           <a:xfrm>
-            <a:off x="7866048" y="12270506"/>
+            <a:off x="9666273" y="14070733"/>
             <a:ext cx="1200970" cy="646331"/>
           </a:xfrm>
           <a:prstGeom prst="rect">
@@ -13882,7 +13951,7 @@
         </p:nvSpPr>
         <p:spPr>
           <a:xfrm>
-            <a:off x="2385759" y="10317600"/>
+            <a:off x="4185984" y="12117825"/>
             <a:ext cx="1708484" cy="370800"/>
           </a:xfrm>
           <a:prstGeom prst="rect">
@@ -13950,7 +14019,7 @@
         </p:nvSpPr>
         <p:spPr>
           <a:xfrm>
-            <a:off x="9939687" y="10317600"/>
+            <a:off x="11739912" y="12117825"/>
             <a:ext cx="1708484" cy="370800"/>
           </a:xfrm>
           <a:prstGeom prst="rect">
@@ -14020,7 +14089,7 @@
         </p:nvCxnSpPr>
         <p:spPr>
           <a:xfrm flipH="1" flipV="1">
-            <a:off x="3240000" y="10137600"/>
+            <a:off x="5040227" y="11937825"/>
             <a:ext cx="1" cy="180000"/>
           </a:xfrm>
           <a:prstGeom prst="line">
@@ -14058,7 +14127,7 @@
         </p:nvCxnSpPr>
         <p:spPr>
           <a:xfrm flipH="1" flipV="1">
-            <a:off x="5757976" y="10137600"/>
+            <a:off x="7558203" y="11937825"/>
             <a:ext cx="1" cy="180000"/>
           </a:xfrm>
           <a:prstGeom prst="line">
@@ -14101,7 +14170,7 @@
         </p:nvSpPr>
         <p:spPr>
           <a:xfrm>
-            <a:off x="3646800" y="9360000"/>
+            <a:off x="5447025" y="11160225"/>
             <a:ext cx="1708484" cy="579600"/>
           </a:xfrm>
           <a:prstGeom prst="rect">
@@ -14167,7 +14236,7 @@
         </p:nvCxnSpPr>
         <p:spPr>
           <a:xfrm>
-            <a:off x="3239999" y="10137600"/>
+            <a:off x="5040224" y="11937825"/>
             <a:ext cx="1080000" cy="0"/>
           </a:xfrm>
           <a:prstGeom prst="line">
@@ -14203,7 +14272,7 @@
         </p:nvCxnSpPr>
         <p:spPr>
           <a:xfrm flipH="1">
-            <a:off x="4677976" y="10137600"/>
+            <a:off x="6478201" y="11937825"/>
             <a:ext cx="1080000" cy="0"/>
           </a:xfrm>
           <a:prstGeom prst="line">
@@ -14246,7 +14315,7 @@
         </p:nvCxnSpPr>
         <p:spPr>
           <a:xfrm flipV="1">
-            <a:off x="4319999" y="9966960"/>
+            <a:off x="6120224" y="11767185"/>
             <a:ext cx="0" cy="180000"/>
           </a:xfrm>
           <a:prstGeom prst="straightConnector1">
@@ -14285,7 +14354,7 @@
         </p:nvCxnSpPr>
         <p:spPr>
           <a:xfrm flipV="1">
-            <a:off x="4683600" y="9968400"/>
+            <a:off x="6483825" y="11768625"/>
             <a:ext cx="0" cy="180000"/>
           </a:xfrm>
           <a:prstGeom prst="straightConnector1">
@@ -14331,7 +14400,7 @@
         </p:nvCxnSpPr>
         <p:spPr>
           <a:xfrm flipH="1" flipV="1">
-            <a:off x="8270008" y="10137600"/>
+            <a:off x="10070235" y="11937825"/>
             <a:ext cx="1" cy="180000"/>
           </a:xfrm>
           <a:prstGeom prst="line">
@@ -14376,7 +14445,7 @@
         </p:nvCxnSpPr>
         <p:spPr>
           <a:xfrm flipH="1" flipV="1">
-            <a:off x="10787984" y="10137600"/>
+            <a:off x="12588211" y="11937825"/>
             <a:ext cx="1" cy="180000"/>
           </a:xfrm>
           <a:prstGeom prst="line">
@@ -14412,7 +14481,7 @@
         </p:nvSpPr>
         <p:spPr>
           <a:xfrm>
-            <a:off x="8676808" y="9360000"/>
+            <a:off x="10477033" y="11160225"/>
             <a:ext cx="1708484" cy="579600"/>
           </a:xfrm>
           <a:prstGeom prst="rect">
@@ -14478,7 +14547,7 @@
         </p:nvCxnSpPr>
         <p:spPr>
           <a:xfrm>
-            <a:off x="8270007" y="10137600"/>
+            <a:off x="10070232" y="11937825"/>
             <a:ext cx="1080000" cy="0"/>
           </a:xfrm>
           <a:prstGeom prst="line">
@@ -14521,7 +14590,7 @@
         </p:nvCxnSpPr>
         <p:spPr>
           <a:xfrm flipH="1">
-            <a:off x="9707984" y="10137600"/>
+            <a:off x="11508209" y="11937825"/>
             <a:ext cx="1080000" cy="0"/>
           </a:xfrm>
           <a:prstGeom prst="line">
@@ -14557,7 +14626,7 @@
         </p:nvCxnSpPr>
         <p:spPr>
           <a:xfrm flipV="1">
-            <a:off x="9350007" y="9968400"/>
+            <a:off x="11150232" y="11768625"/>
             <a:ext cx="0" cy="180000"/>
           </a:xfrm>
           <a:prstGeom prst="straightConnector1">
@@ -14601,7 +14670,7 @@
         </p:nvCxnSpPr>
         <p:spPr>
           <a:xfrm flipV="1">
-            <a:off x="9715063" y="9968400"/>
+            <a:off x="11515288" y="11768625"/>
             <a:ext cx="0" cy="180000"/>
           </a:xfrm>
           <a:prstGeom prst="straightConnector1">
@@ -14640,7 +14709,7 @@
         </p:nvSpPr>
         <p:spPr>
           <a:xfrm>
-            <a:off x="3646800" y="8609204"/>
+            <a:off x="5447025" y="10409429"/>
             <a:ext cx="1708484" cy="370800"/>
           </a:xfrm>
           <a:prstGeom prst="rect">
@@ -14707,7 +14776,7 @@
         </p:nvCxnSpPr>
         <p:spPr>
           <a:xfrm flipV="1">
-            <a:off x="4501042" y="8989148"/>
+            <a:off x="6301267" y="10789373"/>
             <a:ext cx="0" cy="360000"/>
           </a:xfrm>
           <a:prstGeom prst="straightConnector1">
@@ -14746,7 +14815,7 @@
         </p:nvSpPr>
         <p:spPr>
           <a:xfrm>
-            <a:off x="8676808" y="8614686"/>
+            <a:off x="10477033" y="10414911"/>
             <a:ext cx="1708484" cy="370800"/>
           </a:xfrm>
           <a:prstGeom prst="rect">
@@ -14813,7 +14882,7 @@
         </p:nvCxnSpPr>
         <p:spPr>
           <a:xfrm flipV="1">
-            <a:off x="9531050" y="8994630"/>
+            <a:off x="11331275" y="10794855"/>
             <a:ext cx="0" cy="360000"/>
           </a:xfrm>
           <a:prstGeom prst="straightConnector1">
@@ -14852,7 +14921,7 @@
         </p:nvSpPr>
         <p:spPr>
           <a:xfrm>
-            <a:off x="3646800" y="7863006"/>
+            <a:off x="5447025" y="9663231"/>
             <a:ext cx="1708484" cy="370800"/>
           </a:xfrm>
           <a:prstGeom prst="rect">
@@ -14917,7 +14986,7 @@
         </p:nvCxnSpPr>
         <p:spPr>
           <a:xfrm flipV="1">
-            <a:off x="4501042" y="8249204"/>
+            <a:off x="6301267" y="10049429"/>
             <a:ext cx="0" cy="360000"/>
           </a:xfrm>
           <a:prstGeom prst="straightConnector1">
@@ -14956,7 +15025,7 @@
         </p:nvSpPr>
         <p:spPr>
           <a:xfrm>
-            <a:off x="8676808" y="7862373"/>
+            <a:off x="10477033" y="9662598"/>
             <a:ext cx="1708484" cy="370800"/>
           </a:xfrm>
           <a:prstGeom prst="rect">
@@ -15021,7 +15090,7 @@
         </p:nvCxnSpPr>
         <p:spPr>
           <a:xfrm flipV="1">
-            <a:off x="9531050" y="8248571"/>
+            <a:off x="11331275" y="10048796"/>
             <a:ext cx="0" cy="360000"/>
           </a:xfrm>
           <a:prstGeom prst="straightConnector1">
@@ -15062,7 +15131,7 @@
         </p:nvCxnSpPr>
         <p:spPr>
           <a:xfrm flipV="1">
-            <a:off x="4500000" y="7682400"/>
+            <a:off x="6300225" y="9482625"/>
             <a:ext cx="0" cy="182046"/>
           </a:xfrm>
           <a:prstGeom prst="line">
@@ -15100,7 +15169,7 @@
         </p:nvCxnSpPr>
         <p:spPr>
           <a:xfrm flipV="1">
-            <a:off x="9532800" y="7680960"/>
+            <a:off x="11333025" y="9481187"/>
             <a:ext cx="0" cy="181413"/>
           </a:xfrm>
           <a:prstGeom prst="line">
@@ -15136,7 +15205,7 @@
         </p:nvGrpSpPr>
         <p:grpSpPr>
           <a:xfrm>
-            <a:off x="6930106" y="7593386"/>
+            <a:off x="8730331" y="9393611"/>
             <a:ext cx="180000" cy="180000"/>
             <a:chOff x="2993721" y="5110619"/>
             <a:chExt cx="180000" cy="180000"/>
@@ -15289,7 +15358,7 @@
         </p:nvCxnSpPr>
         <p:spPr>
           <a:xfrm>
-            <a:off x="4501042" y="7680960"/>
+            <a:off x="6301267" y="9481185"/>
             <a:ext cx="2433600" cy="0"/>
           </a:xfrm>
           <a:prstGeom prst="straightConnector1">
@@ -15328,7 +15397,7 @@
         </p:nvCxnSpPr>
         <p:spPr>
           <a:xfrm flipH="1">
-            <a:off x="7110106" y="7680960"/>
+            <a:off x="8910331" y="9481185"/>
             <a:ext cx="2420944" cy="0"/>
           </a:xfrm>
           <a:prstGeom prst="straightConnector1">
@@ -15367,7 +15436,7 @@
         </p:nvSpPr>
         <p:spPr>
           <a:xfrm>
-            <a:off x="6165864" y="7026031"/>
+            <a:off x="7966089" y="8826256"/>
             <a:ext cx="1708484" cy="370800"/>
           </a:xfrm>
           <a:prstGeom prst="rect">
@@ -15434,7 +15503,7 @@
         </p:nvCxnSpPr>
         <p:spPr>
           <a:xfrm flipV="1">
-            <a:off x="7020106" y="7405372"/>
+            <a:off x="8820331" y="9205597"/>
             <a:ext cx="0" cy="188014"/>
           </a:xfrm>
           <a:prstGeom prst="straightConnector1">
@@ -15475,7 +15544,7 @@
         </p:nvCxnSpPr>
         <p:spPr>
           <a:xfrm flipV="1">
-            <a:off x="7020106" y="6846031"/>
+            <a:off x="8820331" y="8646256"/>
             <a:ext cx="0" cy="180000"/>
           </a:xfrm>
           <a:prstGeom prst="line">
@@ -15513,7 +15582,7 @@
         </p:nvCxnSpPr>
         <p:spPr>
           <a:xfrm flipH="1">
-            <a:off x="4501042" y="6846031"/>
+            <a:off x="6301267" y="8646256"/>
             <a:ext cx="2519064" cy="0"/>
           </a:xfrm>
           <a:prstGeom prst="line">
@@ -15551,7 +15620,7 @@
         </p:nvCxnSpPr>
         <p:spPr>
           <a:xfrm flipH="1">
-            <a:off x="7010475" y="6846031"/>
+            <a:off x="8810700" y="8646256"/>
             <a:ext cx="2519064" cy="0"/>
           </a:xfrm>
           <a:prstGeom prst="line">
@@ -15587,7 +15656,7 @@
         </p:nvCxnSpPr>
         <p:spPr>
           <a:xfrm flipV="1">
-            <a:off x="4500000" y="6667200"/>
+            <a:off x="6300225" y="8467427"/>
             <a:ext cx="0" cy="180055"/>
           </a:xfrm>
           <a:prstGeom prst="straightConnector1">
@@ -15626,7 +15695,7 @@
         </p:nvCxnSpPr>
         <p:spPr>
           <a:xfrm flipV="1">
-            <a:off x="9532800" y="6667200"/>
+            <a:off x="11333025" y="8467427"/>
             <a:ext cx="0" cy="180055"/>
           </a:xfrm>
           <a:prstGeom prst="straightConnector1">
@@ -15665,7 +15734,7 @@
         </p:nvSpPr>
         <p:spPr>
           <a:xfrm>
-            <a:off x="3645758" y="6066000"/>
+            <a:off x="5445983" y="7866225"/>
             <a:ext cx="1708484" cy="579600"/>
           </a:xfrm>
           <a:prstGeom prst="rect">
@@ -15730,7 +15799,7 @@
         </p:nvSpPr>
         <p:spPr>
           <a:xfrm>
-            <a:off x="8675297" y="6066000"/>
+            <a:off x="10475522" y="7866225"/>
             <a:ext cx="1708484" cy="579600"/>
           </a:xfrm>
           <a:prstGeom prst="rect">
@@ -15806,7 +15875,7 @@
         </p:nvSpPr>
         <p:spPr>
           <a:xfrm>
-            <a:off x="3645758" y="4248209"/>
+            <a:off x="5445983" y="6048434"/>
             <a:ext cx="1708484" cy="370800"/>
           </a:xfrm>
           <a:prstGeom prst="rect">
@@ -15876,7 +15945,7 @@
         </p:nvCxnSpPr>
         <p:spPr>
           <a:xfrm flipV="1">
-            <a:off x="4500000" y="5713200"/>
+            <a:off x="6300225" y="7513425"/>
             <a:ext cx="0" cy="360000"/>
           </a:xfrm>
           <a:prstGeom prst="straightConnector1">
@@ -15917,7 +15986,7 @@
         </p:nvCxnSpPr>
         <p:spPr>
           <a:xfrm flipV="1">
-            <a:off x="9532800" y="5169600"/>
+            <a:off x="11333025" y="6969825"/>
             <a:ext cx="0" cy="180000"/>
           </a:xfrm>
           <a:prstGeom prst="straightConnector1">
@@ -15956,7 +16025,7 @@
         </p:nvSpPr>
         <p:spPr>
           <a:xfrm>
-            <a:off x="8675297" y="4248209"/>
+            <a:off x="10475522" y="6048434"/>
             <a:ext cx="1708484" cy="370800"/>
           </a:xfrm>
           <a:prstGeom prst="rect">
@@ -16024,7 +16093,7 @@
         </p:nvSpPr>
         <p:spPr>
           <a:xfrm>
-            <a:off x="3645758" y="3294209"/>
+            <a:off x="5445983" y="5094434"/>
             <a:ext cx="1708484" cy="579600"/>
           </a:xfrm>
           <a:prstGeom prst="rect">
@@ -16090,7 +16159,7 @@
         </p:nvCxnSpPr>
         <p:spPr>
           <a:xfrm flipV="1">
-            <a:off x="4500000" y="3888209"/>
+            <a:off x="6300225" y="5688434"/>
             <a:ext cx="0" cy="360000"/>
           </a:xfrm>
           <a:prstGeom prst="straightConnector1">
@@ -16129,7 +16198,7 @@
         </p:nvSpPr>
         <p:spPr>
           <a:xfrm>
-            <a:off x="8675297" y="3294209"/>
+            <a:off x="10475522" y="5094434"/>
             <a:ext cx="1708484" cy="579600"/>
           </a:xfrm>
           <a:prstGeom prst="rect">
@@ -16195,7 +16264,7 @@
         </p:nvCxnSpPr>
         <p:spPr>
           <a:xfrm flipV="1">
-            <a:off x="9532800" y="3888209"/>
+            <a:off x="11333025" y="5688434"/>
             <a:ext cx="0" cy="360000"/>
           </a:xfrm>
           <a:prstGeom prst="straightConnector1">
@@ -16234,7 +16303,7 @@
         </p:nvSpPr>
         <p:spPr>
           <a:xfrm>
-            <a:off x="3645758" y="2556209"/>
+            <a:off x="5445983" y="4356434"/>
             <a:ext cx="1708484" cy="370800"/>
           </a:xfrm>
           <a:prstGeom prst="rect">
@@ -16301,7 +16370,7 @@
         </p:nvCxnSpPr>
         <p:spPr>
           <a:xfrm flipV="1">
-            <a:off x="4500000" y="2930609"/>
+            <a:off x="6300225" y="4730834"/>
             <a:ext cx="0" cy="360000"/>
           </a:xfrm>
           <a:prstGeom prst="straightConnector1">
@@ -16340,7 +16409,7 @@
         </p:nvSpPr>
         <p:spPr>
           <a:xfrm>
-            <a:off x="8676000" y="2556209"/>
+            <a:off x="10476225" y="4356434"/>
             <a:ext cx="1708484" cy="370800"/>
           </a:xfrm>
           <a:prstGeom prst="rect">
@@ -16407,7 +16476,7 @@
         </p:nvCxnSpPr>
         <p:spPr>
           <a:xfrm flipV="1">
-            <a:off x="9529539" y="2930609"/>
+            <a:off x="11329764" y="4730834"/>
             <a:ext cx="0" cy="360000"/>
           </a:xfrm>
           <a:prstGeom prst="straightConnector1">
@@ -16446,7 +16515,7 @@
         </p:nvSpPr>
         <p:spPr>
           <a:xfrm>
-            <a:off x="3640825" y="5347800"/>
+            <a:off x="5441050" y="7148025"/>
             <a:ext cx="1708484" cy="370800"/>
           </a:xfrm>
           <a:prstGeom prst="rect">
@@ -16512,7 +16581,7 @@
         </p:nvCxnSpPr>
         <p:spPr>
           <a:xfrm flipH="1" flipV="1">
-            <a:off x="4500000" y="5169600"/>
+            <a:off x="6300225" y="6969825"/>
             <a:ext cx="0" cy="178200"/>
           </a:xfrm>
           <a:prstGeom prst="straightConnector1">
@@ -16553,7 +16622,7 @@
         </p:nvCxnSpPr>
         <p:spPr>
           <a:xfrm flipV="1">
-            <a:off x="6100344" y="2001600"/>
+            <a:off x="7900569" y="3801825"/>
             <a:ext cx="0" cy="8314686"/>
           </a:xfrm>
           <a:prstGeom prst="line">
@@ -16598,7 +16667,7 @@
         </p:nvCxnSpPr>
         <p:spPr>
           <a:xfrm flipV="1">
-            <a:off x="7943613" y="2001600"/>
+            <a:off x="9743838" y="3801825"/>
             <a:ext cx="0" cy="8314686"/>
           </a:xfrm>
           <a:prstGeom prst="line">
@@ -16641,7 +16710,7 @@
         </p:nvSpPr>
         <p:spPr>
           <a:xfrm>
-            <a:off x="4656591" y="9906818"/>
+            <a:off x="6456818" y="11707045"/>
             <a:ext cx="1243225" cy="307777"/>
           </a:xfrm>
           <a:prstGeom prst="rect">
@@ -16676,7 +16745,7 @@
         </p:nvSpPr>
         <p:spPr>
           <a:xfrm>
-            <a:off x="8188394" y="9903071"/>
+            <a:off x="9988621" y="11703298"/>
             <a:ext cx="1243225" cy="307777"/>
           </a:xfrm>
           <a:prstGeom prst="rect">
@@ -16711,7 +16780,7 @@
         </p:nvCxnSpPr>
         <p:spPr>
           <a:xfrm flipH="1">
-            <a:off x="5349309" y="5533200"/>
+            <a:off x="7149536" y="7333425"/>
             <a:ext cx="751035" cy="0"/>
           </a:xfrm>
           <a:prstGeom prst="straightConnector1">
@@ -16755,7 +16824,7 @@
         </p:nvSpPr>
         <p:spPr>
           <a:xfrm>
-            <a:off x="5452363" y="5279671"/>
+            <a:off x="7252588" y="7079898"/>
             <a:ext cx="1214756" cy="307777"/>
           </a:xfrm>
           <a:prstGeom prst="rect">
@@ -16792,7 +16861,7 @@
         </p:nvCxnSpPr>
         <p:spPr>
           <a:xfrm flipV="1">
-            <a:off x="9534472" y="5711108"/>
+            <a:off x="11334697" y="7511333"/>
             <a:ext cx="0" cy="360000"/>
           </a:xfrm>
           <a:prstGeom prst="straightConnector1">
@@ -16831,7 +16900,7 @@
         </p:nvSpPr>
         <p:spPr>
           <a:xfrm>
-            <a:off x="8675297" y="5345708"/>
+            <a:off x="10475522" y="7145933"/>
             <a:ext cx="1708484" cy="370800"/>
           </a:xfrm>
           <a:prstGeom prst="rect">
@@ -16898,7 +16967,7 @@
         </p:nvCxnSpPr>
         <p:spPr>
           <a:xfrm>
-            <a:off x="7943612" y="5531108"/>
+            <a:off x="9743839" y="7331333"/>
             <a:ext cx="731685" cy="0"/>
           </a:xfrm>
           <a:prstGeom prst="straightConnector1">
@@ -16942,7 +17011,7 @@
         </p:nvSpPr>
         <p:spPr>
           <a:xfrm>
-            <a:off x="7999200" y="5273710"/>
+            <a:off x="9799425" y="7073937"/>
             <a:ext cx="1214756" cy="307777"/>
           </a:xfrm>
           <a:prstGeom prst="rect">
@@ -16980,7 +17049,7 @@
         </p:nvCxnSpPr>
         <p:spPr>
           <a:xfrm flipH="1">
-            <a:off x="5354242" y="3582860"/>
+            <a:off x="7154467" y="5383087"/>
             <a:ext cx="746102" cy="1149"/>
           </a:xfrm>
           <a:prstGeom prst="straightConnector1">
@@ -17027,7 +17096,7 @@
         </p:nvCxnSpPr>
         <p:spPr>
           <a:xfrm>
-            <a:off x="7943612" y="3582860"/>
+            <a:off x="9743839" y="5383087"/>
             <a:ext cx="731685" cy="1149"/>
           </a:xfrm>
           <a:prstGeom prst="straightConnector1">
@@ -17071,7 +17140,7 @@
         </p:nvSpPr>
         <p:spPr>
           <a:xfrm>
-            <a:off x="5416066" y="3346468"/>
+            <a:off x="7216293" y="5146693"/>
             <a:ext cx="760721" cy="523220"/>
           </a:xfrm>
           <a:prstGeom prst="rect">
@@ -17112,7 +17181,7 @@
         </p:nvSpPr>
         <p:spPr>
           <a:xfrm>
-            <a:off x="7914576" y="3343476"/>
+            <a:off x="9714803" y="5143701"/>
             <a:ext cx="760721" cy="523220"/>
           </a:xfrm>
           <a:prstGeom prst="rect">
@@ -17153,7 +17222,7 @@
         </p:nvSpPr>
         <p:spPr>
           <a:xfrm>
-            <a:off x="4405067" y="4987555"/>
+            <a:off x="6205292" y="6787780"/>
             <a:ext cx="180000" cy="180000"/>
           </a:xfrm>
           <a:prstGeom prst="ellipse">
@@ -17212,7 +17281,7 @@
         </p:nvSpPr>
         <p:spPr>
           <a:xfrm>
-            <a:off x="9439200" y="4981901"/>
+            <a:off x="11239425" y="6782126"/>
             <a:ext cx="180000" cy="180000"/>
           </a:xfrm>
           <a:prstGeom prst="ellipse">
@@ -17273,7 +17342,7 @@
         </p:nvCxnSpPr>
         <p:spPr>
           <a:xfrm flipH="1" flipV="1">
-            <a:off x="4495067" y="4626000"/>
+            <a:off x="6295292" y="6426225"/>
             <a:ext cx="0" cy="360000"/>
           </a:xfrm>
           <a:prstGeom prst="straightConnector1">
@@ -17314,7 +17383,7 @@
         </p:nvCxnSpPr>
         <p:spPr>
           <a:xfrm flipV="1">
-            <a:off x="9532800" y="4626000"/>
+            <a:off x="11333025" y="6426225"/>
             <a:ext cx="0" cy="360000"/>
           </a:xfrm>
           <a:prstGeom prst="straightConnector1">
@@ -17353,7 +17422,7 @@
         </p:nvCxnSpPr>
         <p:spPr>
           <a:xfrm flipH="1">
-            <a:off x="1806497" y="11163600"/>
+            <a:off x="3606722" y="12963825"/>
             <a:ext cx="1440000" cy="0"/>
           </a:xfrm>
           <a:prstGeom prst="line">
@@ -17389,7 +17458,7 @@
         </p:nvCxnSpPr>
         <p:spPr>
           <a:xfrm flipH="1">
-            <a:off x="10796964" y="11163600"/>
+            <a:off x="12597189" y="12963825"/>
             <a:ext cx="1440000" cy="0"/>
           </a:xfrm>
           <a:prstGeom prst="line">
@@ -17425,7 +17494,7 @@
         </p:nvCxnSpPr>
         <p:spPr>
           <a:xfrm flipV="1">
-            <a:off x="1800000" y="5077555"/>
+            <a:off x="3600225" y="6877782"/>
             <a:ext cx="0" cy="6085667"/>
           </a:xfrm>
           <a:prstGeom prst="line">
@@ -17461,7 +17530,7 @@
         </p:nvCxnSpPr>
         <p:spPr>
           <a:xfrm flipV="1">
-            <a:off x="12232800" y="5077555"/>
+            <a:off x="14033025" y="6877782"/>
             <a:ext cx="0" cy="6085667"/>
           </a:xfrm>
           <a:prstGeom prst="line">
@@ -17499,7 +17568,7 @@
         </p:nvCxnSpPr>
         <p:spPr>
           <a:xfrm>
-            <a:off x="1803600" y="5077555"/>
+            <a:off x="3603827" y="6877780"/>
             <a:ext cx="2602393" cy="0"/>
           </a:xfrm>
           <a:prstGeom prst="straightConnector1">
@@ -17541,7 +17610,7 @@
         </p:nvCxnSpPr>
         <p:spPr>
           <a:xfrm flipH="1" flipV="1">
-            <a:off x="9619200" y="5071901"/>
+            <a:off x="11419425" y="6872126"/>
             <a:ext cx="2616004" cy="5654"/>
           </a:xfrm>
           <a:prstGeom prst="straightConnector1">
@@ -17582,7 +17651,7 @@
         </p:nvCxnSpPr>
         <p:spPr>
           <a:xfrm flipV="1">
-            <a:off x="9529200" y="2175200"/>
+            <a:off x="11329425" y="3975425"/>
             <a:ext cx="0" cy="360000"/>
           </a:xfrm>
           <a:prstGeom prst="straightConnector1">
@@ -17621,7 +17690,7 @@
         </p:nvSpPr>
         <p:spPr>
           <a:xfrm>
-            <a:off x="8675297" y="1810895"/>
+            <a:off x="10475522" y="3611120"/>
             <a:ext cx="1708484" cy="370800"/>
           </a:xfrm>
           <a:prstGeom prst="rect">
@@ -17687,7 +17756,7 @@
         </p:nvCxnSpPr>
         <p:spPr>
           <a:xfrm flipV="1">
-            <a:off x="4500000" y="2175200"/>
+            <a:off x="6300225" y="3975425"/>
             <a:ext cx="0" cy="360000"/>
           </a:xfrm>
           <a:prstGeom prst="straightConnector1">
@@ -17726,7 +17795,7 @@
         </p:nvSpPr>
         <p:spPr>
           <a:xfrm>
-            <a:off x="3640825" y="1811600"/>
+            <a:off x="5441050" y="3611825"/>
             <a:ext cx="1708484" cy="370800"/>
           </a:xfrm>
           <a:prstGeom prst="rect">
@@ -17793,7 +17862,7 @@
         </p:nvCxnSpPr>
         <p:spPr>
           <a:xfrm flipH="1">
-            <a:off x="5349309" y="1993617"/>
+            <a:off x="7149536" y="3793842"/>
             <a:ext cx="751035" cy="0"/>
           </a:xfrm>
           <a:prstGeom prst="straightConnector1">
@@ -17837,7 +17906,7 @@
         </p:nvSpPr>
         <p:spPr>
           <a:xfrm>
-            <a:off x="5452363" y="1750400"/>
+            <a:off x="7252588" y="3550627"/>
             <a:ext cx="1214756" cy="307777"/>
           </a:xfrm>
           <a:prstGeom prst="rect">
@@ -17874,7 +17943,7 @@
         </p:nvCxnSpPr>
         <p:spPr>
           <a:xfrm>
-            <a:off x="7943612" y="1995455"/>
+            <a:off x="9743839" y="3795680"/>
             <a:ext cx="731685" cy="840"/>
           </a:xfrm>
           <a:prstGeom prst="straightConnector1">
@@ -17918,7 +17987,7 @@
         </p:nvSpPr>
         <p:spPr>
           <a:xfrm>
-            <a:off x="7999200" y="1750400"/>
+            <a:off x="9799425" y="3550627"/>
             <a:ext cx="1214756" cy="307777"/>
           </a:xfrm>
           <a:prstGeom prst="rect">
@@ -17955,7 +18024,7 @@
         </p:nvCxnSpPr>
         <p:spPr>
           <a:xfrm flipH="1" flipV="1">
-            <a:off x="4504933" y="1630800"/>
+            <a:off x="6305158" y="3431025"/>
             <a:ext cx="0" cy="178200"/>
           </a:xfrm>
           <a:prstGeom prst="straightConnector1">
@@ -17994,7 +18063,7 @@
         </p:nvSpPr>
         <p:spPr>
           <a:xfrm>
-            <a:off x="4410000" y="1448535"/>
+            <a:off x="6210225" y="3248760"/>
             <a:ext cx="180000" cy="180000"/>
           </a:xfrm>
           <a:prstGeom prst="ellipse">
@@ -18055,7 +18124,7 @@
         </p:nvCxnSpPr>
         <p:spPr>
           <a:xfrm flipH="1" flipV="1">
-            <a:off x="4500000" y="1086980"/>
+            <a:off x="6300225" y="2887205"/>
             <a:ext cx="0" cy="360000"/>
           </a:xfrm>
           <a:prstGeom prst="straightConnector1">
@@ -18096,7 +18165,7 @@
         </p:nvCxnSpPr>
         <p:spPr>
           <a:xfrm flipH="1" flipV="1">
-            <a:off x="9529200" y="1630800"/>
+            <a:off x="11329425" y="3431025"/>
             <a:ext cx="0" cy="178200"/>
           </a:xfrm>
           <a:prstGeom prst="straightConnector1">
@@ -18135,7 +18204,7 @@
         </p:nvSpPr>
         <p:spPr>
           <a:xfrm>
-            <a:off x="9439200" y="1447200"/>
+            <a:off x="11239425" y="3247425"/>
             <a:ext cx="180000" cy="180000"/>
           </a:xfrm>
           <a:prstGeom prst="ellipse">
@@ -18196,7 +18265,7 @@
         </p:nvCxnSpPr>
         <p:spPr>
           <a:xfrm flipH="1" flipV="1">
-            <a:off x="9529200" y="1087200"/>
+            <a:off x="11329425" y="2887425"/>
             <a:ext cx="0" cy="360000"/>
           </a:xfrm>
           <a:prstGeom prst="straightConnector1">
@@ -18235,7 +18304,7 @@
         </p:nvCxnSpPr>
         <p:spPr>
           <a:xfrm flipH="1">
-            <a:off x="1793174" y="4845600"/>
+            <a:off x="3593399" y="6645825"/>
             <a:ext cx="2706826" cy="0"/>
           </a:xfrm>
           <a:prstGeom prst="line">
@@ -18271,7 +18340,7 @@
         </p:nvCxnSpPr>
         <p:spPr>
           <a:xfrm flipV="1">
-            <a:off x="1800000" y="1544400"/>
+            <a:off x="3600225" y="3344625"/>
             <a:ext cx="0" cy="3301340"/>
           </a:xfrm>
           <a:prstGeom prst="line">
@@ -18309,7 +18378,7 @@
         </p:nvCxnSpPr>
         <p:spPr>
           <a:xfrm>
-            <a:off x="1802674" y="1536729"/>
+            <a:off x="3602901" y="3336954"/>
             <a:ext cx="2602393" cy="0"/>
           </a:xfrm>
           <a:prstGeom prst="straightConnector1">
@@ -18348,7 +18417,7 @@
         </p:nvCxnSpPr>
         <p:spPr>
           <a:xfrm flipH="1">
-            <a:off x="9529539" y="4845600"/>
+            <a:off x="11329764" y="6645825"/>
             <a:ext cx="2706826" cy="0"/>
           </a:xfrm>
           <a:prstGeom prst="line">
@@ -18384,7 +18453,7 @@
         </p:nvCxnSpPr>
         <p:spPr>
           <a:xfrm flipV="1">
-            <a:off x="12232800" y="1544400"/>
+            <a:off x="14033025" y="3344625"/>
             <a:ext cx="0" cy="3301340"/>
           </a:xfrm>
           <a:prstGeom prst="line">
@@ -18423,7 +18492,7 @@
         </p:nvCxnSpPr>
         <p:spPr>
           <a:xfrm flipH="1" flipV="1">
-            <a:off x="9619200" y="1537200"/>
+            <a:off x="11419425" y="3337425"/>
             <a:ext cx="2624260" cy="0"/>
           </a:xfrm>
           <a:prstGeom prst="straightConnector1">
@@ -18462,7 +18531,7 @@
         </p:nvSpPr>
         <p:spPr>
           <a:xfrm>
-            <a:off x="8849235" y="10137600"/>
+            <a:off x="10649462" y="11937827"/>
             <a:ext cx="337015" cy="461665"/>
           </a:xfrm>
           <a:prstGeom prst="rect">
@@ -18478,7 +18547,6 @@
           <a:p>
             <a:r>
               <a:rPr lang="de-DE" sz="2400" dirty="0">
-                <a:effectLst/>
                 <a:latin typeface="Apple Color Emoji" pitchFamily="2" charset="0"/>
               </a:rPr>
               <a:t>🔥</a:t>
@@ -18500,7 +18568,7 @@
         </p:nvSpPr>
         <p:spPr>
           <a:xfrm>
-            <a:off x="6347576" y="10137600"/>
+            <a:off x="8147803" y="11937827"/>
             <a:ext cx="337015" cy="461665"/>
           </a:xfrm>
           <a:prstGeom prst="rect">
@@ -18516,7 +18584,6 @@
           <a:p>
             <a:r>
               <a:rPr lang="de-DE" sz="2400" dirty="0">
-                <a:effectLst/>
                 <a:latin typeface="Apple Color Emoji" pitchFamily="2" charset="0"/>
               </a:rPr>
               <a:t>🔥</a:t>
@@ -18538,7 +18605,7 @@
         </p:nvSpPr>
         <p:spPr>
           <a:xfrm>
-            <a:off x="10159200" y="8383694"/>
+            <a:off x="11959427" y="10183921"/>
             <a:ext cx="337015" cy="461665"/>
           </a:xfrm>
           <a:prstGeom prst="rect">
@@ -18554,7 +18621,6 @@
           <a:p>
             <a:r>
               <a:rPr lang="de-DE" sz="2400" dirty="0">
-                <a:effectLst/>
                 <a:latin typeface="Apple Color Emoji" pitchFamily="2" charset="0"/>
               </a:rPr>
               <a:t>🔥</a:t>
@@ -18576,7 +18642,7 @@
         </p:nvSpPr>
         <p:spPr>
           <a:xfrm>
-            <a:off x="5079600" y="8383694"/>
+            <a:off x="6879827" y="10183921"/>
             <a:ext cx="337015" cy="461665"/>
           </a:xfrm>
           <a:prstGeom prst="rect">
@@ -18592,7 +18658,6 @@
           <a:p>
             <a:r>
               <a:rPr lang="de-DE" sz="2400" dirty="0">
-                <a:effectLst/>
                 <a:latin typeface="Apple Color Emoji" pitchFamily="2" charset="0"/>
               </a:rPr>
               <a:t>🔥</a:t>
@@ -18614,7 +18679,7 @@
         </p:nvSpPr>
         <p:spPr>
           <a:xfrm>
-            <a:off x="10159200" y="5839200"/>
+            <a:off x="11959427" y="7639427"/>
             <a:ext cx="337015" cy="461665"/>
           </a:xfrm>
           <a:prstGeom prst="rect">
@@ -18630,7 +18695,6 @@
           <a:p>
             <a:r>
               <a:rPr lang="de-DE" sz="2400" dirty="0">
-                <a:effectLst/>
                 <a:latin typeface="Apple Color Emoji" pitchFamily="2" charset="0"/>
               </a:rPr>
               <a:t>🔥</a:t>
@@ -18652,7 +18716,7 @@
         </p:nvSpPr>
         <p:spPr>
           <a:xfrm>
-            <a:off x="5079600" y="5839200"/>
+            <a:off x="6879827" y="7639427"/>
             <a:ext cx="337015" cy="461665"/>
           </a:xfrm>
           <a:prstGeom prst="rect">
@@ -18668,7 +18732,6 @@
           <a:p>
             <a:r>
               <a:rPr lang="de-DE" sz="2400" dirty="0">
-                <a:effectLst/>
                 <a:latin typeface="Apple Color Emoji" pitchFamily="2" charset="0"/>
               </a:rPr>
               <a:t>🔥</a:t>
@@ -18690,7 +18753,7 @@
         </p:nvSpPr>
         <p:spPr>
           <a:xfrm>
-            <a:off x="10158651" y="2349252"/>
+            <a:off x="11958878" y="4149479"/>
             <a:ext cx="337015" cy="461665"/>
           </a:xfrm>
           <a:prstGeom prst="rect">
@@ -18706,7 +18769,6 @@
           <a:p>
             <a:r>
               <a:rPr lang="de-DE" sz="2400" dirty="0">
-                <a:effectLst/>
                 <a:latin typeface="Apple Color Emoji" pitchFamily="2" charset="0"/>
               </a:rPr>
               <a:t>🔥</a:t>
@@ -18728,7 +18790,7 @@
         </p:nvSpPr>
         <p:spPr>
           <a:xfrm>
-            <a:off x="5079051" y="2349252"/>
+            <a:off x="6879278" y="4149479"/>
             <a:ext cx="337015" cy="461665"/>
           </a:xfrm>
           <a:prstGeom prst="rect">
@@ -18744,7 +18806,6 @@
           <a:p>
             <a:r>
               <a:rPr lang="de-DE" sz="2400" dirty="0">
-                <a:effectLst/>
                 <a:latin typeface="Apple Color Emoji" pitchFamily="2" charset="0"/>
               </a:rPr>
               <a:t>🔥</a:t>
@@ -18756,6 +18817,5465 @@
     <p:extLst>
       <p:ext uri="{BB962C8B-B14F-4D97-AF65-F5344CB8AC3E}">
         <p14:creationId xmlns:p14="http://schemas.microsoft.com/office/powerpoint/2010/main" val="2838641661"/>
+      </p:ext>
+    </p:extLst>
+  </p:cSld>
+  <p:clrMapOvr>
+    <a:masterClrMapping/>
+  </p:clrMapOvr>
+</p:sld>
+</file>
+
+<file path=ppt/slides/slide6.xml><?xml version="1.0" encoding="utf-8"?>
+<p:sld xmlns:a="http://schemas.openxmlformats.org/drawingml/2006/main" xmlns:r="http://schemas.openxmlformats.org/officeDocument/2006/relationships" xmlns:p="http://schemas.openxmlformats.org/presentationml/2006/main">
+  <p:cSld>
+    <p:spTree>
+      <p:nvGrpSpPr>
+        <p:cNvPr id="1" name=""/>
+        <p:cNvGrpSpPr/>
+        <p:nvPr/>
+      </p:nvGrpSpPr>
+      <p:grpSpPr>
+        <a:xfrm>
+          <a:off x="0" y="0"/>
+          <a:ext cx="0" cy="0"/>
+          <a:chOff x="0" y="0"/>
+          <a:chExt cx="0" cy="0"/>
+        </a:xfrm>
+      </p:grpSpPr>
+      <p:grpSp>
+        <p:nvGrpSpPr>
+          <p:cNvPr id="261" name="Gruppieren 260">
+            <a:extLst>
+              <a:ext uri="{FF2B5EF4-FFF2-40B4-BE49-F238E27FC236}">
+                <a16:creationId xmlns:a16="http://schemas.microsoft.com/office/drawing/2014/main" id="{497811B9-1984-DD26-C867-C37B29E6A5B4}"/>
+              </a:ext>
+            </a:extLst>
+          </p:cNvPr>
+          <p:cNvGrpSpPr/>
+          <p:nvPr/>
+        </p:nvGrpSpPr>
+        <p:grpSpPr>
+          <a:xfrm>
+            <a:off x="1976689" y="1958490"/>
+            <a:ext cx="15449159" cy="15269919"/>
+            <a:chOff x="1976689" y="1958490"/>
+            <a:chExt cx="15449159" cy="15269919"/>
+          </a:xfrm>
+        </p:grpSpPr>
+        <p:sp>
+          <p:nvSpPr>
+            <p:cNvPr id="10" name="Textfeld 9">
+              <a:extLst>
+                <a:ext uri="{FF2B5EF4-FFF2-40B4-BE49-F238E27FC236}">
+                  <a16:creationId xmlns:a16="http://schemas.microsoft.com/office/drawing/2014/main" id="{F02451A6-8F6F-AF9C-529D-C10BD8748D58}"/>
+                </a:ext>
+              </a:extLst>
+            </p:cNvPr>
+            <p:cNvSpPr txBox="1"/>
+            <p:nvPr/>
+          </p:nvSpPr>
+          <p:spPr>
+            <a:xfrm>
+              <a:off x="2029101" y="2853824"/>
+              <a:ext cx="1103186" cy="369332"/>
+            </a:xfrm>
+            <a:prstGeom prst="rect">
+              <a:avLst/>
+            </a:prstGeom>
+            <a:noFill/>
+          </p:spPr>
+          <p:txBody>
+            <a:bodyPr wrap="none" rtlCol="0">
+              <a:spAutoFit/>
+            </a:bodyPr>
+            <a:lstStyle/>
+            <a:p>
+              <a:pPr algn="r"/>
+              <a:r>
+                <a:rPr lang="en-GB" dirty="0"/>
+                <a:t>Timestep</a:t>
+              </a:r>
+            </a:p>
+          </p:txBody>
+        </p:sp>
+        <p:sp>
+          <p:nvSpPr>
+            <p:cNvPr id="11" name="Textfeld 10">
+              <a:extLst>
+                <a:ext uri="{FF2B5EF4-FFF2-40B4-BE49-F238E27FC236}">
+                  <a16:creationId xmlns:a16="http://schemas.microsoft.com/office/drawing/2014/main" id="{7EB7B4B8-3252-7163-28D3-DAAAD0C4D5A5}"/>
+                </a:ext>
+              </a:extLst>
+            </p:cNvPr>
+            <p:cNvSpPr txBox="1"/>
+            <p:nvPr/>
+          </p:nvSpPr>
+          <p:spPr>
+            <a:xfrm>
+              <a:off x="1976689" y="5323875"/>
+              <a:ext cx="1155600" cy="369332"/>
+            </a:xfrm>
+            <a:prstGeom prst="rect">
+              <a:avLst/>
+            </a:prstGeom>
+            <a:noFill/>
+          </p:spPr>
+          <p:txBody>
+            <a:bodyPr wrap="none" rtlCol="0">
+              <a:spAutoFit/>
+            </a:bodyPr>
+            <a:lstStyle/>
+            <a:p>
+              <a:pPr algn="r"/>
+              <a:r>
+                <a:rPr lang="en-GB" dirty="0"/>
+                <a:t>Guidance</a:t>
+              </a:r>
+            </a:p>
+          </p:txBody>
+        </p:sp>
+        <p:sp>
+          <p:nvSpPr>
+            <p:cNvPr id="12" name="Textfeld 11">
+              <a:extLst>
+                <a:ext uri="{FF2B5EF4-FFF2-40B4-BE49-F238E27FC236}">
+                  <a16:creationId xmlns:a16="http://schemas.microsoft.com/office/drawing/2014/main" id="{914B3BA4-8CBF-9543-026D-4914D7DEB142}"/>
+                </a:ext>
+              </a:extLst>
+            </p:cNvPr>
+            <p:cNvSpPr txBox="1"/>
+            <p:nvPr/>
+          </p:nvSpPr>
+          <p:spPr>
+            <a:xfrm>
+              <a:off x="2203944" y="8956286"/>
+              <a:ext cx="918841" cy="369332"/>
+            </a:xfrm>
+            <a:prstGeom prst="rect">
+              <a:avLst/>
+            </a:prstGeom>
+            <a:noFill/>
+          </p:spPr>
+          <p:txBody>
+            <a:bodyPr wrap="none" rtlCol="0">
+              <a:spAutoFit/>
+            </a:bodyPr>
+            <a:lstStyle/>
+            <a:p>
+              <a:pPr algn="r"/>
+              <a:r>
+                <a:rPr lang="en-GB" dirty="0"/>
+                <a:t>Prompt</a:t>
+              </a:r>
+            </a:p>
+          </p:txBody>
+        </p:sp>
+        <p:sp>
+          <p:nvSpPr>
+            <p:cNvPr id="13" name="Textfeld 12">
+              <a:extLst>
+                <a:ext uri="{FF2B5EF4-FFF2-40B4-BE49-F238E27FC236}">
+                  <a16:creationId xmlns:a16="http://schemas.microsoft.com/office/drawing/2014/main" id="{24A0A956-2AB2-0181-CFF5-808A5BC88061}"/>
+                </a:ext>
+              </a:extLst>
+            </p:cNvPr>
+            <p:cNvSpPr txBox="1"/>
+            <p:nvPr/>
+          </p:nvSpPr>
+          <p:spPr>
+            <a:xfrm>
+              <a:off x="2325835" y="15562684"/>
+              <a:ext cx="796948" cy="369332"/>
+            </a:xfrm>
+            <a:prstGeom prst="rect">
+              <a:avLst/>
+            </a:prstGeom>
+            <a:noFill/>
+          </p:spPr>
+          <p:txBody>
+            <a:bodyPr wrap="none" rtlCol="0">
+              <a:spAutoFit/>
+            </a:bodyPr>
+            <a:lstStyle/>
+            <a:p>
+              <a:pPr algn="r"/>
+              <a:r>
+                <a:rPr lang="en-GB" dirty="0"/>
+                <a:t>Image</a:t>
+              </a:r>
+            </a:p>
+          </p:txBody>
+        </p:sp>
+        <p:cxnSp>
+          <p:nvCxnSpPr>
+            <p:cNvPr id="15" name="Gerade Verbindung mit Pfeil 14">
+              <a:extLst>
+                <a:ext uri="{FF2B5EF4-FFF2-40B4-BE49-F238E27FC236}">
+                  <a16:creationId xmlns:a16="http://schemas.microsoft.com/office/drawing/2014/main" id="{F131C1B1-922B-AD56-3788-B6D702C8A3BB}"/>
+                </a:ext>
+              </a:extLst>
+            </p:cNvPr>
+            <p:cNvCxnSpPr>
+              <a:stCxn id="10" idx="3"/>
+            </p:cNvCxnSpPr>
+            <p:nvPr/>
+          </p:nvCxnSpPr>
+          <p:spPr>
+            <a:xfrm>
+              <a:off x="3132286" y="3038490"/>
+              <a:ext cx="360000" cy="0"/>
+            </a:xfrm>
+            <a:prstGeom prst="straightConnector1">
+              <a:avLst/>
+            </a:prstGeom>
+            <a:ln>
+              <a:solidFill>
+                <a:schemeClr val="bg2">
+                  <a:lumMod val="75000"/>
+                </a:schemeClr>
+              </a:solidFill>
+              <a:tailEnd type="triangle"/>
+            </a:ln>
+          </p:spPr>
+          <p:style>
+            <a:lnRef idx="2">
+              <a:schemeClr val="accent1"/>
+            </a:lnRef>
+            <a:fillRef idx="0">
+              <a:schemeClr val="accent1"/>
+            </a:fillRef>
+            <a:effectRef idx="1">
+              <a:schemeClr val="accent1"/>
+            </a:effectRef>
+            <a:fontRef idx="minor">
+              <a:schemeClr val="tx1"/>
+            </a:fontRef>
+          </p:style>
+        </p:cxnSp>
+        <p:sp>
+          <p:nvSpPr>
+            <p:cNvPr id="16" name="Rechteck 15">
+              <a:extLst>
+                <a:ext uri="{FF2B5EF4-FFF2-40B4-BE49-F238E27FC236}">
+                  <a16:creationId xmlns:a16="http://schemas.microsoft.com/office/drawing/2014/main" id="{C2D9ACA7-3AA9-A712-4A10-E99A40306E88}"/>
+                </a:ext>
+              </a:extLst>
+            </p:cNvPr>
+            <p:cNvSpPr/>
+            <p:nvPr/>
+          </p:nvSpPr>
+          <p:spPr>
+            <a:xfrm rot="16200000">
+              <a:off x="2597691" y="2853090"/>
+              <a:ext cx="2160000" cy="370800"/>
+            </a:xfrm>
+            <a:prstGeom prst="rect">
+              <a:avLst/>
+            </a:prstGeom>
+            <a:solidFill>
+              <a:schemeClr val="tx2">
+                <a:lumMod val="10000"/>
+                <a:lumOff val="90000"/>
+                <a:alpha val="65000"/>
+              </a:schemeClr>
+            </a:solidFill>
+            <a:ln>
+              <a:solidFill>
+                <a:schemeClr val="accent1"/>
+              </a:solidFill>
+            </a:ln>
+          </p:spPr>
+          <p:style>
+            <a:lnRef idx="2">
+              <a:schemeClr val="accent1">
+                <a:shade val="15000"/>
+              </a:schemeClr>
+            </a:lnRef>
+            <a:fillRef idx="1">
+              <a:schemeClr val="accent1"/>
+            </a:fillRef>
+            <a:effectRef idx="0">
+              <a:schemeClr val="accent1"/>
+            </a:effectRef>
+            <a:fontRef idx="minor">
+              <a:schemeClr val="lt1"/>
+            </a:fontRef>
+          </p:style>
+          <p:txBody>
+            <a:bodyPr rtlCol="0" anchor="ctr"/>
+            <a:lstStyle/>
+            <a:p>
+              <a:pPr algn="ctr"/>
+              <a:r>
+                <a:rPr lang="en-GB" dirty="0">
+                  <a:solidFill>
+                    <a:schemeClr val="tx1"/>
+                  </a:solidFill>
+                </a:rPr>
+                <a:t>MLP</a:t>
+              </a:r>
+            </a:p>
+          </p:txBody>
+        </p:sp>
+        <p:cxnSp>
+          <p:nvCxnSpPr>
+            <p:cNvPr id="17" name="Gerade Verbindung mit Pfeil 16">
+              <a:extLst>
+                <a:ext uri="{FF2B5EF4-FFF2-40B4-BE49-F238E27FC236}">
+                  <a16:creationId xmlns:a16="http://schemas.microsoft.com/office/drawing/2014/main" id="{05C36DDC-0A86-B827-E273-39B36AF25844}"/>
+                </a:ext>
+              </a:extLst>
+            </p:cNvPr>
+            <p:cNvCxnSpPr/>
+            <p:nvPr/>
+          </p:nvCxnSpPr>
+          <p:spPr>
+            <a:xfrm>
+              <a:off x="3132287" y="5524493"/>
+              <a:ext cx="360000" cy="0"/>
+            </a:xfrm>
+            <a:prstGeom prst="straightConnector1">
+              <a:avLst/>
+            </a:prstGeom>
+            <a:ln>
+              <a:solidFill>
+                <a:schemeClr val="bg2">
+                  <a:lumMod val="75000"/>
+                </a:schemeClr>
+              </a:solidFill>
+              <a:tailEnd type="triangle"/>
+            </a:ln>
+          </p:spPr>
+          <p:style>
+            <a:lnRef idx="2">
+              <a:schemeClr val="accent1"/>
+            </a:lnRef>
+            <a:fillRef idx="0">
+              <a:schemeClr val="accent1"/>
+            </a:fillRef>
+            <a:effectRef idx="1">
+              <a:schemeClr val="accent1"/>
+            </a:effectRef>
+            <a:fontRef idx="minor">
+              <a:schemeClr val="tx1"/>
+            </a:fontRef>
+          </p:style>
+        </p:cxnSp>
+        <p:sp>
+          <p:nvSpPr>
+            <p:cNvPr id="18" name="Rechteck 17">
+              <a:extLst>
+                <a:ext uri="{FF2B5EF4-FFF2-40B4-BE49-F238E27FC236}">
+                  <a16:creationId xmlns:a16="http://schemas.microsoft.com/office/drawing/2014/main" id="{4EBD3908-9958-21BA-A442-3B379F275A28}"/>
+                </a:ext>
+              </a:extLst>
+            </p:cNvPr>
+            <p:cNvSpPr/>
+            <p:nvPr/>
+          </p:nvSpPr>
+          <p:spPr>
+            <a:xfrm rot="16200000">
+              <a:off x="2585851" y="5327214"/>
+              <a:ext cx="2160000" cy="370800"/>
+            </a:xfrm>
+            <a:prstGeom prst="rect">
+              <a:avLst/>
+            </a:prstGeom>
+            <a:solidFill>
+              <a:schemeClr val="tx2">
+                <a:lumMod val="10000"/>
+                <a:lumOff val="90000"/>
+                <a:alpha val="65000"/>
+              </a:schemeClr>
+            </a:solidFill>
+            <a:ln>
+              <a:solidFill>
+                <a:schemeClr val="accent1"/>
+              </a:solidFill>
+            </a:ln>
+          </p:spPr>
+          <p:style>
+            <a:lnRef idx="2">
+              <a:schemeClr val="accent1">
+                <a:shade val="15000"/>
+              </a:schemeClr>
+            </a:lnRef>
+            <a:fillRef idx="1">
+              <a:schemeClr val="accent1"/>
+            </a:fillRef>
+            <a:effectRef idx="0">
+              <a:schemeClr val="accent1"/>
+            </a:effectRef>
+            <a:fontRef idx="minor">
+              <a:schemeClr val="lt1"/>
+            </a:fontRef>
+          </p:style>
+          <p:txBody>
+            <a:bodyPr rtlCol="0" anchor="ctr"/>
+            <a:lstStyle/>
+            <a:p>
+              <a:pPr algn="ctr"/>
+              <a:r>
+                <a:rPr lang="en-GB" dirty="0">
+                  <a:solidFill>
+                    <a:schemeClr val="tx1"/>
+                  </a:solidFill>
+                </a:rPr>
+                <a:t>MLP</a:t>
+              </a:r>
+            </a:p>
+          </p:txBody>
+        </p:sp>
+        <p:cxnSp>
+          <p:nvCxnSpPr>
+            <p:cNvPr id="20" name="Gerade Verbindung 19">
+              <a:extLst>
+                <a:ext uri="{FF2B5EF4-FFF2-40B4-BE49-F238E27FC236}">
+                  <a16:creationId xmlns:a16="http://schemas.microsoft.com/office/drawing/2014/main" id="{A292C5DE-07D1-8EC9-D002-219AA86CE301}"/>
+                </a:ext>
+              </a:extLst>
+            </p:cNvPr>
+            <p:cNvCxnSpPr>
+              <a:cxnSpLocks/>
+              <a:stCxn id="16" idx="2"/>
+            </p:cNvCxnSpPr>
+            <p:nvPr/>
+          </p:nvCxnSpPr>
+          <p:spPr>
+            <a:xfrm>
+              <a:off x="3863091" y="3038490"/>
+              <a:ext cx="360000" cy="0"/>
+            </a:xfrm>
+            <a:prstGeom prst="line">
+              <a:avLst/>
+            </a:prstGeom>
+            <a:ln>
+              <a:solidFill>
+                <a:schemeClr val="bg2">
+                  <a:lumMod val="75000"/>
+                </a:schemeClr>
+              </a:solidFill>
+            </a:ln>
+          </p:spPr>
+          <p:style>
+            <a:lnRef idx="2">
+              <a:schemeClr val="accent1"/>
+            </a:lnRef>
+            <a:fillRef idx="0">
+              <a:schemeClr val="accent1"/>
+            </a:fillRef>
+            <a:effectRef idx="1">
+              <a:schemeClr val="accent1"/>
+            </a:effectRef>
+            <a:fontRef idx="minor">
+              <a:schemeClr val="tx1"/>
+            </a:fontRef>
+          </p:style>
+        </p:cxnSp>
+        <p:cxnSp>
+          <p:nvCxnSpPr>
+            <p:cNvPr id="22" name="Gerade Verbindung 21">
+              <a:extLst>
+                <a:ext uri="{FF2B5EF4-FFF2-40B4-BE49-F238E27FC236}">
+                  <a16:creationId xmlns:a16="http://schemas.microsoft.com/office/drawing/2014/main" id="{81DF0D23-D6FE-5F59-7CAB-FC0EE7301A30}"/>
+                </a:ext>
+              </a:extLst>
+            </p:cNvPr>
+            <p:cNvCxnSpPr>
+              <a:cxnSpLocks/>
+              <a:stCxn id="18" idx="2"/>
+            </p:cNvCxnSpPr>
+            <p:nvPr/>
+          </p:nvCxnSpPr>
+          <p:spPr>
+            <a:xfrm>
+              <a:off x="3851251" y="5512616"/>
+              <a:ext cx="360000" cy="1079"/>
+            </a:xfrm>
+            <a:prstGeom prst="line">
+              <a:avLst/>
+            </a:prstGeom>
+            <a:ln>
+              <a:solidFill>
+                <a:schemeClr val="bg2">
+                  <a:lumMod val="75000"/>
+                </a:schemeClr>
+              </a:solidFill>
+            </a:ln>
+          </p:spPr>
+          <p:style>
+            <a:lnRef idx="2">
+              <a:schemeClr val="accent1"/>
+            </a:lnRef>
+            <a:fillRef idx="0">
+              <a:schemeClr val="accent1"/>
+            </a:fillRef>
+            <a:effectRef idx="1">
+              <a:schemeClr val="accent1"/>
+            </a:effectRef>
+            <a:fontRef idx="minor">
+              <a:schemeClr val="tx1"/>
+            </a:fontRef>
+          </p:style>
+        </p:cxnSp>
+        <p:sp>
+          <p:nvSpPr>
+            <p:cNvPr id="23" name="Oval 22">
+              <a:extLst>
+                <a:ext uri="{FF2B5EF4-FFF2-40B4-BE49-F238E27FC236}">
+                  <a16:creationId xmlns:a16="http://schemas.microsoft.com/office/drawing/2014/main" id="{6DD951F8-82B7-C3EA-F320-1BF506DE93D1}"/>
+                </a:ext>
+              </a:extLst>
+            </p:cNvPr>
+            <p:cNvSpPr/>
+            <p:nvPr/>
+          </p:nvSpPr>
+          <p:spPr>
+            <a:xfrm>
+              <a:off x="4133091" y="4212928"/>
+              <a:ext cx="180000" cy="180000"/>
+            </a:xfrm>
+            <a:prstGeom prst="ellipse">
+              <a:avLst/>
+            </a:prstGeom>
+            <a:noFill/>
+            <a:ln>
+              <a:solidFill>
+                <a:schemeClr val="bg2">
+                  <a:lumMod val="75000"/>
+                </a:schemeClr>
+              </a:solidFill>
+            </a:ln>
+          </p:spPr>
+          <p:style>
+            <a:lnRef idx="2">
+              <a:schemeClr val="accent1">
+                <a:shade val="15000"/>
+              </a:schemeClr>
+            </a:lnRef>
+            <a:fillRef idx="1">
+              <a:schemeClr val="accent1"/>
+            </a:fillRef>
+            <a:effectRef idx="0">
+              <a:schemeClr val="accent1"/>
+            </a:effectRef>
+            <a:fontRef idx="minor">
+              <a:schemeClr val="lt1"/>
+            </a:fontRef>
+          </p:style>
+          <p:txBody>
+            <a:bodyPr rtlCol="0" anchor="ctr"/>
+            <a:lstStyle/>
+            <a:p>
+              <a:pPr algn="ctr"/>
+              <a:r>
+                <a:rPr lang="en-GB" dirty="0">
+                  <a:solidFill>
+                    <a:schemeClr val="bg2">
+                      <a:lumMod val="75000"/>
+                    </a:schemeClr>
+                  </a:solidFill>
+                </a:rPr>
+                <a:t>+</a:t>
+              </a:r>
+            </a:p>
+          </p:txBody>
+        </p:sp>
+        <p:cxnSp>
+          <p:nvCxnSpPr>
+            <p:cNvPr id="25" name="Gerade Verbindung mit Pfeil 24">
+              <a:extLst>
+                <a:ext uri="{FF2B5EF4-FFF2-40B4-BE49-F238E27FC236}">
+                  <a16:creationId xmlns:a16="http://schemas.microsoft.com/office/drawing/2014/main" id="{D9AE93DA-2A87-82A4-9AE7-0680FE00BCB5}"/>
+                </a:ext>
+              </a:extLst>
+            </p:cNvPr>
+            <p:cNvCxnSpPr>
+              <a:cxnSpLocks/>
+              <a:endCxn id="23" idx="0"/>
+            </p:cNvCxnSpPr>
+            <p:nvPr/>
+          </p:nvCxnSpPr>
+          <p:spPr>
+            <a:xfrm>
+              <a:off x="4211251" y="3038490"/>
+              <a:ext cx="11840" cy="1174438"/>
+            </a:xfrm>
+            <a:prstGeom prst="straightConnector1">
+              <a:avLst/>
+            </a:prstGeom>
+            <a:ln>
+              <a:solidFill>
+                <a:schemeClr val="bg2">
+                  <a:lumMod val="75000"/>
+                </a:schemeClr>
+              </a:solidFill>
+              <a:tailEnd type="triangle"/>
+            </a:ln>
+          </p:spPr>
+          <p:style>
+            <a:lnRef idx="2">
+              <a:schemeClr val="accent1"/>
+            </a:lnRef>
+            <a:fillRef idx="0">
+              <a:schemeClr val="accent1"/>
+            </a:fillRef>
+            <a:effectRef idx="1">
+              <a:schemeClr val="accent1"/>
+            </a:effectRef>
+            <a:fontRef idx="minor">
+              <a:schemeClr val="tx1"/>
+            </a:fontRef>
+          </p:style>
+        </p:cxnSp>
+        <p:cxnSp>
+          <p:nvCxnSpPr>
+            <p:cNvPr id="27" name="Gerade Verbindung mit Pfeil 26">
+              <a:extLst>
+                <a:ext uri="{FF2B5EF4-FFF2-40B4-BE49-F238E27FC236}">
+                  <a16:creationId xmlns:a16="http://schemas.microsoft.com/office/drawing/2014/main" id="{775184F8-B7CC-BADF-26B5-B360A4530C9A}"/>
+                </a:ext>
+              </a:extLst>
+            </p:cNvPr>
+            <p:cNvCxnSpPr>
+              <a:cxnSpLocks/>
+              <a:endCxn id="23" idx="4"/>
+            </p:cNvCxnSpPr>
+            <p:nvPr/>
+          </p:nvCxnSpPr>
+          <p:spPr>
+            <a:xfrm flipV="1">
+              <a:off x="4211251" y="4392930"/>
+              <a:ext cx="11840" cy="1131565"/>
+            </a:xfrm>
+            <a:prstGeom prst="straightConnector1">
+              <a:avLst/>
+            </a:prstGeom>
+            <a:ln>
+              <a:solidFill>
+                <a:schemeClr val="bg2">
+                  <a:lumMod val="75000"/>
+                </a:schemeClr>
+              </a:solidFill>
+              <a:tailEnd type="triangle"/>
+            </a:ln>
+          </p:spPr>
+          <p:style>
+            <a:lnRef idx="2">
+              <a:schemeClr val="accent1"/>
+            </a:lnRef>
+            <a:fillRef idx="0">
+              <a:schemeClr val="accent1"/>
+            </a:fillRef>
+            <a:effectRef idx="1">
+              <a:schemeClr val="accent1"/>
+            </a:effectRef>
+            <a:fontRef idx="minor">
+              <a:schemeClr val="tx1"/>
+            </a:fontRef>
+          </p:style>
+        </p:cxnSp>
+        <p:cxnSp>
+          <p:nvCxnSpPr>
+            <p:cNvPr id="29" name="Gerade Verbindung mit Pfeil 28">
+              <a:extLst>
+                <a:ext uri="{FF2B5EF4-FFF2-40B4-BE49-F238E27FC236}">
+                  <a16:creationId xmlns:a16="http://schemas.microsoft.com/office/drawing/2014/main" id="{0D0DE7BB-514C-94D6-33FF-A70B1AB72288}"/>
+                </a:ext>
+              </a:extLst>
+            </p:cNvPr>
+            <p:cNvCxnSpPr>
+              <a:cxnSpLocks/>
+              <a:stCxn id="12" idx="3"/>
+              <a:endCxn id="32" idx="0"/>
+            </p:cNvCxnSpPr>
+            <p:nvPr/>
+          </p:nvCxnSpPr>
+          <p:spPr>
+            <a:xfrm flipV="1">
+              <a:off x="3122783" y="7920455"/>
+              <a:ext cx="349642" cy="1220499"/>
+            </a:xfrm>
+            <a:prstGeom prst="straightConnector1">
+              <a:avLst/>
+            </a:prstGeom>
+            <a:ln>
+              <a:solidFill>
+                <a:schemeClr val="bg2">
+                  <a:lumMod val="75000"/>
+                </a:schemeClr>
+              </a:solidFill>
+              <a:tailEnd type="triangle"/>
+            </a:ln>
+          </p:spPr>
+          <p:style>
+            <a:lnRef idx="2">
+              <a:schemeClr val="accent1"/>
+            </a:lnRef>
+            <a:fillRef idx="0">
+              <a:schemeClr val="accent1"/>
+            </a:fillRef>
+            <a:effectRef idx="1">
+              <a:schemeClr val="accent1"/>
+            </a:effectRef>
+            <a:fontRef idx="minor">
+              <a:schemeClr val="tx1"/>
+            </a:fontRef>
+          </p:style>
+        </p:cxnSp>
+        <p:cxnSp>
+          <p:nvCxnSpPr>
+            <p:cNvPr id="31" name="Gerade Verbindung mit Pfeil 30">
+              <a:extLst>
+                <a:ext uri="{FF2B5EF4-FFF2-40B4-BE49-F238E27FC236}">
+                  <a16:creationId xmlns:a16="http://schemas.microsoft.com/office/drawing/2014/main" id="{E10D83C0-7ADE-1C5B-AB80-E901BD55860A}"/>
+                </a:ext>
+              </a:extLst>
+            </p:cNvPr>
+            <p:cNvCxnSpPr>
+              <a:cxnSpLocks/>
+              <a:stCxn id="12" idx="3"/>
+            </p:cNvCxnSpPr>
+            <p:nvPr/>
+          </p:nvCxnSpPr>
+          <p:spPr>
+            <a:xfrm>
+              <a:off x="3122785" y="9140954"/>
+              <a:ext cx="338399" cy="1220499"/>
+            </a:xfrm>
+            <a:prstGeom prst="straightConnector1">
+              <a:avLst/>
+            </a:prstGeom>
+            <a:ln>
+              <a:tailEnd type="triangle"/>
+            </a:ln>
+          </p:spPr>
+          <p:style>
+            <a:lnRef idx="2">
+              <a:schemeClr val="accent1"/>
+            </a:lnRef>
+            <a:fillRef idx="0">
+              <a:schemeClr val="accent1"/>
+            </a:fillRef>
+            <a:effectRef idx="1">
+              <a:schemeClr val="accent1"/>
+            </a:effectRef>
+            <a:fontRef idx="minor">
+              <a:schemeClr val="tx1"/>
+            </a:fontRef>
+          </p:style>
+        </p:cxnSp>
+        <p:sp>
+          <p:nvSpPr>
+            <p:cNvPr id="32" name="Rechteck 31">
+              <a:extLst>
+                <a:ext uri="{FF2B5EF4-FFF2-40B4-BE49-F238E27FC236}">
+                  <a16:creationId xmlns:a16="http://schemas.microsoft.com/office/drawing/2014/main" id="{D84EF766-5229-7207-A330-50D433A88C7B}"/>
+                </a:ext>
+              </a:extLst>
+            </p:cNvPr>
+            <p:cNvSpPr/>
+            <p:nvPr/>
+          </p:nvSpPr>
+          <p:spPr>
+            <a:xfrm rot="16200000">
+              <a:off x="2577825" y="7735053"/>
+              <a:ext cx="2160000" cy="370800"/>
+            </a:xfrm>
+            <a:prstGeom prst="rect">
+              <a:avLst/>
+            </a:prstGeom>
+            <a:solidFill>
+              <a:schemeClr val="accent1">
+                <a:alpha val="40000"/>
+              </a:schemeClr>
+            </a:solidFill>
+            <a:ln>
+              <a:solidFill>
+                <a:schemeClr val="accent1"/>
+              </a:solidFill>
+            </a:ln>
+          </p:spPr>
+          <p:style>
+            <a:lnRef idx="2">
+              <a:schemeClr val="accent1">
+                <a:shade val="15000"/>
+              </a:schemeClr>
+            </a:lnRef>
+            <a:fillRef idx="1">
+              <a:schemeClr val="accent1"/>
+            </a:fillRef>
+            <a:effectRef idx="0">
+              <a:schemeClr val="accent1"/>
+            </a:effectRef>
+            <a:fontRef idx="minor">
+              <a:schemeClr val="lt1"/>
+            </a:fontRef>
+          </p:style>
+          <p:txBody>
+            <a:bodyPr rtlCol="0" anchor="ctr"/>
+            <a:lstStyle/>
+            <a:p>
+              <a:pPr algn="ctr"/>
+              <a:r>
+                <a:rPr lang="en-GB" dirty="0">
+                  <a:solidFill>
+                    <a:schemeClr val="tx1"/>
+                  </a:solidFill>
+                </a:rPr>
+                <a:t>Tokenizer</a:t>
+              </a:r>
+            </a:p>
+          </p:txBody>
+        </p:sp>
+        <p:sp>
+          <p:nvSpPr>
+            <p:cNvPr id="33" name="Rechteck 32">
+              <a:extLst>
+                <a:ext uri="{FF2B5EF4-FFF2-40B4-BE49-F238E27FC236}">
+                  <a16:creationId xmlns:a16="http://schemas.microsoft.com/office/drawing/2014/main" id="{B1EE9AA6-DA7E-B9A8-0D12-C3F856962E09}"/>
+                </a:ext>
+              </a:extLst>
+            </p:cNvPr>
+            <p:cNvSpPr/>
+            <p:nvPr/>
+          </p:nvSpPr>
+          <p:spPr>
+            <a:xfrm rot="16200000">
+              <a:off x="2577386" y="10141814"/>
+              <a:ext cx="2160000" cy="370800"/>
+            </a:xfrm>
+            <a:prstGeom prst="rect">
+              <a:avLst/>
+            </a:prstGeom>
+            <a:solidFill>
+              <a:schemeClr val="accent1">
+                <a:alpha val="40000"/>
+              </a:schemeClr>
+            </a:solidFill>
+            <a:ln>
+              <a:solidFill>
+                <a:schemeClr val="accent1"/>
+              </a:solidFill>
+            </a:ln>
+          </p:spPr>
+          <p:style>
+            <a:lnRef idx="2">
+              <a:schemeClr val="accent1">
+                <a:shade val="15000"/>
+              </a:schemeClr>
+            </a:lnRef>
+            <a:fillRef idx="1">
+              <a:schemeClr val="accent1"/>
+            </a:fillRef>
+            <a:effectRef idx="0">
+              <a:schemeClr val="accent1"/>
+            </a:effectRef>
+            <a:fontRef idx="minor">
+              <a:schemeClr val="lt1"/>
+            </a:fontRef>
+          </p:style>
+          <p:txBody>
+            <a:bodyPr rtlCol="0" anchor="ctr"/>
+            <a:lstStyle/>
+            <a:p>
+              <a:pPr algn="ctr"/>
+              <a:r>
+                <a:rPr lang="en-GB" dirty="0">
+                  <a:solidFill>
+                    <a:schemeClr val="tx1"/>
+                  </a:solidFill>
+                </a:rPr>
+                <a:t>Tokenizer</a:t>
+              </a:r>
+            </a:p>
+          </p:txBody>
+        </p:sp>
+        <p:cxnSp>
+          <p:nvCxnSpPr>
+            <p:cNvPr id="35" name="Gerade Verbindung mit Pfeil 34">
+              <a:extLst>
+                <a:ext uri="{FF2B5EF4-FFF2-40B4-BE49-F238E27FC236}">
+                  <a16:creationId xmlns:a16="http://schemas.microsoft.com/office/drawing/2014/main" id="{77ED3786-1C41-A0F3-530B-9D5A94586F34}"/>
+                </a:ext>
+              </a:extLst>
+            </p:cNvPr>
+            <p:cNvCxnSpPr>
+              <a:cxnSpLocks/>
+              <a:stCxn id="32" idx="2"/>
+              <a:endCxn id="38" idx="0"/>
+            </p:cNvCxnSpPr>
+            <p:nvPr/>
+          </p:nvCxnSpPr>
+          <p:spPr>
+            <a:xfrm>
+              <a:off x="3843225" y="7920453"/>
+              <a:ext cx="392400" cy="0"/>
+            </a:xfrm>
+            <a:prstGeom prst="straightConnector1">
+              <a:avLst/>
+            </a:prstGeom>
+            <a:ln>
+              <a:solidFill>
+                <a:schemeClr val="bg2">
+                  <a:lumMod val="75000"/>
+                </a:schemeClr>
+              </a:solidFill>
+              <a:tailEnd type="triangle"/>
+            </a:ln>
+          </p:spPr>
+          <p:style>
+            <a:lnRef idx="2">
+              <a:schemeClr val="accent1"/>
+            </a:lnRef>
+            <a:fillRef idx="0">
+              <a:schemeClr val="accent1"/>
+            </a:fillRef>
+            <a:effectRef idx="1">
+              <a:schemeClr val="accent1"/>
+            </a:effectRef>
+            <a:fontRef idx="minor">
+              <a:schemeClr val="tx1"/>
+            </a:fontRef>
+          </p:style>
+        </p:cxnSp>
+        <p:cxnSp>
+          <p:nvCxnSpPr>
+            <p:cNvPr id="37" name="Gerade Verbindung mit Pfeil 36">
+              <a:extLst>
+                <a:ext uri="{FF2B5EF4-FFF2-40B4-BE49-F238E27FC236}">
+                  <a16:creationId xmlns:a16="http://schemas.microsoft.com/office/drawing/2014/main" id="{2CA66687-2FBA-3722-F559-ED29C7A4745C}"/>
+                </a:ext>
+              </a:extLst>
+            </p:cNvPr>
+            <p:cNvCxnSpPr>
+              <a:cxnSpLocks/>
+              <a:stCxn id="33" idx="2"/>
+              <a:endCxn id="39" idx="0"/>
+            </p:cNvCxnSpPr>
+            <p:nvPr/>
+          </p:nvCxnSpPr>
+          <p:spPr>
+            <a:xfrm>
+              <a:off x="3842788" y="10327216"/>
+              <a:ext cx="392839" cy="1079"/>
+            </a:xfrm>
+            <a:prstGeom prst="straightConnector1">
+              <a:avLst/>
+            </a:prstGeom>
+            <a:ln>
+              <a:tailEnd type="triangle"/>
+            </a:ln>
+          </p:spPr>
+          <p:style>
+            <a:lnRef idx="2">
+              <a:schemeClr val="accent1"/>
+            </a:lnRef>
+            <a:fillRef idx="0">
+              <a:schemeClr val="accent1"/>
+            </a:fillRef>
+            <a:effectRef idx="1">
+              <a:schemeClr val="accent1"/>
+            </a:effectRef>
+            <a:fontRef idx="minor">
+              <a:schemeClr val="tx1"/>
+            </a:fontRef>
+          </p:style>
+        </p:cxnSp>
+        <p:sp>
+          <p:nvSpPr>
+            <p:cNvPr id="38" name="Rechteck 37">
+              <a:extLst>
+                <a:ext uri="{FF2B5EF4-FFF2-40B4-BE49-F238E27FC236}">
+                  <a16:creationId xmlns:a16="http://schemas.microsoft.com/office/drawing/2014/main" id="{84B6DCA4-8215-8397-8CEE-F7D002091A18}"/>
+                </a:ext>
+              </a:extLst>
+            </p:cNvPr>
+            <p:cNvSpPr/>
+            <p:nvPr/>
+          </p:nvSpPr>
+          <p:spPr>
+            <a:xfrm rot="16200000">
+              <a:off x="3341025" y="7735053"/>
+              <a:ext cx="2160000" cy="370800"/>
+            </a:xfrm>
+            <a:prstGeom prst="rect">
+              <a:avLst/>
+            </a:prstGeom>
+            <a:solidFill>
+              <a:schemeClr val="accent1">
+                <a:alpha val="40000"/>
+              </a:schemeClr>
+            </a:solidFill>
+            <a:ln>
+              <a:solidFill>
+                <a:schemeClr val="accent1"/>
+              </a:solidFill>
+            </a:ln>
+          </p:spPr>
+          <p:style>
+            <a:lnRef idx="2">
+              <a:schemeClr val="accent1">
+                <a:shade val="15000"/>
+              </a:schemeClr>
+            </a:lnRef>
+            <a:fillRef idx="1">
+              <a:schemeClr val="accent1"/>
+            </a:fillRef>
+            <a:effectRef idx="0">
+              <a:schemeClr val="accent1"/>
+            </a:effectRef>
+            <a:fontRef idx="minor">
+              <a:schemeClr val="lt1"/>
+            </a:fontRef>
+          </p:style>
+          <p:txBody>
+            <a:bodyPr rtlCol="0" anchor="ctr"/>
+            <a:lstStyle/>
+            <a:p>
+              <a:pPr algn="ctr"/>
+              <a:r>
+                <a:rPr lang="en-GB" dirty="0">
+                  <a:solidFill>
+                    <a:schemeClr val="tx1"/>
+                  </a:solidFill>
+                </a:rPr>
+                <a:t>CLIP</a:t>
+              </a:r>
+            </a:p>
+          </p:txBody>
+        </p:sp>
+        <p:sp>
+          <p:nvSpPr>
+            <p:cNvPr id="39" name="Rechteck 38">
+              <a:extLst>
+                <a:ext uri="{FF2B5EF4-FFF2-40B4-BE49-F238E27FC236}">
+                  <a16:creationId xmlns:a16="http://schemas.microsoft.com/office/drawing/2014/main" id="{9F34D025-79DC-F414-03B4-2425ECF6FF94}"/>
+                </a:ext>
+              </a:extLst>
+            </p:cNvPr>
+            <p:cNvSpPr/>
+            <p:nvPr/>
+          </p:nvSpPr>
+          <p:spPr>
+            <a:xfrm rot="16200000">
+              <a:off x="3341025" y="10142893"/>
+              <a:ext cx="2160000" cy="370800"/>
+            </a:xfrm>
+            <a:prstGeom prst="rect">
+              <a:avLst/>
+            </a:prstGeom>
+            <a:solidFill>
+              <a:schemeClr val="accent1">
+                <a:alpha val="40000"/>
+              </a:schemeClr>
+            </a:solidFill>
+            <a:ln>
+              <a:solidFill>
+                <a:schemeClr val="accent1"/>
+              </a:solidFill>
+            </a:ln>
+          </p:spPr>
+          <p:style>
+            <a:lnRef idx="2">
+              <a:schemeClr val="accent1">
+                <a:shade val="15000"/>
+              </a:schemeClr>
+            </a:lnRef>
+            <a:fillRef idx="1">
+              <a:schemeClr val="accent1"/>
+            </a:fillRef>
+            <a:effectRef idx="0">
+              <a:schemeClr val="accent1"/>
+            </a:effectRef>
+            <a:fontRef idx="minor">
+              <a:schemeClr val="lt1"/>
+            </a:fontRef>
+          </p:style>
+          <p:txBody>
+            <a:bodyPr rtlCol="0" anchor="ctr"/>
+            <a:lstStyle/>
+            <a:p>
+              <a:pPr algn="ctr"/>
+              <a:r>
+                <a:rPr lang="en-GB" dirty="0">
+                  <a:solidFill>
+                    <a:schemeClr val="tx1"/>
+                  </a:solidFill>
+                </a:rPr>
+                <a:t>T5-XXL</a:t>
+              </a:r>
+            </a:p>
+          </p:txBody>
+        </p:sp>
+        <p:cxnSp>
+          <p:nvCxnSpPr>
+            <p:cNvPr id="41" name="Gerade Verbindung mit Pfeil 40">
+              <a:extLst>
+                <a:ext uri="{FF2B5EF4-FFF2-40B4-BE49-F238E27FC236}">
+                  <a16:creationId xmlns:a16="http://schemas.microsoft.com/office/drawing/2014/main" id="{8E9696BA-DAF8-1C61-84DB-A2ED742DC8D7}"/>
+                </a:ext>
+              </a:extLst>
+            </p:cNvPr>
+            <p:cNvCxnSpPr>
+              <a:cxnSpLocks/>
+              <a:stCxn id="38" idx="2"/>
+              <a:endCxn id="42" idx="0"/>
+            </p:cNvCxnSpPr>
+            <p:nvPr/>
+          </p:nvCxnSpPr>
+          <p:spPr>
+            <a:xfrm>
+              <a:off x="4606425" y="7920453"/>
+              <a:ext cx="337958" cy="0"/>
+            </a:xfrm>
+            <a:prstGeom prst="straightConnector1">
+              <a:avLst/>
+            </a:prstGeom>
+            <a:ln>
+              <a:solidFill>
+                <a:schemeClr val="bg2">
+                  <a:lumMod val="75000"/>
+                </a:schemeClr>
+              </a:solidFill>
+              <a:tailEnd type="triangle"/>
+            </a:ln>
+          </p:spPr>
+          <p:style>
+            <a:lnRef idx="2">
+              <a:schemeClr val="accent1"/>
+            </a:lnRef>
+            <a:fillRef idx="0">
+              <a:schemeClr val="accent1"/>
+            </a:fillRef>
+            <a:effectRef idx="1">
+              <a:schemeClr val="accent1"/>
+            </a:effectRef>
+            <a:fontRef idx="minor">
+              <a:schemeClr val="tx1"/>
+            </a:fontRef>
+          </p:style>
+        </p:cxnSp>
+        <p:sp>
+          <p:nvSpPr>
+            <p:cNvPr id="42" name="Rechteck 41">
+              <a:extLst>
+                <a:ext uri="{FF2B5EF4-FFF2-40B4-BE49-F238E27FC236}">
+                  <a16:creationId xmlns:a16="http://schemas.microsoft.com/office/drawing/2014/main" id="{34477883-0243-C46C-81AE-465C1C44239A}"/>
+                </a:ext>
+              </a:extLst>
+            </p:cNvPr>
+            <p:cNvSpPr/>
+            <p:nvPr/>
+          </p:nvSpPr>
+          <p:spPr>
+            <a:xfrm rot="16200000">
+              <a:off x="4049783" y="7735053"/>
+              <a:ext cx="2160000" cy="370800"/>
+            </a:xfrm>
+            <a:prstGeom prst="rect">
+              <a:avLst/>
+            </a:prstGeom>
+            <a:solidFill>
+              <a:schemeClr val="tx2">
+                <a:lumMod val="10000"/>
+                <a:lumOff val="90000"/>
+                <a:alpha val="65000"/>
+              </a:schemeClr>
+            </a:solidFill>
+            <a:ln>
+              <a:solidFill>
+                <a:schemeClr val="accent1"/>
+              </a:solidFill>
+            </a:ln>
+          </p:spPr>
+          <p:style>
+            <a:lnRef idx="2">
+              <a:schemeClr val="accent1">
+                <a:shade val="15000"/>
+              </a:schemeClr>
+            </a:lnRef>
+            <a:fillRef idx="1">
+              <a:schemeClr val="accent1"/>
+            </a:fillRef>
+            <a:effectRef idx="0">
+              <a:schemeClr val="accent1"/>
+            </a:effectRef>
+            <a:fontRef idx="minor">
+              <a:schemeClr val="lt1"/>
+            </a:fontRef>
+          </p:style>
+          <p:txBody>
+            <a:bodyPr rtlCol="0" anchor="ctr"/>
+            <a:lstStyle/>
+            <a:p>
+              <a:pPr algn="ctr"/>
+              <a:r>
+                <a:rPr lang="en-GB" dirty="0">
+                  <a:solidFill>
+                    <a:schemeClr val="tx1"/>
+                  </a:solidFill>
+                </a:rPr>
+                <a:t>MLP</a:t>
+              </a:r>
+            </a:p>
+          </p:txBody>
+        </p:sp>
+        <p:cxnSp>
+          <p:nvCxnSpPr>
+            <p:cNvPr id="44" name="Gerade Verbindung 43">
+              <a:extLst>
+                <a:ext uri="{FF2B5EF4-FFF2-40B4-BE49-F238E27FC236}">
+                  <a16:creationId xmlns:a16="http://schemas.microsoft.com/office/drawing/2014/main" id="{34304C1B-6470-637C-10EA-C12EA227C554}"/>
+                </a:ext>
+              </a:extLst>
+            </p:cNvPr>
+            <p:cNvCxnSpPr>
+              <a:cxnSpLocks/>
+              <a:stCxn id="42" idx="2"/>
+            </p:cNvCxnSpPr>
+            <p:nvPr/>
+          </p:nvCxnSpPr>
+          <p:spPr>
+            <a:xfrm>
+              <a:off x="5315183" y="7920453"/>
+              <a:ext cx="356634" cy="0"/>
+            </a:xfrm>
+            <a:prstGeom prst="line">
+              <a:avLst/>
+            </a:prstGeom>
+            <a:ln>
+              <a:solidFill>
+                <a:schemeClr val="bg2">
+                  <a:lumMod val="75000"/>
+                </a:schemeClr>
+              </a:solidFill>
+            </a:ln>
+          </p:spPr>
+          <p:style>
+            <a:lnRef idx="2">
+              <a:schemeClr val="accent1"/>
+            </a:lnRef>
+            <a:fillRef idx="0">
+              <a:schemeClr val="accent1"/>
+            </a:fillRef>
+            <a:effectRef idx="1">
+              <a:schemeClr val="accent1"/>
+            </a:effectRef>
+            <a:fontRef idx="minor">
+              <a:schemeClr val="tx1"/>
+            </a:fontRef>
+          </p:style>
+        </p:cxnSp>
+        <p:cxnSp>
+          <p:nvCxnSpPr>
+            <p:cNvPr id="46" name="Gerade Verbindung 45">
+              <a:extLst>
+                <a:ext uri="{FF2B5EF4-FFF2-40B4-BE49-F238E27FC236}">
+                  <a16:creationId xmlns:a16="http://schemas.microsoft.com/office/drawing/2014/main" id="{600F538F-3137-90B5-7FD1-5F6AE58409FC}"/>
+                </a:ext>
+              </a:extLst>
+            </p:cNvPr>
+            <p:cNvCxnSpPr>
+              <a:cxnSpLocks/>
+              <a:stCxn id="23" idx="6"/>
+            </p:cNvCxnSpPr>
+            <p:nvPr/>
+          </p:nvCxnSpPr>
+          <p:spPr>
+            <a:xfrm>
+              <a:off x="4313091" y="4302928"/>
+              <a:ext cx="1349934" cy="0"/>
+            </a:xfrm>
+            <a:prstGeom prst="line">
+              <a:avLst/>
+            </a:prstGeom>
+            <a:ln>
+              <a:solidFill>
+                <a:schemeClr val="bg2">
+                  <a:lumMod val="75000"/>
+                </a:schemeClr>
+              </a:solidFill>
+            </a:ln>
+          </p:spPr>
+          <p:style>
+            <a:lnRef idx="2">
+              <a:schemeClr val="accent1"/>
+            </a:lnRef>
+            <a:fillRef idx="0">
+              <a:schemeClr val="accent1"/>
+            </a:fillRef>
+            <a:effectRef idx="1">
+              <a:schemeClr val="accent1"/>
+            </a:effectRef>
+            <a:fontRef idx="minor">
+              <a:schemeClr val="tx1"/>
+            </a:fontRef>
+          </p:style>
+        </p:cxnSp>
+        <p:sp>
+          <p:nvSpPr>
+            <p:cNvPr id="48" name="Oval 47">
+              <a:extLst>
+                <a:ext uri="{FF2B5EF4-FFF2-40B4-BE49-F238E27FC236}">
+                  <a16:creationId xmlns:a16="http://schemas.microsoft.com/office/drawing/2014/main" id="{166C0840-3F90-1963-D52F-5FAB883180CC}"/>
+                </a:ext>
+              </a:extLst>
+            </p:cNvPr>
+            <p:cNvSpPr/>
+            <p:nvPr/>
+          </p:nvSpPr>
+          <p:spPr>
+            <a:xfrm>
+              <a:off x="5573025" y="5400225"/>
+              <a:ext cx="180000" cy="180000"/>
+            </a:xfrm>
+            <a:prstGeom prst="ellipse">
+              <a:avLst/>
+            </a:prstGeom>
+            <a:noFill/>
+            <a:ln>
+              <a:solidFill>
+                <a:schemeClr val="bg2">
+                  <a:lumMod val="75000"/>
+                </a:schemeClr>
+              </a:solidFill>
+            </a:ln>
+          </p:spPr>
+          <p:style>
+            <a:lnRef idx="2">
+              <a:schemeClr val="accent1">
+                <a:shade val="15000"/>
+              </a:schemeClr>
+            </a:lnRef>
+            <a:fillRef idx="1">
+              <a:schemeClr val="accent1"/>
+            </a:fillRef>
+            <a:effectRef idx="0">
+              <a:schemeClr val="accent1"/>
+            </a:effectRef>
+            <a:fontRef idx="minor">
+              <a:schemeClr val="lt1"/>
+            </a:fontRef>
+          </p:style>
+          <p:txBody>
+            <a:bodyPr rtlCol="0" anchor="ctr"/>
+            <a:lstStyle/>
+            <a:p>
+              <a:pPr algn="ctr"/>
+              <a:r>
+                <a:rPr lang="en-GB" dirty="0">
+                  <a:solidFill>
+                    <a:schemeClr val="bg2">
+                      <a:lumMod val="75000"/>
+                    </a:schemeClr>
+                  </a:solidFill>
+                </a:rPr>
+                <a:t>+</a:t>
+              </a:r>
+            </a:p>
+          </p:txBody>
+        </p:sp>
+        <p:cxnSp>
+          <p:nvCxnSpPr>
+            <p:cNvPr id="50" name="Gerade Verbindung mit Pfeil 49">
+              <a:extLst>
+                <a:ext uri="{FF2B5EF4-FFF2-40B4-BE49-F238E27FC236}">
+                  <a16:creationId xmlns:a16="http://schemas.microsoft.com/office/drawing/2014/main" id="{DDC6AC3D-106F-966C-7409-9EC3D957F4ED}"/>
+                </a:ext>
+              </a:extLst>
+            </p:cNvPr>
+            <p:cNvCxnSpPr>
+              <a:cxnSpLocks/>
+            </p:cNvCxnSpPr>
+            <p:nvPr/>
+          </p:nvCxnSpPr>
+          <p:spPr>
+            <a:xfrm flipV="1">
+              <a:off x="5670225" y="5580225"/>
+              <a:ext cx="0" cy="2340228"/>
+            </a:xfrm>
+            <a:prstGeom prst="straightConnector1">
+              <a:avLst/>
+            </a:prstGeom>
+            <a:ln>
+              <a:solidFill>
+                <a:schemeClr val="bg2">
+                  <a:lumMod val="75000"/>
+                </a:schemeClr>
+              </a:solidFill>
+              <a:tailEnd type="triangle"/>
+            </a:ln>
+          </p:spPr>
+          <p:style>
+            <a:lnRef idx="2">
+              <a:schemeClr val="accent1"/>
+            </a:lnRef>
+            <a:fillRef idx="0">
+              <a:schemeClr val="accent1"/>
+            </a:fillRef>
+            <a:effectRef idx="1">
+              <a:schemeClr val="accent1"/>
+            </a:effectRef>
+            <a:fontRef idx="minor">
+              <a:schemeClr val="tx1"/>
+            </a:fontRef>
+          </p:style>
+        </p:cxnSp>
+        <p:cxnSp>
+          <p:nvCxnSpPr>
+            <p:cNvPr id="52" name="Gerade Verbindung mit Pfeil 51">
+              <a:extLst>
+                <a:ext uri="{FF2B5EF4-FFF2-40B4-BE49-F238E27FC236}">
+                  <a16:creationId xmlns:a16="http://schemas.microsoft.com/office/drawing/2014/main" id="{9012852A-2BED-E5E0-DCD7-4C9AE236F3C2}"/>
+                </a:ext>
+              </a:extLst>
+            </p:cNvPr>
+            <p:cNvCxnSpPr>
+              <a:cxnSpLocks/>
+            </p:cNvCxnSpPr>
+            <p:nvPr/>
+          </p:nvCxnSpPr>
+          <p:spPr>
+            <a:xfrm>
+              <a:off x="5670225" y="4302930"/>
+              <a:ext cx="0" cy="1097297"/>
+            </a:xfrm>
+            <a:prstGeom prst="straightConnector1">
+              <a:avLst/>
+            </a:prstGeom>
+            <a:ln>
+              <a:solidFill>
+                <a:schemeClr val="bg2">
+                  <a:lumMod val="75000"/>
+                </a:schemeClr>
+              </a:solidFill>
+              <a:tailEnd type="triangle"/>
+            </a:ln>
+          </p:spPr>
+          <p:style>
+            <a:lnRef idx="2">
+              <a:schemeClr val="accent1"/>
+            </a:lnRef>
+            <a:fillRef idx="0">
+              <a:schemeClr val="accent1"/>
+            </a:fillRef>
+            <a:effectRef idx="1">
+              <a:schemeClr val="accent1"/>
+            </a:effectRef>
+            <a:fontRef idx="minor">
+              <a:schemeClr val="tx1"/>
+            </a:fontRef>
+          </p:style>
+        </p:cxnSp>
+        <p:cxnSp>
+          <p:nvCxnSpPr>
+            <p:cNvPr id="56" name="Gerade Verbindung mit Pfeil 55">
+              <a:extLst>
+                <a:ext uri="{FF2B5EF4-FFF2-40B4-BE49-F238E27FC236}">
+                  <a16:creationId xmlns:a16="http://schemas.microsoft.com/office/drawing/2014/main" id="{E495F5E2-6961-495B-9929-E299A77764F3}"/>
+                </a:ext>
+              </a:extLst>
+            </p:cNvPr>
+            <p:cNvCxnSpPr>
+              <a:cxnSpLocks/>
+              <a:stCxn id="39" idx="2"/>
+              <a:endCxn id="57" idx="0"/>
+            </p:cNvCxnSpPr>
+            <p:nvPr/>
+          </p:nvCxnSpPr>
+          <p:spPr>
+            <a:xfrm>
+              <a:off x="4606425" y="10328293"/>
+              <a:ext cx="338400" cy="0"/>
+            </a:xfrm>
+            <a:prstGeom prst="straightConnector1">
+              <a:avLst/>
+            </a:prstGeom>
+            <a:ln>
+              <a:tailEnd type="triangle"/>
+            </a:ln>
+          </p:spPr>
+          <p:style>
+            <a:lnRef idx="2">
+              <a:schemeClr val="accent1"/>
+            </a:lnRef>
+            <a:fillRef idx="0">
+              <a:schemeClr val="accent1"/>
+            </a:fillRef>
+            <a:effectRef idx="1">
+              <a:schemeClr val="accent1"/>
+            </a:effectRef>
+            <a:fontRef idx="minor">
+              <a:schemeClr val="tx1"/>
+            </a:fontRef>
+          </p:style>
+        </p:cxnSp>
+        <p:sp>
+          <p:nvSpPr>
+            <p:cNvPr id="57" name="Rechteck 56">
+              <a:extLst>
+                <a:ext uri="{FF2B5EF4-FFF2-40B4-BE49-F238E27FC236}">
+                  <a16:creationId xmlns:a16="http://schemas.microsoft.com/office/drawing/2014/main" id="{3313D8E2-75D4-F19A-A447-9491D1C93276}"/>
+                </a:ext>
+              </a:extLst>
+            </p:cNvPr>
+            <p:cNvSpPr/>
+            <p:nvPr/>
+          </p:nvSpPr>
+          <p:spPr>
+            <a:xfrm rot="16200000">
+              <a:off x="4050225" y="10142893"/>
+              <a:ext cx="2160000" cy="370800"/>
+            </a:xfrm>
+            <a:prstGeom prst="rect">
+              <a:avLst/>
+            </a:prstGeom>
+            <a:solidFill>
+              <a:schemeClr val="tx2">
+                <a:lumMod val="10000"/>
+                <a:lumOff val="90000"/>
+                <a:alpha val="65000"/>
+              </a:schemeClr>
+            </a:solidFill>
+            <a:ln>
+              <a:solidFill>
+                <a:schemeClr val="accent1"/>
+              </a:solidFill>
+            </a:ln>
+          </p:spPr>
+          <p:style>
+            <a:lnRef idx="2">
+              <a:schemeClr val="accent1">
+                <a:shade val="15000"/>
+              </a:schemeClr>
+            </a:lnRef>
+            <a:fillRef idx="1">
+              <a:schemeClr val="accent1"/>
+            </a:fillRef>
+            <a:effectRef idx="0">
+              <a:schemeClr val="accent1"/>
+            </a:effectRef>
+            <a:fontRef idx="minor">
+              <a:schemeClr val="lt1"/>
+            </a:fontRef>
+          </p:style>
+          <p:txBody>
+            <a:bodyPr rtlCol="0" anchor="ctr"/>
+            <a:lstStyle/>
+            <a:p>
+              <a:pPr algn="ctr"/>
+              <a:r>
+                <a:rPr lang="en-GB" dirty="0">
+                  <a:solidFill>
+                    <a:schemeClr val="tx1"/>
+                  </a:solidFill>
+                </a:rPr>
+                <a:t>Linear Projection</a:t>
+              </a:r>
+            </a:p>
+          </p:txBody>
+        </p:sp>
+        <p:sp>
+          <p:nvSpPr>
+            <p:cNvPr id="72" name="Rechteck 71">
+              <a:extLst>
+                <a:ext uri="{FF2B5EF4-FFF2-40B4-BE49-F238E27FC236}">
+                  <a16:creationId xmlns:a16="http://schemas.microsoft.com/office/drawing/2014/main" id="{4AC90C7B-F948-47A4-A0AC-56A327F46A55}"/>
+                </a:ext>
+              </a:extLst>
+            </p:cNvPr>
+            <p:cNvSpPr/>
+            <p:nvPr/>
+          </p:nvSpPr>
+          <p:spPr>
+            <a:xfrm rot="16200000">
+              <a:off x="2577825" y="15561950"/>
+              <a:ext cx="2160000" cy="370800"/>
+            </a:xfrm>
+            <a:prstGeom prst="rect">
+              <a:avLst/>
+            </a:prstGeom>
+            <a:solidFill>
+              <a:schemeClr val="accent1">
+                <a:alpha val="40000"/>
+              </a:schemeClr>
+            </a:solidFill>
+            <a:ln>
+              <a:solidFill>
+                <a:schemeClr val="accent1"/>
+              </a:solidFill>
+            </a:ln>
+          </p:spPr>
+          <p:style>
+            <a:lnRef idx="2">
+              <a:schemeClr val="accent1">
+                <a:shade val="15000"/>
+              </a:schemeClr>
+            </a:lnRef>
+            <a:fillRef idx="1">
+              <a:schemeClr val="accent1"/>
+            </a:fillRef>
+            <a:effectRef idx="0">
+              <a:schemeClr val="accent1"/>
+            </a:effectRef>
+            <a:fontRef idx="minor">
+              <a:schemeClr val="lt1"/>
+            </a:fontRef>
+          </p:style>
+          <p:txBody>
+            <a:bodyPr rtlCol="0" anchor="ctr"/>
+            <a:lstStyle/>
+            <a:p>
+              <a:pPr algn="ctr"/>
+              <a:r>
+                <a:rPr lang="en-GB" dirty="0">
+                  <a:solidFill>
+                    <a:schemeClr val="tx1"/>
+                  </a:solidFill>
+                </a:rPr>
+                <a:t>VAE</a:t>
+              </a:r>
+            </a:p>
+          </p:txBody>
+        </p:sp>
+        <p:cxnSp>
+          <p:nvCxnSpPr>
+            <p:cNvPr id="74" name="Gerade Verbindung mit Pfeil 73">
+              <a:extLst>
+                <a:ext uri="{FF2B5EF4-FFF2-40B4-BE49-F238E27FC236}">
+                  <a16:creationId xmlns:a16="http://schemas.microsoft.com/office/drawing/2014/main" id="{A8E9FC96-4054-0C32-5BE6-BE4322F7945B}"/>
+                </a:ext>
+              </a:extLst>
+            </p:cNvPr>
+            <p:cNvCxnSpPr>
+              <a:cxnSpLocks/>
+            </p:cNvCxnSpPr>
+            <p:nvPr/>
+          </p:nvCxnSpPr>
+          <p:spPr>
+            <a:xfrm>
+              <a:off x="3132286" y="15747350"/>
+              <a:ext cx="360000" cy="0"/>
+            </a:xfrm>
+            <a:prstGeom prst="straightConnector1">
+              <a:avLst/>
+            </a:prstGeom>
+            <a:ln>
+              <a:tailEnd type="triangle"/>
+            </a:ln>
+          </p:spPr>
+          <p:style>
+            <a:lnRef idx="2">
+              <a:schemeClr val="accent1"/>
+            </a:lnRef>
+            <a:fillRef idx="0">
+              <a:schemeClr val="accent1"/>
+            </a:fillRef>
+            <a:effectRef idx="1">
+              <a:schemeClr val="accent1"/>
+            </a:effectRef>
+            <a:fontRef idx="minor">
+              <a:schemeClr val="tx1"/>
+            </a:fontRef>
+          </p:style>
+        </p:cxnSp>
+        <p:cxnSp>
+          <p:nvCxnSpPr>
+            <p:cNvPr id="80" name="Gerade Verbindung mit Pfeil 79">
+              <a:extLst>
+                <a:ext uri="{FF2B5EF4-FFF2-40B4-BE49-F238E27FC236}">
+                  <a16:creationId xmlns:a16="http://schemas.microsoft.com/office/drawing/2014/main" id="{D319B980-0E96-8361-BE40-C5E296019A10}"/>
+                </a:ext>
+              </a:extLst>
+            </p:cNvPr>
+            <p:cNvCxnSpPr>
+              <a:cxnSpLocks/>
+            </p:cNvCxnSpPr>
+            <p:nvPr/>
+          </p:nvCxnSpPr>
+          <p:spPr>
+            <a:xfrm>
+              <a:off x="3843225" y="15746400"/>
+              <a:ext cx="392400" cy="0"/>
+            </a:xfrm>
+            <a:prstGeom prst="straightConnector1">
+              <a:avLst/>
+            </a:prstGeom>
+            <a:ln>
+              <a:tailEnd type="triangle"/>
+            </a:ln>
+          </p:spPr>
+          <p:style>
+            <a:lnRef idx="2">
+              <a:schemeClr val="accent1"/>
+            </a:lnRef>
+            <a:fillRef idx="0">
+              <a:schemeClr val="accent1"/>
+            </a:fillRef>
+            <a:effectRef idx="1">
+              <a:schemeClr val="accent1"/>
+            </a:effectRef>
+            <a:fontRef idx="minor">
+              <a:schemeClr val="tx1"/>
+            </a:fontRef>
+          </p:style>
+        </p:cxnSp>
+        <p:sp>
+          <p:nvSpPr>
+            <p:cNvPr id="81" name="Rechteck 80">
+              <a:extLst>
+                <a:ext uri="{FF2B5EF4-FFF2-40B4-BE49-F238E27FC236}">
+                  <a16:creationId xmlns:a16="http://schemas.microsoft.com/office/drawing/2014/main" id="{775FC12C-05D4-304E-5DBA-5B238BFACB4E}"/>
+                </a:ext>
+              </a:extLst>
+            </p:cNvPr>
+            <p:cNvSpPr/>
+            <p:nvPr/>
+          </p:nvSpPr>
+          <p:spPr>
+            <a:xfrm rot="16200000">
+              <a:off x="4087315" y="15561950"/>
+              <a:ext cx="2160000" cy="370800"/>
+            </a:xfrm>
+            <a:prstGeom prst="rect">
+              <a:avLst/>
+            </a:prstGeom>
+            <a:solidFill>
+              <a:schemeClr val="tx2">
+                <a:lumMod val="10000"/>
+                <a:lumOff val="90000"/>
+                <a:alpha val="65000"/>
+              </a:schemeClr>
+            </a:solidFill>
+            <a:ln>
+              <a:solidFill>
+                <a:schemeClr val="accent1"/>
+              </a:solidFill>
+            </a:ln>
+          </p:spPr>
+          <p:style>
+            <a:lnRef idx="2">
+              <a:schemeClr val="accent1">
+                <a:shade val="15000"/>
+              </a:schemeClr>
+            </a:lnRef>
+            <a:fillRef idx="1">
+              <a:schemeClr val="accent1"/>
+            </a:fillRef>
+            <a:effectRef idx="0">
+              <a:schemeClr val="accent1"/>
+            </a:effectRef>
+            <a:fontRef idx="minor">
+              <a:schemeClr val="lt1"/>
+            </a:fontRef>
+          </p:style>
+          <p:txBody>
+            <a:bodyPr rtlCol="0" anchor="ctr"/>
+            <a:lstStyle/>
+            <a:p>
+              <a:pPr algn="ctr"/>
+              <a:r>
+                <a:rPr lang="en-GB" dirty="0">
+                  <a:solidFill>
+                    <a:schemeClr val="tx1"/>
+                  </a:solidFill>
+                </a:rPr>
+                <a:t>Linear Projection</a:t>
+              </a:r>
+            </a:p>
+          </p:txBody>
+        </p:sp>
+        <p:cxnSp>
+          <p:nvCxnSpPr>
+            <p:cNvPr id="83" name="Gerade Verbindung mit Pfeil 82">
+              <a:extLst>
+                <a:ext uri="{FF2B5EF4-FFF2-40B4-BE49-F238E27FC236}">
+                  <a16:creationId xmlns:a16="http://schemas.microsoft.com/office/drawing/2014/main" id="{5C849DB7-DB21-5D5A-10A0-FEA61A4179FA}"/>
+                </a:ext>
+              </a:extLst>
+            </p:cNvPr>
+            <p:cNvCxnSpPr>
+              <a:cxnSpLocks/>
+              <a:endCxn id="84" idx="0"/>
+            </p:cNvCxnSpPr>
+            <p:nvPr/>
+          </p:nvCxnSpPr>
+          <p:spPr>
+            <a:xfrm>
+              <a:off x="3657386" y="12245009"/>
+              <a:ext cx="1300151" cy="0"/>
+            </a:xfrm>
+            <a:prstGeom prst="straightConnector1">
+              <a:avLst/>
+            </a:prstGeom>
+            <a:ln>
+              <a:solidFill>
+                <a:schemeClr val="bg2">
+                  <a:lumMod val="75000"/>
+                </a:schemeClr>
+              </a:solidFill>
+              <a:tailEnd type="triangle"/>
+            </a:ln>
+          </p:spPr>
+          <p:style>
+            <a:lnRef idx="2">
+              <a:schemeClr val="accent1"/>
+            </a:lnRef>
+            <a:fillRef idx="0">
+              <a:schemeClr val="accent1"/>
+            </a:fillRef>
+            <a:effectRef idx="1">
+              <a:schemeClr val="accent1"/>
+            </a:effectRef>
+            <a:fontRef idx="minor">
+              <a:schemeClr val="tx1"/>
+            </a:fontRef>
+          </p:style>
+        </p:cxnSp>
+        <p:sp>
+          <p:nvSpPr>
+            <p:cNvPr id="84" name="Rechteck 83">
+              <a:extLst>
+                <a:ext uri="{FF2B5EF4-FFF2-40B4-BE49-F238E27FC236}">
+                  <a16:creationId xmlns:a16="http://schemas.microsoft.com/office/drawing/2014/main" id="{497001E6-0D70-4BB7-38B4-6F40AA5BF5DD}"/>
+                </a:ext>
+              </a:extLst>
+            </p:cNvPr>
+            <p:cNvSpPr/>
+            <p:nvPr/>
+          </p:nvSpPr>
+          <p:spPr>
+            <a:xfrm rot="16200000">
+              <a:off x="4602937" y="12059609"/>
+              <a:ext cx="1080000" cy="370800"/>
+            </a:xfrm>
+            <a:prstGeom prst="rect">
+              <a:avLst/>
+            </a:prstGeom>
+            <a:solidFill>
+              <a:schemeClr val="bg2">
+                <a:lumMod val="90000"/>
+                <a:alpha val="80000"/>
+              </a:schemeClr>
+            </a:solidFill>
+            <a:ln>
+              <a:solidFill>
+                <a:schemeClr val="bg2">
+                  <a:lumMod val="90000"/>
+                </a:schemeClr>
+              </a:solidFill>
+            </a:ln>
+          </p:spPr>
+          <p:style>
+            <a:lnRef idx="2">
+              <a:schemeClr val="accent1">
+                <a:shade val="15000"/>
+              </a:schemeClr>
+            </a:lnRef>
+            <a:fillRef idx="1">
+              <a:schemeClr val="accent1"/>
+            </a:fillRef>
+            <a:effectRef idx="0">
+              <a:schemeClr val="accent1"/>
+            </a:effectRef>
+            <a:fontRef idx="minor">
+              <a:schemeClr val="lt1"/>
+            </a:fontRef>
+          </p:style>
+          <p:txBody>
+            <a:bodyPr rtlCol="0" anchor="ctr"/>
+            <a:lstStyle/>
+            <a:p>
+              <a:pPr algn="ctr"/>
+              <a:r>
+                <a:rPr lang="en-GB" dirty="0" err="1">
+                  <a:solidFill>
+                    <a:schemeClr val="tx1"/>
+                  </a:solidFill>
+                </a:rPr>
+                <a:t>Txt_ids</a:t>
+              </a:r>
+              <a:endParaRPr lang="en-GB" dirty="0">
+                <a:solidFill>
+                  <a:schemeClr val="tx1"/>
+                </a:solidFill>
+              </a:endParaRPr>
+            </a:p>
+          </p:txBody>
+        </p:sp>
+        <p:sp>
+          <p:nvSpPr>
+            <p:cNvPr id="85" name="Rechteck 84">
+              <a:extLst>
+                <a:ext uri="{FF2B5EF4-FFF2-40B4-BE49-F238E27FC236}">
+                  <a16:creationId xmlns:a16="http://schemas.microsoft.com/office/drawing/2014/main" id="{6120C13E-8459-8A2F-2B64-19BA04BDD7EF}"/>
+                </a:ext>
+              </a:extLst>
+            </p:cNvPr>
+            <p:cNvSpPr/>
+            <p:nvPr/>
+          </p:nvSpPr>
+          <p:spPr>
+            <a:xfrm rot="16200000">
+              <a:off x="4604502" y="13650422"/>
+              <a:ext cx="1080000" cy="370800"/>
+            </a:xfrm>
+            <a:prstGeom prst="rect">
+              <a:avLst/>
+            </a:prstGeom>
+            <a:solidFill>
+              <a:schemeClr val="bg2">
+                <a:lumMod val="90000"/>
+                <a:alpha val="80000"/>
+              </a:schemeClr>
+            </a:solidFill>
+            <a:ln>
+              <a:solidFill>
+                <a:schemeClr val="bg2">
+                  <a:lumMod val="90000"/>
+                </a:schemeClr>
+              </a:solidFill>
+            </a:ln>
+          </p:spPr>
+          <p:style>
+            <a:lnRef idx="2">
+              <a:schemeClr val="accent1">
+                <a:shade val="15000"/>
+              </a:schemeClr>
+            </a:lnRef>
+            <a:fillRef idx="1">
+              <a:schemeClr val="accent1"/>
+            </a:fillRef>
+            <a:effectRef idx="0">
+              <a:schemeClr val="accent1"/>
+            </a:effectRef>
+            <a:fontRef idx="minor">
+              <a:schemeClr val="lt1"/>
+            </a:fontRef>
+          </p:style>
+          <p:txBody>
+            <a:bodyPr rtlCol="0" anchor="ctr"/>
+            <a:lstStyle/>
+            <a:p>
+              <a:pPr algn="ctr"/>
+              <a:r>
+                <a:rPr lang="en-GB" dirty="0" err="1">
+                  <a:solidFill>
+                    <a:schemeClr val="tx1"/>
+                  </a:solidFill>
+                </a:rPr>
+                <a:t>Img_ids</a:t>
+              </a:r>
+              <a:endParaRPr lang="en-GB" dirty="0">
+                <a:solidFill>
+                  <a:schemeClr val="tx1"/>
+                </a:solidFill>
+              </a:endParaRPr>
+            </a:p>
+          </p:txBody>
+        </p:sp>
+        <p:cxnSp>
+          <p:nvCxnSpPr>
+            <p:cNvPr id="87" name="Gerade Verbindung mit Pfeil 86">
+              <a:extLst>
+                <a:ext uri="{FF2B5EF4-FFF2-40B4-BE49-F238E27FC236}">
+                  <a16:creationId xmlns:a16="http://schemas.microsoft.com/office/drawing/2014/main" id="{EF5B435F-E278-BD06-5E6D-F99C60A5582C}"/>
+                </a:ext>
+              </a:extLst>
+            </p:cNvPr>
+            <p:cNvCxnSpPr>
+              <a:cxnSpLocks/>
+              <a:endCxn id="85" idx="0"/>
+            </p:cNvCxnSpPr>
+            <p:nvPr/>
+          </p:nvCxnSpPr>
+          <p:spPr>
+            <a:xfrm>
+              <a:off x="4421024" y="13835822"/>
+              <a:ext cx="538078" cy="0"/>
+            </a:xfrm>
+            <a:prstGeom prst="straightConnector1">
+              <a:avLst/>
+            </a:prstGeom>
+            <a:ln>
+              <a:solidFill>
+                <a:schemeClr val="bg2">
+                  <a:lumMod val="75000"/>
+                </a:schemeClr>
+              </a:solidFill>
+              <a:tailEnd type="triangle"/>
+            </a:ln>
+          </p:spPr>
+          <p:style>
+            <a:lnRef idx="2">
+              <a:schemeClr val="accent1"/>
+            </a:lnRef>
+            <a:fillRef idx="0">
+              <a:schemeClr val="accent1"/>
+            </a:fillRef>
+            <a:effectRef idx="1">
+              <a:schemeClr val="accent1"/>
+            </a:effectRef>
+            <a:fontRef idx="minor">
+              <a:schemeClr val="tx1"/>
+            </a:fontRef>
+          </p:style>
+        </p:cxnSp>
+        <p:cxnSp>
+          <p:nvCxnSpPr>
+            <p:cNvPr id="96" name="Gerade Verbindung 95">
+              <a:extLst>
+                <a:ext uri="{FF2B5EF4-FFF2-40B4-BE49-F238E27FC236}">
+                  <a16:creationId xmlns:a16="http://schemas.microsoft.com/office/drawing/2014/main" id="{61B331AB-FF56-D570-E3AB-F9AB52E5E78F}"/>
+                </a:ext>
+              </a:extLst>
+            </p:cNvPr>
+            <p:cNvCxnSpPr>
+              <a:stCxn id="84" idx="2"/>
+            </p:cNvCxnSpPr>
+            <p:nvPr/>
+          </p:nvCxnSpPr>
+          <p:spPr>
+            <a:xfrm>
+              <a:off x="5328337" y="12245009"/>
+              <a:ext cx="360000" cy="0"/>
+            </a:xfrm>
+            <a:prstGeom prst="line">
+              <a:avLst/>
+            </a:prstGeom>
+            <a:ln>
+              <a:solidFill>
+                <a:schemeClr val="bg2">
+                  <a:lumMod val="75000"/>
+                </a:schemeClr>
+              </a:solidFill>
+            </a:ln>
+          </p:spPr>
+          <p:style>
+            <a:lnRef idx="2">
+              <a:schemeClr val="accent1"/>
+            </a:lnRef>
+            <a:fillRef idx="0">
+              <a:schemeClr val="accent1"/>
+            </a:fillRef>
+            <a:effectRef idx="1">
+              <a:schemeClr val="accent1"/>
+            </a:effectRef>
+            <a:fontRef idx="minor">
+              <a:schemeClr val="tx1"/>
+            </a:fontRef>
+          </p:style>
+        </p:cxnSp>
+        <p:cxnSp>
+          <p:nvCxnSpPr>
+            <p:cNvPr id="98" name="Gerade Verbindung 97">
+              <a:extLst>
+                <a:ext uri="{FF2B5EF4-FFF2-40B4-BE49-F238E27FC236}">
+                  <a16:creationId xmlns:a16="http://schemas.microsoft.com/office/drawing/2014/main" id="{E857AB16-04D5-8F81-95A1-457789746BE6}"/>
+                </a:ext>
+              </a:extLst>
+            </p:cNvPr>
+            <p:cNvCxnSpPr>
+              <a:stCxn id="85" idx="2"/>
+            </p:cNvCxnSpPr>
+            <p:nvPr/>
+          </p:nvCxnSpPr>
+          <p:spPr>
+            <a:xfrm>
+              <a:off x="5329902" y="13835822"/>
+              <a:ext cx="360000" cy="0"/>
+            </a:xfrm>
+            <a:prstGeom prst="line">
+              <a:avLst/>
+            </a:prstGeom>
+            <a:ln>
+              <a:solidFill>
+                <a:schemeClr val="bg2">
+                  <a:lumMod val="75000"/>
+                </a:schemeClr>
+              </a:solidFill>
+            </a:ln>
+          </p:spPr>
+          <p:style>
+            <a:lnRef idx="2">
+              <a:schemeClr val="accent1"/>
+            </a:lnRef>
+            <a:fillRef idx="0">
+              <a:schemeClr val="accent1"/>
+            </a:fillRef>
+            <a:effectRef idx="1">
+              <a:schemeClr val="accent1"/>
+            </a:effectRef>
+            <a:fontRef idx="minor">
+              <a:schemeClr val="tx1"/>
+            </a:fontRef>
+          </p:style>
+        </p:cxnSp>
+        <p:sp>
+          <p:nvSpPr>
+            <p:cNvPr id="99" name="Oval 98">
+              <a:extLst>
+                <a:ext uri="{FF2B5EF4-FFF2-40B4-BE49-F238E27FC236}">
+                  <a16:creationId xmlns:a16="http://schemas.microsoft.com/office/drawing/2014/main" id="{B15A0613-0EB5-C482-1035-632017B1DAEC}"/>
+                </a:ext>
+              </a:extLst>
+            </p:cNvPr>
+            <p:cNvSpPr/>
+            <p:nvPr/>
+          </p:nvSpPr>
+          <p:spPr>
+            <a:xfrm>
+              <a:off x="5605592" y="12947967"/>
+              <a:ext cx="180000" cy="180000"/>
+            </a:xfrm>
+            <a:prstGeom prst="ellipse">
+              <a:avLst/>
+            </a:prstGeom>
+            <a:noFill/>
+            <a:ln>
+              <a:solidFill>
+                <a:schemeClr val="bg2">
+                  <a:lumMod val="75000"/>
+                </a:schemeClr>
+              </a:solidFill>
+            </a:ln>
+          </p:spPr>
+          <p:style>
+            <a:lnRef idx="2">
+              <a:schemeClr val="accent1">
+                <a:shade val="15000"/>
+              </a:schemeClr>
+            </a:lnRef>
+            <a:fillRef idx="1">
+              <a:schemeClr val="accent1"/>
+            </a:fillRef>
+            <a:effectRef idx="0">
+              <a:schemeClr val="accent1"/>
+            </a:effectRef>
+            <a:fontRef idx="minor">
+              <a:schemeClr val="lt1"/>
+            </a:fontRef>
+          </p:style>
+          <p:txBody>
+            <a:bodyPr rtlCol="0" anchor="ctr"/>
+            <a:lstStyle/>
+            <a:p>
+              <a:pPr algn="ctr"/>
+              <a:r>
+                <a:rPr lang="en-GB" dirty="0"/>
+                <a:t>+</a:t>
+              </a:r>
+            </a:p>
+          </p:txBody>
+        </p:sp>
+        <p:cxnSp>
+          <p:nvCxnSpPr>
+            <p:cNvPr id="101" name="Gerade Verbindung 100">
+              <a:extLst>
+                <a:ext uri="{FF2B5EF4-FFF2-40B4-BE49-F238E27FC236}">
+                  <a16:creationId xmlns:a16="http://schemas.microsoft.com/office/drawing/2014/main" id="{3C0F184E-6E06-962A-BB6F-D90FFCB06618}"/>
+                </a:ext>
+              </a:extLst>
+            </p:cNvPr>
+            <p:cNvCxnSpPr>
+              <a:cxnSpLocks/>
+            </p:cNvCxnSpPr>
+            <p:nvPr/>
+          </p:nvCxnSpPr>
+          <p:spPr>
+            <a:xfrm>
+              <a:off x="5698417" y="13135248"/>
+              <a:ext cx="0" cy="695676"/>
+            </a:xfrm>
+            <a:prstGeom prst="line">
+              <a:avLst/>
+            </a:prstGeom>
+            <a:ln>
+              <a:solidFill>
+                <a:schemeClr val="bg2">
+                  <a:lumMod val="75000"/>
+                </a:schemeClr>
+              </a:solidFill>
+            </a:ln>
+          </p:spPr>
+          <p:style>
+            <a:lnRef idx="2">
+              <a:schemeClr val="accent1"/>
+            </a:lnRef>
+            <a:fillRef idx="0">
+              <a:schemeClr val="accent1"/>
+            </a:fillRef>
+            <a:effectRef idx="1">
+              <a:schemeClr val="accent1"/>
+            </a:effectRef>
+            <a:fontRef idx="minor">
+              <a:schemeClr val="tx1"/>
+            </a:fontRef>
+          </p:style>
+        </p:cxnSp>
+        <p:cxnSp>
+          <p:nvCxnSpPr>
+            <p:cNvPr id="104" name="Gerade Verbindung 103">
+              <a:extLst>
+                <a:ext uri="{FF2B5EF4-FFF2-40B4-BE49-F238E27FC236}">
+                  <a16:creationId xmlns:a16="http://schemas.microsoft.com/office/drawing/2014/main" id="{5B8510D9-1334-0DA5-CCEE-22E377BE6075}"/>
+                </a:ext>
+              </a:extLst>
+            </p:cNvPr>
+            <p:cNvCxnSpPr>
+              <a:cxnSpLocks/>
+            </p:cNvCxnSpPr>
+            <p:nvPr/>
+          </p:nvCxnSpPr>
+          <p:spPr>
+            <a:xfrm flipV="1">
+              <a:off x="5698417" y="12240112"/>
+              <a:ext cx="0" cy="700574"/>
+            </a:xfrm>
+            <a:prstGeom prst="line">
+              <a:avLst/>
+            </a:prstGeom>
+            <a:ln>
+              <a:solidFill>
+                <a:schemeClr val="bg2">
+                  <a:lumMod val="75000"/>
+                </a:schemeClr>
+              </a:solidFill>
+            </a:ln>
+          </p:spPr>
+          <p:style>
+            <a:lnRef idx="2">
+              <a:schemeClr val="accent1"/>
+            </a:lnRef>
+            <a:fillRef idx="0">
+              <a:schemeClr val="accent1"/>
+            </a:fillRef>
+            <a:effectRef idx="1">
+              <a:schemeClr val="accent1"/>
+            </a:effectRef>
+            <a:fontRef idx="minor">
+              <a:schemeClr val="tx1"/>
+            </a:fontRef>
+          </p:style>
+        </p:cxnSp>
+        <p:cxnSp>
+          <p:nvCxnSpPr>
+            <p:cNvPr id="109" name="Gerade Verbindung 108">
+              <a:extLst>
+                <a:ext uri="{FF2B5EF4-FFF2-40B4-BE49-F238E27FC236}">
+                  <a16:creationId xmlns:a16="http://schemas.microsoft.com/office/drawing/2014/main" id="{4EF084BA-E8C2-A6A4-41FD-624B58B0FEB9}"/>
+                </a:ext>
+              </a:extLst>
+            </p:cNvPr>
+            <p:cNvCxnSpPr>
+              <a:stCxn id="99" idx="0"/>
+              <a:endCxn id="99" idx="4"/>
+            </p:cNvCxnSpPr>
+            <p:nvPr/>
+          </p:nvCxnSpPr>
+          <p:spPr>
+            <a:xfrm>
+              <a:off x="5695592" y="12947967"/>
+              <a:ext cx="0" cy="180000"/>
+            </a:xfrm>
+            <a:prstGeom prst="line">
+              <a:avLst/>
+            </a:prstGeom>
+            <a:ln>
+              <a:solidFill>
+                <a:schemeClr val="bg2">
+                  <a:lumMod val="75000"/>
+                </a:schemeClr>
+              </a:solidFill>
+            </a:ln>
+          </p:spPr>
+          <p:style>
+            <a:lnRef idx="2">
+              <a:schemeClr val="accent1"/>
+            </a:lnRef>
+            <a:fillRef idx="0">
+              <a:schemeClr val="accent1"/>
+            </a:fillRef>
+            <a:effectRef idx="1">
+              <a:schemeClr val="accent1"/>
+            </a:effectRef>
+            <a:fontRef idx="minor">
+              <a:schemeClr val="tx1"/>
+            </a:fontRef>
+          </p:style>
+        </p:cxnSp>
+        <p:cxnSp>
+          <p:nvCxnSpPr>
+            <p:cNvPr id="111" name="Gerade Verbindung 110">
+              <a:extLst>
+                <a:ext uri="{FF2B5EF4-FFF2-40B4-BE49-F238E27FC236}">
+                  <a16:creationId xmlns:a16="http://schemas.microsoft.com/office/drawing/2014/main" id="{BB098841-8D86-CFB7-9D88-A209A1CD639F}"/>
+                </a:ext>
+              </a:extLst>
+            </p:cNvPr>
+            <p:cNvCxnSpPr>
+              <a:stCxn id="99" idx="2"/>
+              <a:endCxn id="99" idx="6"/>
+            </p:cNvCxnSpPr>
+            <p:nvPr/>
+          </p:nvCxnSpPr>
+          <p:spPr>
+            <a:xfrm>
+              <a:off x="5605592" y="13037967"/>
+              <a:ext cx="180000" cy="0"/>
+            </a:xfrm>
+            <a:prstGeom prst="line">
+              <a:avLst/>
+            </a:prstGeom>
+            <a:ln>
+              <a:solidFill>
+                <a:schemeClr val="bg2">
+                  <a:lumMod val="75000"/>
+                </a:schemeClr>
+              </a:solidFill>
+            </a:ln>
+          </p:spPr>
+          <p:style>
+            <a:lnRef idx="2">
+              <a:schemeClr val="accent1"/>
+            </a:lnRef>
+            <a:fillRef idx="0">
+              <a:schemeClr val="accent1"/>
+            </a:fillRef>
+            <a:effectRef idx="1">
+              <a:schemeClr val="accent1"/>
+            </a:effectRef>
+            <a:fontRef idx="minor">
+              <a:schemeClr val="tx1"/>
+            </a:fontRef>
+          </p:style>
+        </p:cxnSp>
+        <p:cxnSp>
+          <p:nvCxnSpPr>
+            <p:cNvPr id="113" name="Gerade Verbindung mit Pfeil 112">
+              <a:extLst>
+                <a:ext uri="{FF2B5EF4-FFF2-40B4-BE49-F238E27FC236}">
+                  <a16:creationId xmlns:a16="http://schemas.microsoft.com/office/drawing/2014/main" id="{5686454B-2832-003F-C0B8-68382A078AED}"/>
+                </a:ext>
+              </a:extLst>
+            </p:cNvPr>
+            <p:cNvCxnSpPr>
+              <a:stCxn id="99" idx="6"/>
+            </p:cNvCxnSpPr>
+            <p:nvPr/>
+          </p:nvCxnSpPr>
+          <p:spPr>
+            <a:xfrm>
+              <a:off x="5785592" y="13037967"/>
+              <a:ext cx="360000" cy="0"/>
+            </a:xfrm>
+            <a:prstGeom prst="straightConnector1">
+              <a:avLst/>
+            </a:prstGeom>
+            <a:ln>
+              <a:solidFill>
+                <a:schemeClr val="bg2">
+                  <a:lumMod val="75000"/>
+                </a:schemeClr>
+              </a:solidFill>
+              <a:tailEnd type="triangle"/>
+            </a:ln>
+          </p:spPr>
+          <p:style>
+            <a:lnRef idx="2">
+              <a:schemeClr val="accent1"/>
+            </a:lnRef>
+            <a:fillRef idx="0">
+              <a:schemeClr val="accent1"/>
+            </a:fillRef>
+            <a:effectRef idx="1">
+              <a:schemeClr val="accent1"/>
+            </a:effectRef>
+            <a:fontRef idx="minor">
+              <a:schemeClr val="tx1"/>
+            </a:fontRef>
+          </p:style>
+        </p:cxnSp>
+        <p:sp>
+          <p:nvSpPr>
+            <p:cNvPr id="114" name="Rechteck 113">
+              <a:extLst>
+                <a:ext uri="{FF2B5EF4-FFF2-40B4-BE49-F238E27FC236}">
+                  <a16:creationId xmlns:a16="http://schemas.microsoft.com/office/drawing/2014/main" id="{EEFFCF49-A6D1-230E-86A5-ADFF7481EC62}"/>
+                </a:ext>
+              </a:extLst>
+            </p:cNvPr>
+            <p:cNvSpPr/>
+            <p:nvPr/>
+          </p:nvSpPr>
+          <p:spPr>
+            <a:xfrm rot="16200000">
+              <a:off x="5798880" y="12718202"/>
+              <a:ext cx="1332958" cy="639531"/>
+            </a:xfrm>
+            <a:prstGeom prst="rect">
+              <a:avLst/>
+            </a:prstGeom>
+            <a:solidFill>
+              <a:schemeClr val="bg2">
+                <a:lumMod val="90000"/>
+                <a:alpha val="80000"/>
+              </a:schemeClr>
+            </a:solidFill>
+            <a:ln>
+              <a:solidFill>
+                <a:schemeClr val="bg2">
+                  <a:lumMod val="90000"/>
+                </a:schemeClr>
+              </a:solidFill>
+            </a:ln>
+          </p:spPr>
+          <p:style>
+            <a:lnRef idx="2">
+              <a:schemeClr val="accent1">
+                <a:shade val="15000"/>
+              </a:schemeClr>
+            </a:lnRef>
+            <a:fillRef idx="1">
+              <a:schemeClr val="accent1"/>
+            </a:fillRef>
+            <a:effectRef idx="0">
+              <a:schemeClr val="accent1"/>
+            </a:effectRef>
+            <a:fontRef idx="minor">
+              <a:schemeClr val="lt1"/>
+            </a:fontRef>
+          </p:style>
+          <p:txBody>
+            <a:bodyPr rtlCol="0" anchor="ctr"/>
+            <a:lstStyle/>
+            <a:p>
+              <a:pPr algn="ctr"/>
+              <a:r>
+                <a:rPr lang="en-GB" dirty="0">
+                  <a:solidFill>
+                    <a:schemeClr val="tx1"/>
+                  </a:solidFill>
+                </a:rPr>
+                <a:t>Positional Embedding</a:t>
+              </a:r>
+            </a:p>
+          </p:txBody>
+        </p:sp>
+        <p:sp>
+          <p:nvSpPr>
+            <p:cNvPr id="115" name="Rechteck 114">
+              <a:extLst>
+                <a:ext uri="{FF2B5EF4-FFF2-40B4-BE49-F238E27FC236}">
+                  <a16:creationId xmlns:a16="http://schemas.microsoft.com/office/drawing/2014/main" id="{67CEEAF1-33D3-A16B-4620-2BB2949B9687}"/>
+                </a:ext>
+              </a:extLst>
+            </p:cNvPr>
+            <p:cNvSpPr/>
+            <p:nvPr/>
+          </p:nvSpPr>
+          <p:spPr>
+            <a:xfrm rot="16200000">
+              <a:off x="7489176" y="14971672"/>
+              <a:ext cx="2821738" cy="639529"/>
+            </a:xfrm>
+            <a:prstGeom prst="rect">
+              <a:avLst/>
+            </a:prstGeom>
+            <a:solidFill>
+              <a:schemeClr val="accent2">
+                <a:lumMod val="20000"/>
+                <a:lumOff val="80000"/>
+                <a:alpha val="42000"/>
+              </a:schemeClr>
+            </a:solidFill>
+            <a:ln>
+              <a:solidFill>
+                <a:schemeClr val="accent2">
+                  <a:lumMod val="20000"/>
+                  <a:lumOff val="80000"/>
+                </a:schemeClr>
+              </a:solidFill>
+            </a:ln>
+          </p:spPr>
+          <p:style>
+            <a:lnRef idx="2">
+              <a:schemeClr val="accent1">
+                <a:shade val="15000"/>
+              </a:schemeClr>
+            </a:lnRef>
+            <a:fillRef idx="1">
+              <a:schemeClr val="accent1"/>
+            </a:fillRef>
+            <a:effectRef idx="0">
+              <a:schemeClr val="accent1"/>
+            </a:effectRef>
+            <a:fontRef idx="minor">
+              <a:schemeClr val="lt1"/>
+            </a:fontRef>
+          </p:style>
+          <p:txBody>
+            <a:bodyPr rtlCol="0" anchor="ctr"/>
+            <a:lstStyle/>
+            <a:p>
+              <a:pPr algn="ctr"/>
+              <a:r>
+                <a:rPr lang="en-GB" dirty="0">
+                  <a:solidFill>
+                    <a:schemeClr val="tx1"/>
+                  </a:solidFill>
+                </a:rPr>
+                <a:t>Double Stream Block 1</a:t>
+              </a:r>
+            </a:p>
+          </p:txBody>
+        </p:sp>
+        <p:sp>
+          <p:nvSpPr>
+            <p:cNvPr id="116" name="Rechteck 115">
+              <a:extLst>
+                <a:ext uri="{FF2B5EF4-FFF2-40B4-BE49-F238E27FC236}">
+                  <a16:creationId xmlns:a16="http://schemas.microsoft.com/office/drawing/2014/main" id="{2AFB818B-5928-1E3A-6795-DFA417E97A89}"/>
+                </a:ext>
+              </a:extLst>
+            </p:cNvPr>
+            <p:cNvSpPr/>
+            <p:nvPr/>
+          </p:nvSpPr>
+          <p:spPr>
+            <a:xfrm rot="16200000">
+              <a:off x="9243239" y="14971339"/>
+              <a:ext cx="2822400" cy="639529"/>
+            </a:xfrm>
+            <a:prstGeom prst="rect">
+              <a:avLst/>
+            </a:prstGeom>
+            <a:solidFill>
+              <a:schemeClr val="accent2">
+                <a:lumMod val="20000"/>
+                <a:lumOff val="80000"/>
+                <a:alpha val="42000"/>
+              </a:schemeClr>
+            </a:solidFill>
+            <a:ln>
+              <a:solidFill>
+                <a:schemeClr val="accent2">
+                  <a:lumMod val="20000"/>
+                  <a:lumOff val="80000"/>
+                </a:schemeClr>
+              </a:solidFill>
+            </a:ln>
+          </p:spPr>
+          <p:style>
+            <a:lnRef idx="2">
+              <a:schemeClr val="accent1">
+                <a:shade val="15000"/>
+              </a:schemeClr>
+            </a:lnRef>
+            <a:fillRef idx="1">
+              <a:schemeClr val="accent1"/>
+            </a:fillRef>
+            <a:effectRef idx="0">
+              <a:schemeClr val="accent1"/>
+            </a:effectRef>
+            <a:fontRef idx="minor">
+              <a:schemeClr val="lt1"/>
+            </a:fontRef>
+          </p:style>
+          <p:txBody>
+            <a:bodyPr rtlCol="0" anchor="ctr"/>
+            <a:lstStyle/>
+            <a:p>
+              <a:pPr algn="ctr"/>
+              <a:r>
+                <a:rPr lang="en-GB" dirty="0">
+                  <a:solidFill>
+                    <a:schemeClr val="tx1"/>
+                  </a:solidFill>
+                </a:rPr>
+                <a:t>Double Stream Block 19</a:t>
+              </a:r>
+            </a:p>
+          </p:txBody>
+        </p:sp>
+        <p:sp>
+          <p:nvSpPr>
+            <p:cNvPr id="117" name="Rechteck 116">
+              <a:extLst>
+                <a:ext uri="{FF2B5EF4-FFF2-40B4-BE49-F238E27FC236}">
+                  <a16:creationId xmlns:a16="http://schemas.microsoft.com/office/drawing/2014/main" id="{BF73D30C-4779-6213-980D-36059B22DFFF}"/>
+                </a:ext>
+              </a:extLst>
+            </p:cNvPr>
+            <p:cNvSpPr/>
+            <p:nvPr/>
+          </p:nvSpPr>
+          <p:spPr>
+            <a:xfrm rot="16200000">
+              <a:off x="10552344" y="15105703"/>
+              <a:ext cx="2822400" cy="370800"/>
+            </a:xfrm>
+            <a:prstGeom prst="rect">
+              <a:avLst/>
+            </a:prstGeom>
+            <a:solidFill>
+              <a:srgbClr val="E3C893">
+                <a:alpha val="42000"/>
+              </a:srgbClr>
+            </a:solidFill>
+            <a:ln>
+              <a:solidFill>
+                <a:srgbClr val="FFC000"/>
+              </a:solidFill>
+            </a:ln>
+          </p:spPr>
+          <p:style>
+            <a:lnRef idx="2">
+              <a:schemeClr val="accent1">
+                <a:shade val="15000"/>
+              </a:schemeClr>
+            </a:lnRef>
+            <a:fillRef idx="1">
+              <a:schemeClr val="accent1"/>
+            </a:fillRef>
+            <a:effectRef idx="0">
+              <a:schemeClr val="accent1"/>
+            </a:effectRef>
+            <a:fontRef idx="minor">
+              <a:schemeClr val="lt1"/>
+            </a:fontRef>
+          </p:style>
+          <p:txBody>
+            <a:bodyPr rtlCol="0" anchor="ctr"/>
+            <a:lstStyle/>
+            <a:p>
+              <a:pPr algn="ctr"/>
+              <a:r>
+                <a:rPr lang="en-GB" dirty="0">
+                  <a:solidFill>
+                    <a:schemeClr val="tx1"/>
+                  </a:solidFill>
+                </a:rPr>
+                <a:t>Single Stream Block 1</a:t>
+              </a:r>
+            </a:p>
+          </p:txBody>
+        </p:sp>
+        <p:cxnSp>
+          <p:nvCxnSpPr>
+            <p:cNvPr id="119" name="Gerade Verbindung mit Pfeil 118">
+              <a:extLst>
+                <a:ext uri="{FF2B5EF4-FFF2-40B4-BE49-F238E27FC236}">
+                  <a16:creationId xmlns:a16="http://schemas.microsoft.com/office/drawing/2014/main" id="{3017C56A-7EFC-C23E-B54C-7063624E0509}"/>
+                </a:ext>
+              </a:extLst>
+            </p:cNvPr>
+            <p:cNvCxnSpPr>
+              <a:cxnSpLocks/>
+              <a:stCxn id="81" idx="2"/>
+            </p:cNvCxnSpPr>
+            <p:nvPr/>
+          </p:nvCxnSpPr>
+          <p:spPr>
+            <a:xfrm flipV="1">
+              <a:off x="5352715" y="15746732"/>
+              <a:ext cx="3203820" cy="618"/>
+            </a:xfrm>
+            <a:prstGeom prst="straightConnector1">
+              <a:avLst/>
+            </a:prstGeom>
+            <a:ln>
+              <a:tailEnd type="triangle"/>
+            </a:ln>
+          </p:spPr>
+          <p:style>
+            <a:lnRef idx="2">
+              <a:schemeClr val="accent1"/>
+            </a:lnRef>
+            <a:fillRef idx="0">
+              <a:schemeClr val="accent1"/>
+            </a:fillRef>
+            <a:effectRef idx="1">
+              <a:schemeClr val="accent1"/>
+            </a:effectRef>
+            <a:fontRef idx="minor">
+              <a:schemeClr val="tx1"/>
+            </a:fontRef>
+          </p:style>
+        </p:cxnSp>
+        <p:cxnSp>
+          <p:nvCxnSpPr>
+            <p:cNvPr id="121" name="Gerade Verbindung 120">
+              <a:extLst>
+                <a:ext uri="{FF2B5EF4-FFF2-40B4-BE49-F238E27FC236}">
+                  <a16:creationId xmlns:a16="http://schemas.microsoft.com/office/drawing/2014/main" id="{1C55F918-C1C3-A4C8-E36B-8C676662515D}"/>
+                </a:ext>
+              </a:extLst>
+            </p:cNvPr>
+            <p:cNvCxnSpPr>
+              <a:cxnSpLocks/>
+              <a:stCxn id="114" idx="2"/>
+            </p:cNvCxnSpPr>
+            <p:nvPr/>
+          </p:nvCxnSpPr>
+          <p:spPr>
+            <a:xfrm>
+              <a:off x="6785125" y="13037968"/>
+              <a:ext cx="6535527" cy="0"/>
+            </a:xfrm>
+            <a:prstGeom prst="line">
+              <a:avLst/>
+            </a:prstGeom>
+            <a:ln>
+              <a:solidFill>
+                <a:schemeClr val="bg2">
+                  <a:lumMod val="75000"/>
+                </a:schemeClr>
+              </a:solidFill>
+              <a:prstDash val="dash"/>
+            </a:ln>
+          </p:spPr>
+          <p:style>
+            <a:lnRef idx="2">
+              <a:schemeClr val="accent1"/>
+            </a:lnRef>
+            <a:fillRef idx="0">
+              <a:schemeClr val="accent1"/>
+            </a:fillRef>
+            <a:effectRef idx="1">
+              <a:schemeClr val="accent1"/>
+            </a:effectRef>
+            <a:fontRef idx="minor">
+              <a:schemeClr val="tx1"/>
+            </a:fontRef>
+          </p:style>
+        </p:cxnSp>
+        <p:cxnSp>
+          <p:nvCxnSpPr>
+            <p:cNvPr id="123" name="Gerade Verbindung mit Pfeil 122">
+              <a:extLst>
+                <a:ext uri="{FF2B5EF4-FFF2-40B4-BE49-F238E27FC236}">
+                  <a16:creationId xmlns:a16="http://schemas.microsoft.com/office/drawing/2014/main" id="{CDD4AA8B-EF9A-F372-064A-5BC298244B8A}"/>
+                </a:ext>
+              </a:extLst>
+            </p:cNvPr>
+            <p:cNvCxnSpPr>
+              <a:cxnSpLocks/>
+            </p:cNvCxnSpPr>
+            <p:nvPr/>
+          </p:nvCxnSpPr>
+          <p:spPr>
+            <a:xfrm>
+              <a:off x="8618299" y="13037966"/>
+              <a:ext cx="0" cy="842400"/>
+            </a:xfrm>
+            <a:prstGeom prst="straightConnector1">
+              <a:avLst/>
+            </a:prstGeom>
+            <a:ln>
+              <a:solidFill>
+                <a:schemeClr val="bg2">
+                  <a:lumMod val="75000"/>
+                </a:schemeClr>
+              </a:solidFill>
+              <a:prstDash val="dash"/>
+              <a:tailEnd type="triangle"/>
+            </a:ln>
+          </p:spPr>
+          <p:style>
+            <a:lnRef idx="2">
+              <a:schemeClr val="accent1"/>
+            </a:lnRef>
+            <a:fillRef idx="0">
+              <a:schemeClr val="accent1"/>
+            </a:fillRef>
+            <a:effectRef idx="1">
+              <a:schemeClr val="accent1"/>
+            </a:effectRef>
+            <a:fontRef idx="minor">
+              <a:schemeClr val="tx1"/>
+            </a:fontRef>
+          </p:style>
+        </p:cxnSp>
+        <p:cxnSp>
+          <p:nvCxnSpPr>
+            <p:cNvPr id="125" name="Gerade Verbindung mit Pfeil 124">
+              <a:extLst>
+                <a:ext uri="{FF2B5EF4-FFF2-40B4-BE49-F238E27FC236}">
+                  <a16:creationId xmlns:a16="http://schemas.microsoft.com/office/drawing/2014/main" id="{96F678F0-4608-0CB9-DA00-21AEEF1EEC68}"/>
+                </a:ext>
+              </a:extLst>
+            </p:cNvPr>
+            <p:cNvCxnSpPr>
+              <a:cxnSpLocks/>
+            </p:cNvCxnSpPr>
+            <p:nvPr/>
+          </p:nvCxnSpPr>
+          <p:spPr>
+            <a:xfrm>
+              <a:off x="9150007" y="5490000"/>
+              <a:ext cx="0" cy="8391600"/>
+            </a:xfrm>
+            <a:prstGeom prst="straightConnector1">
+              <a:avLst/>
+            </a:prstGeom>
+            <a:ln>
+              <a:solidFill>
+                <a:schemeClr val="bg2">
+                  <a:lumMod val="75000"/>
+                </a:schemeClr>
+              </a:solidFill>
+              <a:prstDash val="sysDash"/>
+              <a:tailEnd type="triangle"/>
+            </a:ln>
+          </p:spPr>
+          <p:style>
+            <a:lnRef idx="2">
+              <a:schemeClr val="accent1"/>
+            </a:lnRef>
+            <a:fillRef idx="0">
+              <a:schemeClr val="accent1"/>
+            </a:fillRef>
+            <a:effectRef idx="1">
+              <a:schemeClr val="accent1"/>
+            </a:effectRef>
+            <a:fontRef idx="minor">
+              <a:schemeClr val="tx1"/>
+            </a:fontRef>
+          </p:style>
+        </p:cxnSp>
+        <p:cxnSp>
+          <p:nvCxnSpPr>
+            <p:cNvPr id="128" name="Gerade Verbindung 127">
+              <a:extLst>
+                <a:ext uri="{FF2B5EF4-FFF2-40B4-BE49-F238E27FC236}">
+                  <a16:creationId xmlns:a16="http://schemas.microsoft.com/office/drawing/2014/main" id="{C1DEF7FF-D221-8777-609A-2DA955B6AC75}"/>
+                </a:ext>
+              </a:extLst>
+            </p:cNvPr>
+            <p:cNvCxnSpPr>
+              <a:cxnSpLocks/>
+              <a:stCxn id="57" idx="2"/>
+            </p:cNvCxnSpPr>
+            <p:nvPr/>
+          </p:nvCxnSpPr>
+          <p:spPr>
+            <a:xfrm flipV="1">
+              <a:off x="5315625" y="10327215"/>
+              <a:ext cx="1623748" cy="1079"/>
+            </a:xfrm>
+            <a:prstGeom prst="line">
+              <a:avLst/>
+            </a:prstGeom>
+          </p:spPr>
+          <p:style>
+            <a:lnRef idx="2">
+              <a:schemeClr val="accent1"/>
+            </a:lnRef>
+            <a:fillRef idx="0">
+              <a:schemeClr val="accent1"/>
+            </a:fillRef>
+            <a:effectRef idx="1">
+              <a:schemeClr val="accent1"/>
+            </a:effectRef>
+            <a:fontRef idx="minor">
+              <a:schemeClr val="tx1"/>
+            </a:fontRef>
+          </p:style>
+        </p:cxnSp>
+        <p:cxnSp>
+          <p:nvCxnSpPr>
+            <p:cNvPr id="132" name="Gerade Verbindung 131">
+              <a:extLst>
+                <a:ext uri="{FF2B5EF4-FFF2-40B4-BE49-F238E27FC236}">
+                  <a16:creationId xmlns:a16="http://schemas.microsoft.com/office/drawing/2014/main" id="{1B623D91-4543-19A4-8864-189C98CF2FFB}"/>
+                </a:ext>
+              </a:extLst>
+            </p:cNvPr>
+            <p:cNvCxnSpPr>
+              <a:cxnSpLocks/>
+              <a:stCxn id="48" idx="6"/>
+            </p:cNvCxnSpPr>
+            <p:nvPr/>
+          </p:nvCxnSpPr>
+          <p:spPr>
+            <a:xfrm>
+              <a:off x="5753026" y="5490225"/>
+              <a:ext cx="7862400" cy="0"/>
+            </a:xfrm>
+            <a:prstGeom prst="line">
+              <a:avLst/>
+            </a:prstGeom>
+            <a:ln>
+              <a:solidFill>
+                <a:schemeClr val="bg2">
+                  <a:lumMod val="75000"/>
+                </a:schemeClr>
+              </a:solidFill>
+              <a:prstDash val="sysDash"/>
+            </a:ln>
+          </p:spPr>
+          <p:style>
+            <a:lnRef idx="2">
+              <a:schemeClr val="accent1"/>
+            </a:lnRef>
+            <a:fillRef idx="0">
+              <a:schemeClr val="accent1"/>
+            </a:fillRef>
+            <a:effectRef idx="1">
+              <a:schemeClr val="accent1"/>
+            </a:effectRef>
+            <a:fontRef idx="minor">
+              <a:schemeClr val="tx1"/>
+            </a:fontRef>
+          </p:style>
+        </p:cxnSp>
+        <p:cxnSp>
+          <p:nvCxnSpPr>
+            <p:cNvPr id="136" name="Gerade Verbindung mit Pfeil 135">
+              <a:extLst>
+                <a:ext uri="{FF2B5EF4-FFF2-40B4-BE49-F238E27FC236}">
+                  <a16:creationId xmlns:a16="http://schemas.microsoft.com/office/drawing/2014/main" id="{C3C19F30-8B0E-480E-0CA5-C99D45227D82}"/>
+                </a:ext>
+              </a:extLst>
+            </p:cNvPr>
+            <p:cNvCxnSpPr>
+              <a:cxnSpLocks/>
+            </p:cNvCxnSpPr>
+            <p:nvPr/>
+          </p:nvCxnSpPr>
+          <p:spPr>
+            <a:xfrm flipV="1">
+              <a:off x="9219809" y="14828400"/>
+              <a:ext cx="360000" cy="332"/>
+            </a:xfrm>
+            <a:prstGeom prst="straightConnector1">
+              <a:avLst/>
+            </a:prstGeom>
+            <a:ln>
+              <a:tailEnd type="triangle"/>
+            </a:ln>
+          </p:spPr>
+          <p:style>
+            <a:lnRef idx="2">
+              <a:schemeClr val="accent1"/>
+            </a:lnRef>
+            <a:fillRef idx="0">
+              <a:schemeClr val="accent1"/>
+            </a:fillRef>
+            <a:effectRef idx="1">
+              <a:schemeClr val="accent1"/>
+            </a:effectRef>
+            <a:fontRef idx="minor">
+              <a:schemeClr val="tx1"/>
+            </a:fontRef>
+          </p:style>
+        </p:cxnSp>
+        <p:sp>
+          <p:nvSpPr>
+            <p:cNvPr id="137" name="Textfeld 136">
+              <a:extLst>
+                <a:ext uri="{FF2B5EF4-FFF2-40B4-BE49-F238E27FC236}">
+                  <a16:creationId xmlns:a16="http://schemas.microsoft.com/office/drawing/2014/main" id="{C109DB93-1A10-A962-2E96-EAEAC1945D55}"/>
+                </a:ext>
+              </a:extLst>
+            </p:cNvPr>
+            <p:cNvSpPr txBox="1"/>
+            <p:nvPr/>
+          </p:nvSpPr>
+          <p:spPr>
+            <a:xfrm>
+              <a:off x="9579825" y="14597295"/>
+              <a:ext cx="381836" cy="369332"/>
+            </a:xfrm>
+            <a:prstGeom prst="rect">
+              <a:avLst/>
+            </a:prstGeom>
+            <a:noFill/>
+          </p:spPr>
+          <p:txBody>
+            <a:bodyPr wrap="none" rtlCol="0">
+              <a:spAutoFit/>
+            </a:bodyPr>
+            <a:lstStyle/>
+            <a:p>
+              <a:r>
+                <a:rPr lang="en-GB" dirty="0"/>
+                <a:t>…</a:t>
+              </a:r>
+            </a:p>
+          </p:txBody>
+        </p:sp>
+        <p:cxnSp>
+          <p:nvCxnSpPr>
+            <p:cNvPr id="138" name="Gerade Verbindung mit Pfeil 137">
+              <a:extLst>
+                <a:ext uri="{FF2B5EF4-FFF2-40B4-BE49-F238E27FC236}">
+                  <a16:creationId xmlns:a16="http://schemas.microsoft.com/office/drawing/2014/main" id="{0AD4C161-38BB-A1BE-06AC-CA827FC0B699}"/>
+                </a:ext>
+              </a:extLst>
+            </p:cNvPr>
+            <p:cNvCxnSpPr/>
+            <p:nvPr/>
+          </p:nvCxnSpPr>
+          <p:spPr>
+            <a:xfrm flipV="1">
+              <a:off x="9968625" y="14828400"/>
+              <a:ext cx="360000" cy="332"/>
+            </a:xfrm>
+            <a:prstGeom prst="straightConnector1">
+              <a:avLst/>
+            </a:prstGeom>
+            <a:ln>
+              <a:tailEnd type="triangle"/>
+            </a:ln>
+          </p:spPr>
+          <p:style>
+            <a:lnRef idx="2">
+              <a:schemeClr val="accent1"/>
+            </a:lnRef>
+            <a:fillRef idx="0">
+              <a:schemeClr val="accent1"/>
+            </a:fillRef>
+            <a:effectRef idx="1">
+              <a:schemeClr val="accent1"/>
+            </a:effectRef>
+            <a:fontRef idx="minor">
+              <a:schemeClr val="tx1"/>
+            </a:fontRef>
+          </p:style>
+        </p:cxnSp>
+        <p:cxnSp>
+          <p:nvCxnSpPr>
+            <p:cNvPr id="139" name="Gerade Verbindung mit Pfeil 138">
+              <a:extLst>
+                <a:ext uri="{FF2B5EF4-FFF2-40B4-BE49-F238E27FC236}">
+                  <a16:creationId xmlns:a16="http://schemas.microsoft.com/office/drawing/2014/main" id="{EDE52434-E74D-8F8B-96AB-B5E07C8D99AF}"/>
+                </a:ext>
+              </a:extLst>
+            </p:cNvPr>
+            <p:cNvCxnSpPr>
+              <a:cxnSpLocks/>
+            </p:cNvCxnSpPr>
+            <p:nvPr/>
+          </p:nvCxnSpPr>
+          <p:spPr>
+            <a:xfrm>
+              <a:off x="10373256" y="13039200"/>
+              <a:ext cx="0" cy="842400"/>
+            </a:xfrm>
+            <a:prstGeom prst="straightConnector1">
+              <a:avLst/>
+            </a:prstGeom>
+            <a:ln>
+              <a:solidFill>
+                <a:schemeClr val="bg2">
+                  <a:lumMod val="75000"/>
+                </a:schemeClr>
+              </a:solidFill>
+              <a:prstDash val="dash"/>
+              <a:tailEnd type="triangle"/>
+            </a:ln>
+          </p:spPr>
+          <p:style>
+            <a:lnRef idx="2">
+              <a:schemeClr val="accent1"/>
+            </a:lnRef>
+            <a:fillRef idx="0">
+              <a:schemeClr val="accent1"/>
+            </a:fillRef>
+            <a:effectRef idx="1">
+              <a:schemeClr val="accent1"/>
+            </a:effectRef>
+            <a:fontRef idx="minor">
+              <a:schemeClr val="tx1"/>
+            </a:fontRef>
+          </p:style>
+        </p:cxnSp>
+        <p:cxnSp>
+          <p:nvCxnSpPr>
+            <p:cNvPr id="141" name="Gerade Verbindung mit Pfeil 140">
+              <a:extLst>
+                <a:ext uri="{FF2B5EF4-FFF2-40B4-BE49-F238E27FC236}">
+                  <a16:creationId xmlns:a16="http://schemas.microsoft.com/office/drawing/2014/main" id="{31EB7993-7187-010D-4D9B-3D9FCBFE8F38}"/>
+                </a:ext>
+              </a:extLst>
+            </p:cNvPr>
+            <p:cNvCxnSpPr>
+              <a:cxnSpLocks/>
+            </p:cNvCxnSpPr>
+            <p:nvPr/>
+          </p:nvCxnSpPr>
+          <p:spPr>
+            <a:xfrm>
+              <a:off x="10904964" y="5490000"/>
+              <a:ext cx="0" cy="8391600"/>
+            </a:xfrm>
+            <a:prstGeom prst="straightConnector1">
+              <a:avLst/>
+            </a:prstGeom>
+            <a:ln>
+              <a:solidFill>
+                <a:schemeClr val="bg2">
+                  <a:lumMod val="75000"/>
+                </a:schemeClr>
+              </a:solidFill>
+              <a:prstDash val="sysDash"/>
+              <a:tailEnd type="triangle"/>
+            </a:ln>
+          </p:spPr>
+          <p:style>
+            <a:lnRef idx="2">
+              <a:schemeClr val="accent1"/>
+            </a:lnRef>
+            <a:fillRef idx="0">
+              <a:schemeClr val="accent1"/>
+            </a:fillRef>
+            <a:effectRef idx="1">
+              <a:schemeClr val="accent1"/>
+            </a:effectRef>
+            <a:fontRef idx="minor">
+              <a:schemeClr val="tx1"/>
+            </a:fontRef>
+          </p:style>
+        </p:cxnSp>
+        <p:cxnSp>
+          <p:nvCxnSpPr>
+            <p:cNvPr id="155" name="Gerade Verbindung 154">
+              <a:extLst>
+                <a:ext uri="{FF2B5EF4-FFF2-40B4-BE49-F238E27FC236}">
+                  <a16:creationId xmlns:a16="http://schemas.microsoft.com/office/drawing/2014/main" id="{926F7261-4BEA-AB7A-06FC-1B689E025544}"/>
+                </a:ext>
+              </a:extLst>
+            </p:cNvPr>
+            <p:cNvCxnSpPr>
+              <a:cxnSpLocks/>
+            </p:cNvCxnSpPr>
+            <p:nvPr/>
+          </p:nvCxnSpPr>
+          <p:spPr>
+            <a:xfrm>
+              <a:off x="6929580" y="10327215"/>
+              <a:ext cx="0" cy="4508721"/>
+            </a:xfrm>
+            <a:prstGeom prst="line">
+              <a:avLst/>
+            </a:prstGeom>
+          </p:spPr>
+          <p:style>
+            <a:lnRef idx="2">
+              <a:schemeClr val="accent1"/>
+            </a:lnRef>
+            <a:fillRef idx="0">
+              <a:schemeClr val="accent1"/>
+            </a:fillRef>
+            <a:effectRef idx="1">
+              <a:schemeClr val="accent1"/>
+            </a:effectRef>
+            <a:fontRef idx="minor">
+              <a:schemeClr val="tx1"/>
+            </a:fontRef>
+          </p:style>
+        </p:cxnSp>
+        <p:cxnSp>
+          <p:nvCxnSpPr>
+            <p:cNvPr id="157" name="Gerade Verbindung mit Pfeil 156">
+              <a:extLst>
+                <a:ext uri="{FF2B5EF4-FFF2-40B4-BE49-F238E27FC236}">
+                  <a16:creationId xmlns:a16="http://schemas.microsoft.com/office/drawing/2014/main" id="{DB2A1CB0-DD0B-6961-E932-4447489B8099}"/>
+                </a:ext>
+              </a:extLst>
+            </p:cNvPr>
+            <p:cNvCxnSpPr>
+              <a:cxnSpLocks/>
+            </p:cNvCxnSpPr>
+            <p:nvPr/>
+          </p:nvCxnSpPr>
+          <p:spPr>
+            <a:xfrm>
+              <a:off x="6929580" y="14828400"/>
+              <a:ext cx="1650700" cy="0"/>
+            </a:xfrm>
+            <a:prstGeom prst="straightConnector1">
+              <a:avLst/>
+            </a:prstGeom>
+            <a:ln>
+              <a:tailEnd type="triangle"/>
+            </a:ln>
+          </p:spPr>
+          <p:style>
+            <a:lnRef idx="2">
+              <a:schemeClr val="accent1"/>
+            </a:lnRef>
+            <a:fillRef idx="0">
+              <a:schemeClr val="accent1"/>
+            </a:fillRef>
+            <a:effectRef idx="1">
+              <a:schemeClr val="accent1"/>
+            </a:effectRef>
+            <a:fontRef idx="minor">
+              <a:schemeClr val="tx1"/>
+            </a:fontRef>
+          </p:style>
+        </p:cxnSp>
+        <p:cxnSp>
+          <p:nvCxnSpPr>
+            <p:cNvPr id="158" name="Gerade Verbindung mit Pfeil 157">
+              <a:extLst>
+                <a:ext uri="{FF2B5EF4-FFF2-40B4-BE49-F238E27FC236}">
+                  <a16:creationId xmlns:a16="http://schemas.microsoft.com/office/drawing/2014/main" id="{990D2691-B861-F4A1-52F6-9B9D3ED8C3D4}"/>
+                </a:ext>
+              </a:extLst>
+            </p:cNvPr>
+            <p:cNvCxnSpPr>
+              <a:cxnSpLocks/>
+            </p:cNvCxnSpPr>
+            <p:nvPr/>
+          </p:nvCxnSpPr>
+          <p:spPr>
+            <a:xfrm flipV="1">
+              <a:off x="9225060" y="15746400"/>
+              <a:ext cx="360000" cy="332"/>
+            </a:xfrm>
+            <a:prstGeom prst="straightConnector1">
+              <a:avLst/>
+            </a:prstGeom>
+            <a:ln>
+              <a:tailEnd type="triangle"/>
+            </a:ln>
+          </p:spPr>
+          <p:style>
+            <a:lnRef idx="2">
+              <a:schemeClr val="accent1"/>
+            </a:lnRef>
+            <a:fillRef idx="0">
+              <a:schemeClr val="accent1"/>
+            </a:fillRef>
+            <a:effectRef idx="1">
+              <a:schemeClr val="accent1"/>
+            </a:effectRef>
+            <a:fontRef idx="minor">
+              <a:schemeClr val="tx1"/>
+            </a:fontRef>
+          </p:style>
+        </p:cxnSp>
+        <p:sp>
+          <p:nvSpPr>
+            <p:cNvPr id="159" name="Textfeld 158">
+              <a:extLst>
+                <a:ext uri="{FF2B5EF4-FFF2-40B4-BE49-F238E27FC236}">
+                  <a16:creationId xmlns:a16="http://schemas.microsoft.com/office/drawing/2014/main" id="{647A17F9-2F93-8ACE-6CFC-35A609F6425A}"/>
+                </a:ext>
+              </a:extLst>
+            </p:cNvPr>
+            <p:cNvSpPr txBox="1"/>
+            <p:nvPr/>
+          </p:nvSpPr>
+          <p:spPr>
+            <a:xfrm>
+              <a:off x="9579825" y="15511869"/>
+              <a:ext cx="381836" cy="369332"/>
+            </a:xfrm>
+            <a:prstGeom prst="rect">
+              <a:avLst/>
+            </a:prstGeom>
+            <a:noFill/>
+          </p:spPr>
+          <p:txBody>
+            <a:bodyPr wrap="none" rtlCol="0">
+              <a:spAutoFit/>
+            </a:bodyPr>
+            <a:lstStyle/>
+            <a:p>
+              <a:r>
+                <a:rPr lang="en-GB" dirty="0"/>
+                <a:t>…</a:t>
+              </a:r>
+            </a:p>
+          </p:txBody>
+        </p:sp>
+        <p:cxnSp>
+          <p:nvCxnSpPr>
+            <p:cNvPr id="160" name="Gerade Verbindung mit Pfeil 159">
+              <a:extLst>
+                <a:ext uri="{FF2B5EF4-FFF2-40B4-BE49-F238E27FC236}">
+                  <a16:creationId xmlns:a16="http://schemas.microsoft.com/office/drawing/2014/main" id="{0913D0CB-1FF5-7B61-8BDB-FC350B61EFE8}"/>
+                </a:ext>
+              </a:extLst>
+            </p:cNvPr>
+            <p:cNvCxnSpPr/>
+            <p:nvPr/>
+          </p:nvCxnSpPr>
+          <p:spPr>
+            <a:xfrm flipV="1">
+              <a:off x="9968625" y="15746400"/>
+              <a:ext cx="360000" cy="332"/>
+            </a:xfrm>
+            <a:prstGeom prst="straightConnector1">
+              <a:avLst/>
+            </a:prstGeom>
+            <a:ln>
+              <a:tailEnd type="triangle"/>
+            </a:ln>
+          </p:spPr>
+          <p:style>
+            <a:lnRef idx="2">
+              <a:schemeClr val="accent1"/>
+            </a:lnRef>
+            <a:fillRef idx="0">
+              <a:schemeClr val="accent1"/>
+            </a:fillRef>
+            <a:effectRef idx="1">
+              <a:schemeClr val="accent1"/>
+            </a:effectRef>
+            <a:fontRef idx="minor">
+              <a:schemeClr val="tx1"/>
+            </a:fontRef>
+          </p:style>
+        </p:cxnSp>
+        <p:cxnSp>
+          <p:nvCxnSpPr>
+            <p:cNvPr id="171" name="Gerade Verbindung 170">
+              <a:extLst>
+                <a:ext uri="{FF2B5EF4-FFF2-40B4-BE49-F238E27FC236}">
+                  <a16:creationId xmlns:a16="http://schemas.microsoft.com/office/drawing/2014/main" id="{3B8E28ED-F0D1-3753-12DE-261C6CF12DD3}"/>
+                </a:ext>
+              </a:extLst>
+            </p:cNvPr>
+            <p:cNvCxnSpPr/>
+            <p:nvPr/>
+          </p:nvCxnSpPr>
+          <p:spPr>
+            <a:xfrm>
+              <a:off x="10974205" y="14828400"/>
+              <a:ext cx="359127" cy="0"/>
+            </a:xfrm>
+            <a:prstGeom prst="line">
+              <a:avLst/>
+            </a:prstGeom>
+          </p:spPr>
+          <p:style>
+            <a:lnRef idx="2">
+              <a:schemeClr val="accent1"/>
+            </a:lnRef>
+            <a:fillRef idx="0">
+              <a:schemeClr val="accent1"/>
+            </a:fillRef>
+            <a:effectRef idx="1">
+              <a:schemeClr val="accent1"/>
+            </a:effectRef>
+            <a:fontRef idx="minor">
+              <a:schemeClr val="tx1"/>
+            </a:fontRef>
+          </p:style>
+        </p:cxnSp>
+        <p:cxnSp>
+          <p:nvCxnSpPr>
+            <p:cNvPr id="173" name="Gerade Verbindung 172">
+              <a:extLst>
+                <a:ext uri="{FF2B5EF4-FFF2-40B4-BE49-F238E27FC236}">
+                  <a16:creationId xmlns:a16="http://schemas.microsoft.com/office/drawing/2014/main" id="{7A58AF67-63AD-6188-0E67-A387BEEBCF09}"/>
+                </a:ext>
+              </a:extLst>
+            </p:cNvPr>
+            <p:cNvCxnSpPr/>
+            <p:nvPr/>
+          </p:nvCxnSpPr>
+          <p:spPr>
+            <a:xfrm>
+              <a:off x="10974205" y="15746400"/>
+              <a:ext cx="359127" cy="0"/>
+            </a:xfrm>
+            <a:prstGeom prst="line">
+              <a:avLst/>
+            </a:prstGeom>
+          </p:spPr>
+          <p:style>
+            <a:lnRef idx="2">
+              <a:schemeClr val="accent1"/>
+            </a:lnRef>
+            <a:fillRef idx="0">
+              <a:schemeClr val="accent1"/>
+            </a:fillRef>
+            <a:effectRef idx="1">
+              <a:schemeClr val="accent1"/>
+            </a:effectRef>
+            <a:fontRef idx="minor">
+              <a:schemeClr val="tx1"/>
+            </a:fontRef>
+          </p:style>
+        </p:cxnSp>
+        <p:sp>
+          <p:nvSpPr>
+            <p:cNvPr id="174" name="Oval 173">
+              <a:extLst>
+                <a:ext uri="{FF2B5EF4-FFF2-40B4-BE49-F238E27FC236}">
+                  <a16:creationId xmlns:a16="http://schemas.microsoft.com/office/drawing/2014/main" id="{7351E54A-676D-8B6F-D427-7DAE40ACA8C0}"/>
+                </a:ext>
+              </a:extLst>
+            </p:cNvPr>
+            <p:cNvSpPr/>
+            <p:nvPr/>
+          </p:nvSpPr>
+          <p:spPr>
+            <a:xfrm>
+              <a:off x="11243331" y="15197400"/>
+              <a:ext cx="180000" cy="180000"/>
+            </a:xfrm>
+            <a:prstGeom prst="ellipse">
+              <a:avLst/>
+            </a:prstGeom>
+            <a:noFill/>
+            <a:ln>
+              <a:solidFill>
+                <a:schemeClr val="accent1"/>
+              </a:solidFill>
+            </a:ln>
+          </p:spPr>
+          <p:style>
+            <a:lnRef idx="2">
+              <a:schemeClr val="accent1">
+                <a:shade val="15000"/>
+              </a:schemeClr>
+            </a:lnRef>
+            <a:fillRef idx="1">
+              <a:schemeClr val="accent1"/>
+            </a:fillRef>
+            <a:effectRef idx="0">
+              <a:schemeClr val="accent1"/>
+            </a:effectRef>
+            <a:fontRef idx="minor">
+              <a:schemeClr val="lt1"/>
+            </a:fontRef>
+          </p:style>
+          <p:txBody>
+            <a:bodyPr rtlCol="0" anchor="ctr"/>
+            <a:lstStyle/>
+            <a:p>
+              <a:pPr algn="ctr"/>
+              <a:r>
+                <a:rPr lang="en-GB" dirty="0"/>
+                <a:t>+</a:t>
+              </a:r>
+            </a:p>
+          </p:txBody>
+        </p:sp>
+        <p:cxnSp>
+          <p:nvCxnSpPr>
+            <p:cNvPr id="175" name="Gerade Verbindung 174">
+              <a:extLst>
+                <a:ext uri="{FF2B5EF4-FFF2-40B4-BE49-F238E27FC236}">
+                  <a16:creationId xmlns:a16="http://schemas.microsoft.com/office/drawing/2014/main" id="{D765BB83-FFFA-98CF-3D13-76643FEF1E60}"/>
+                </a:ext>
+              </a:extLst>
+            </p:cNvPr>
+            <p:cNvCxnSpPr>
+              <a:stCxn id="174" idx="0"/>
+              <a:endCxn id="174" idx="4"/>
+            </p:cNvCxnSpPr>
+            <p:nvPr/>
+          </p:nvCxnSpPr>
+          <p:spPr>
+            <a:xfrm>
+              <a:off x="11333331" y="15197400"/>
+              <a:ext cx="0" cy="180000"/>
+            </a:xfrm>
+            <a:prstGeom prst="line">
+              <a:avLst/>
+            </a:prstGeom>
+            <a:ln>
+              <a:solidFill>
+                <a:schemeClr val="accent1"/>
+              </a:solidFill>
+            </a:ln>
+          </p:spPr>
+          <p:style>
+            <a:lnRef idx="2">
+              <a:schemeClr val="accent1"/>
+            </a:lnRef>
+            <a:fillRef idx="0">
+              <a:schemeClr val="accent1"/>
+            </a:fillRef>
+            <a:effectRef idx="1">
+              <a:schemeClr val="accent1"/>
+            </a:effectRef>
+            <a:fontRef idx="minor">
+              <a:schemeClr val="tx1"/>
+            </a:fontRef>
+          </p:style>
+        </p:cxnSp>
+        <p:cxnSp>
+          <p:nvCxnSpPr>
+            <p:cNvPr id="176" name="Gerade Verbindung 175">
+              <a:extLst>
+                <a:ext uri="{FF2B5EF4-FFF2-40B4-BE49-F238E27FC236}">
+                  <a16:creationId xmlns:a16="http://schemas.microsoft.com/office/drawing/2014/main" id="{057B4FD8-D47F-BB9F-EE5D-5C6DE6C826FF}"/>
+                </a:ext>
+              </a:extLst>
+            </p:cNvPr>
+            <p:cNvCxnSpPr>
+              <a:stCxn id="174" idx="2"/>
+              <a:endCxn id="174" idx="6"/>
+            </p:cNvCxnSpPr>
+            <p:nvPr/>
+          </p:nvCxnSpPr>
+          <p:spPr>
+            <a:xfrm>
+              <a:off x="11243331" y="15287400"/>
+              <a:ext cx="180000" cy="0"/>
+            </a:xfrm>
+            <a:prstGeom prst="line">
+              <a:avLst/>
+            </a:prstGeom>
+            <a:ln>
+              <a:solidFill>
+                <a:schemeClr val="accent1"/>
+              </a:solidFill>
+            </a:ln>
+          </p:spPr>
+          <p:style>
+            <a:lnRef idx="2">
+              <a:schemeClr val="accent1"/>
+            </a:lnRef>
+            <a:fillRef idx="0">
+              <a:schemeClr val="accent1"/>
+            </a:fillRef>
+            <a:effectRef idx="1">
+              <a:schemeClr val="accent1"/>
+            </a:effectRef>
+            <a:fontRef idx="minor">
+              <a:schemeClr val="tx1"/>
+            </a:fontRef>
+          </p:style>
+        </p:cxnSp>
+        <p:cxnSp>
+          <p:nvCxnSpPr>
+            <p:cNvPr id="179" name="Gerade Verbindung mit Pfeil 178">
+              <a:extLst>
+                <a:ext uri="{FF2B5EF4-FFF2-40B4-BE49-F238E27FC236}">
+                  <a16:creationId xmlns:a16="http://schemas.microsoft.com/office/drawing/2014/main" id="{0C22B242-6777-0169-22F6-CA53CE030109}"/>
+                </a:ext>
+              </a:extLst>
+            </p:cNvPr>
+            <p:cNvCxnSpPr>
+              <a:endCxn id="174" idx="0"/>
+            </p:cNvCxnSpPr>
+            <p:nvPr/>
+          </p:nvCxnSpPr>
+          <p:spPr>
+            <a:xfrm>
+              <a:off x="11333331" y="14828400"/>
+              <a:ext cx="0" cy="369000"/>
+            </a:xfrm>
+            <a:prstGeom prst="straightConnector1">
+              <a:avLst/>
+            </a:prstGeom>
+            <a:ln>
+              <a:tailEnd type="triangle"/>
+            </a:ln>
+          </p:spPr>
+          <p:style>
+            <a:lnRef idx="2">
+              <a:schemeClr val="accent1"/>
+            </a:lnRef>
+            <a:fillRef idx="0">
+              <a:schemeClr val="accent1"/>
+            </a:fillRef>
+            <a:effectRef idx="1">
+              <a:schemeClr val="accent1"/>
+            </a:effectRef>
+            <a:fontRef idx="minor">
+              <a:schemeClr val="tx1"/>
+            </a:fontRef>
+          </p:style>
+        </p:cxnSp>
+        <p:cxnSp>
+          <p:nvCxnSpPr>
+            <p:cNvPr id="181" name="Gerade Verbindung mit Pfeil 180">
+              <a:extLst>
+                <a:ext uri="{FF2B5EF4-FFF2-40B4-BE49-F238E27FC236}">
+                  <a16:creationId xmlns:a16="http://schemas.microsoft.com/office/drawing/2014/main" id="{8ED9FD85-9D9B-7FDD-11BC-03F4B356D612}"/>
+                </a:ext>
+              </a:extLst>
+            </p:cNvPr>
+            <p:cNvCxnSpPr>
+              <a:endCxn id="174" idx="4"/>
+            </p:cNvCxnSpPr>
+            <p:nvPr/>
+          </p:nvCxnSpPr>
+          <p:spPr>
+            <a:xfrm flipV="1">
+              <a:off x="11333331" y="15377400"/>
+              <a:ext cx="0" cy="369000"/>
+            </a:xfrm>
+            <a:prstGeom prst="straightConnector1">
+              <a:avLst/>
+            </a:prstGeom>
+            <a:ln>
+              <a:solidFill>
+                <a:schemeClr val="accent1"/>
+              </a:solidFill>
+              <a:tailEnd type="triangle"/>
+            </a:ln>
+          </p:spPr>
+          <p:style>
+            <a:lnRef idx="2">
+              <a:schemeClr val="accent1"/>
+            </a:lnRef>
+            <a:fillRef idx="0">
+              <a:schemeClr val="accent1"/>
+            </a:fillRef>
+            <a:effectRef idx="1">
+              <a:schemeClr val="accent1"/>
+            </a:effectRef>
+            <a:fontRef idx="minor">
+              <a:schemeClr val="tx1"/>
+            </a:fontRef>
+          </p:style>
+        </p:cxnSp>
+        <p:cxnSp>
+          <p:nvCxnSpPr>
+            <p:cNvPr id="183" name="Gerade Verbindung mit Pfeil 182">
+              <a:extLst>
+                <a:ext uri="{FF2B5EF4-FFF2-40B4-BE49-F238E27FC236}">
+                  <a16:creationId xmlns:a16="http://schemas.microsoft.com/office/drawing/2014/main" id="{C7F422BD-8A50-D65B-4146-75AB29D132C6}"/>
+                </a:ext>
+              </a:extLst>
+            </p:cNvPr>
+            <p:cNvCxnSpPr>
+              <a:stCxn id="174" idx="6"/>
+            </p:cNvCxnSpPr>
+            <p:nvPr/>
+          </p:nvCxnSpPr>
+          <p:spPr>
+            <a:xfrm>
+              <a:off x="11423330" y="15287400"/>
+              <a:ext cx="360000" cy="0"/>
+            </a:xfrm>
+            <a:prstGeom prst="straightConnector1">
+              <a:avLst/>
+            </a:prstGeom>
+            <a:ln>
+              <a:tailEnd type="triangle"/>
+            </a:ln>
+          </p:spPr>
+          <p:style>
+            <a:lnRef idx="2">
+              <a:schemeClr val="accent1"/>
+            </a:lnRef>
+            <a:fillRef idx="0">
+              <a:schemeClr val="accent1"/>
+            </a:fillRef>
+            <a:effectRef idx="1">
+              <a:schemeClr val="accent1"/>
+            </a:effectRef>
+            <a:fontRef idx="minor">
+              <a:schemeClr val="tx1"/>
+            </a:fontRef>
+          </p:style>
+        </p:cxnSp>
+        <p:cxnSp>
+          <p:nvCxnSpPr>
+            <p:cNvPr id="184" name="Gerade Verbindung mit Pfeil 183">
+              <a:extLst>
+                <a:ext uri="{FF2B5EF4-FFF2-40B4-BE49-F238E27FC236}">
+                  <a16:creationId xmlns:a16="http://schemas.microsoft.com/office/drawing/2014/main" id="{1E359D9E-2DFC-7A51-2933-A8B6CEC27C81}"/>
+                </a:ext>
+              </a:extLst>
+            </p:cNvPr>
+            <p:cNvCxnSpPr>
+              <a:cxnSpLocks/>
+            </p:cNvCxnSpPr>
+            <p:nvPr/>
+          </p:nvCxnSpPr>
+          <p:spPr>
+            <a:xfrm>
+              <a:off x="11821689" y="13039200"/>
+              <a:ext cx="0" cy="842400"/>
+            </a:xfrm>
+            <a:prstGeom prst="straightConnector1">
+              <a:avLst/>
+            </a:prstGeom>
+            <a:ln>
+              <a:solidFill>
+                <a:schemeClr val="bg2">
+                  <a:lumMod val="75000"/>
+                </a:schemeClr>
+              </a:solidFill>
+              <a:prstDash val="dash"/>
+              <a:tailEnd type="triangle"/>
+            </a:ln>
+          </p:spPr>
+          <p:style>
+            <a:lnRef idx="2">
+              <a:schemeClr val="accent1"/>
+            </a:lnRef>
+            <a:fillRef idx="0">
+              <a:schemeClr val="accent1"/>
+            </a:fillRef>
+            <a:effectRef idx="1">
+              <a:schemeClr val="accent1"/>
+            </a:effectRef>
+            <a:fontRef idx="minor">
+              <a:schemeClr val="tx1"/>
+            </a:fontRef>
+          </p:style>
+        </p:cxnSp>
+        <p:cxnSp>
+          <p:nvCxnSpPr>
+            <p:cNvPr id="185" name="Gerade Verbindung mit Pfeil 184">
+              <a:extLst>
+                <a:ext uri="{FF2B5EF4-FFF2-40B4-BE49-F238E27FC236}">
+                  <a16:creationId xmlns:a16="http://schemas.microsoft.com/office/drawing/2014/main" id="{ABFA77C8-A5D7-A56B-180C-E56DA51240BF}"/>
+                </a:ext>
+              </a:extLst>
+            </p:cNvPr>
+            <p:cNvCxnSpPr>
+              <a:cxnSpLocks/>
+            </p:cNvCxnSpPr>
+            <p:nvPr/>
+          </p:nvCxnSpPr>
+          <p:spPr>
+            <a:xfrm>
+              <a:off x="12107195" y="5490000"/>
+              <a:ext cx="0" cy="8391600"/>
+            </a:xfrm>
+            <a:prstGeom prst="straightConnector1">
+              <a:avLst/>
+            </a:prstGeom>
+            <a:ln>
+              <a:solidFill>
+                <a:schemeClr val="bg2">
+                  <a:lumMod val="75000"/>
+                </a:schemeClr>
+              </a:solidFill>
+              <a:prstDash val="sysDash"/>
+              <a:tailEnd type="triangle"/>
+            </a:ln>
+          </p:spPr>
+          <p:style>
+            <a:lnRef idx="2">
+              <a:schemeClr val="accent1"/>
+            </a:lnRef>
+            <a:fillRef idx="0">
+              <a:schemeClr val="accent1"/>
+            </a:fillRef>
+            <a:effectRef idx="1">
+              <a:schemeClr val="accent1"/>
+            </a:effectRef>
+            <a:fontRef idx="minor">
+              <a:schemeClr val="tx1"/>
+            </a:fontRef>
+          </p:style>
+        </p:cxnSp>
+        <p:cxnSp>
+          <p:nvCxnSpPr>
+            <p:cNvPr id="187" name="Gerade Verbindung mit Pfeil 186">
+              <a:extLst>
+                <a:ext uri="{FF2B5EF4-FFF2-40B4-BE49-F238E27FC236}">
+                  <a16:creationId xmlns:a16="http://schemas.microsoft.com/office/drawing/2014/main" id="{66DB324F-8A9A-AA5C-213D-D00B57A85518}"/>
+                </a:ext>
+              </a:extLst>
+            </p:cNvPr>
+            <p:cNvCxnSpPr>
+              <a:stCxn id="117" idx="2"/>
+            </p:cNvCxnSpPr>
+            <p:nvPr/>
+          </p:nvCxnSpPr>
+          <p:spPr>
+            <a:xfrm flipV="1">
+              <a:off x="12148944" y="15287401"/>
+              <a:ext cx="360000" cy="3703"/>
+            </a:xfrm>
+            <a:prstGeom prst="straightConnector1">
+              <a:avLst/>
+            </a:prstGeom>
+            <a:ln>
+              <a:tailEnd type="triangle"/>
+            </a:ln>
+          </p:spPr>
+          <p:style>
+            <a:lnRef idx="2">
+              <a:schemeClr val="accent1"/>
+            </a:lnRef>
+            <a:fillRef idx="0">
+              <a:schemeClr val="accent1"/>
+            </a:fillRef>
+            <a:effectRef idx="1">
+              <a:schemeClr val="accent1"/>
+            </a:effectRef>
+            <a:fontRef idx="minor">
+              <a:schemeClr val="tx1"/>
+            </a:fontRef>
+          </p:style>
+        </p:cxnSp>
+        <p:sp>
+          <p:nvSpPr>
+            <p:cNvPr id="188" name="Textfeld 187">
+              <a:extLst>
+                <a:ext uri="{FF2B5EF4-FFF2-40B4-BE49-F238E27FC236}">
+                  <a16:creationId xmlns:a16="http://schemas.microsoft.com/office/drawing/2014/main" id="{B70167AF-04AA-9488-DE25-A9BFF94F4FB8}"/>
+                </a:ext>
+              </a:extLst>
+            </p:cNvPr>
+            <p:cNvSpPr txBox="1"/>
+            <p:nvPr/>
+          </p:nvSpPr>
+          <p:spPr>
+            <a:xfrm>
+              <a:off x="12516609" y="15051424"/>
+              <a:ext cx="381836" cy="369332"/>
+            </a:xfrm>
+            <a:prstGeom prst="rect">
+              <a:avLst/>
+            </a:prstGeom>
+            <a:noFill/>
+          </p:spPr>
+          <p:txBody>
+            <a:bodyPr wrap="none" rtlCol="0">
+              <a:spAutoFit/>
+            </a:bodyPr>
+            <a:lstStyle/>
+            <a:p>
+              <a:r>
+                <a:rPr lang="en-GB" dirty="0"/>
+                <a:t>…</a:t>
+              </a:r>
+            </a:p>
+          </p:txBody>
+        </p:sp>
+        <p:cxnSp>
+          <p:nvCxnSpPr>
+            <p:cNvPr id="189" name="Gerade Verbindung mit Pfeil 188">
+              <a:extLst>
+                <a:ext uri="{FF2B5EF4-FFF2-40B4-BE49-F238E27FC236}">
+                  <a16:creationId xmlns:a16="http://schemas.microsoft.com/office/drawing/2014/main" id="{8B11F037-1C13-16A9-DA0E-EA4CFFB9AFCC}"/>
+                </a:ext>
+              </a:extLst>
+            </p:cNvPr>
+            <p:cNvCxnSpPr/>
+            <p:nvPr/>
+          </p:nvCxnSpPr>
+          <p:spPr>
+            <a:xfrm flipV="1">
+              <a:off x="12909339" y="15289201"/>
+              <a:ext cx="360000" cy="3703"/>
+            </a:xfrm>
+            <a:prstGeom prst="straightConnector1">
+              <a:avLst/>
+            </a:prstGeom>
+            <a:ln>
+              <a:tailEnd type="triangle"/>
+            </a:ln>
+          </p:spPr>
+          <p:style>
+            <a:lnRef idx="2">
+              <a:schemeClr val="accent1"/>
+            </a:lnRef>
+            <a:fillRef idx="0">
+              <a:schemeClr val="accent1"/>
+            </a:fillRef>
+            <a:effectRef idx="1">
+              <a:schemeClr val="accent1"/>
+            </a:effectRef>
+            <a:fontRef idx="minor">
+              <a:schemeClr val="tx1"/>
+            </a:fontRef>
+          </p:style>
+        </p:cxnSp>
+        <p:sp>
+          <p:nvSpPr>
+            <p:cNvPr id="190" name="Rechteck 189">
+              <a:extLst>
+                <a:ext uri="{FF2B5EF4-FFF2-40B4-BE49-F238E27FC236}">
+                  <a16:creationId xmlns:a16="http://schemas.microsoft.com/office/drawing/2014/main" id="{3678FD00-76A0-941B-D53D-CDBC0E3223E3}"/>
+                </a:ext>
+              </a:extLst>
+            </p:cNvPr>
+            <p:cNvSpPr/>
+            <p:nvPr/>
+          </p:nvSpPr>
+          <p:spPr>
+            <a:xfrm rot="16200000">
+              <a:off x="12051307" y="15111003"/>
+              <a:ext cx="2822400" cy="370800"/>
+            </a:xfrm>
+            <a:prstGeom prst="rect">
+              <a:avLst/>
+            </a:prstGeom>
+            <a:solidFill>
+              <a:srgbClr val="E3C893">
+                <a:alpha val="42000"/>
+              </a:srgbClr>
+            </a:solidFill>
+            <a:ln>
+              <a:solidFill>
+                <a:srgbClr val="FFC000"/>
+              </a:solidFill>
+            </a:ln>
+          </p:spPr>
+          <p:style>
+            <a:lnRef idx="2">
+              <a:schemeClr val="accent1">
+                <a:shade val="15000"/>
+              </a:schemeClr>
+            </a:lnRef>
+            <a:fillRef idx="1">
+              <a:schemeClr val="accent1"/>
+            </a:fillRef>
+            <a:effectRef idx="0">
+              <a:schemeClr val="accent1"/>
+            </a:effectRef>
+            <a:fontRef idx="minor">
+              <a:schemeClr val="lt1"/>
+            </a:fontRef>
+          </p:style>
+          <p:txBody>
+            <a:bodyPr rtlCol="0" anchor="ctr"/>
+            <a:lstStyle/>
+            <a:p>
+              <a:pPr algn="ctr"/>
+              <a:r>
+                <a:rPr lang="en-GB" dirty="0">
+                  <a:solidFill>
+                    <a:schemeClr val="tx1"/>
+                  </a:solidFill>
+                </a:rPr>
+                <a:t>Single Stream Block 38</a:t>
+              </a:r>
+            </a:p>
+          </p:txBody>
+        </p:sp>
+        <p:cxnSp>
+          <p:nvCxnSpPr>
+            <p:cNvPr id="191" name="Gerade Verbindung mit Pfeil 190">
+              <a:extLst>
+                <a:ext uri="{FF2B5EF4-FFF2-40B4-BE49-F238E27FC236}">
+                  <a16:creationId xmlns:a16="http://schemas.microsoft.com/office/drawing/2014/main" id="{B8E9814D-DB2D-7EC3-DB46-B0283A52DDD5}"/>
+                </a:ext>
+              </a:extLst>
+            </p:cNvPr>
+            <p:cNvCxnSpPr>
+              <a:cxnSpLocks/>
+            </p:cNvCxnSpPr>
+            <p:nvPr/>
+          </p:nvCxnSpPr>
+          <p:spPr>
+            <a:xfrm>
+              <a:off x="13320652" y="13044500"/>
+              <a:ext cx="0" cy="842400"/>
+            </a:xfrm>
+            <a:prstGeom prst="straightConnector1">
+              <a:avLst/>
+            </a:prstGeom>
+            <a:ln>
+              <a:solidFill>
+                <a:schemeClr val="bg2">
+                  <a:lumMod val="75000"/>
+                </a:schemeClr>
+              </a:solidFill>
+              <a:prstDash val="dash"/>
+              <a:tailEnd type="triangle"/>
+            </a:ln>
+          </p:spPr>
+          <p:style>
+            <a:lnRef idx="2">
+              <a:schemeClr val="accent1"/>
+            </a:lnRef>
+            <a:fillRef idx="0">
+              <a:schemeClr val="accent1"/>
+            </a:fillRef>
+            <a:effectRef idx="1">
+              <a:schemeClr val="accent1"/>
+            </a:effectRef>
+            <a:fontRef idx="minor">
+              <a:schemeClr val="tx1"/>
+            </a:fontRef>
+          </p:style>
+        </p:cxnSp>
+        <p:cxnSp>
+          <p:nvCxnSpPr>
+            <p:cNvPr id="192" name="Gerade Verbindung mit Pfeil 191">
+              <a:extLst>
+                <a:ext uri="{FF2B5EF4-FFF2-40B4-BE49-F238E27FC236}">
+                  <a16:creationId xmlns:a16="http://schemas.microsoft.com/office/drawing/2014/main" id="{5DA524FC-8CE7-516A-8F04-3E8D317521A0}"/>
+                </a:ext>
+              </a:extLst>
+            </p:cNvPr>
+            <p:cNvCxnSpPr>
+              <a:cxnSpLocks/>
+            </p:cNvCxnSpPr>
+            <p:nvPr/>
+          </p:nvCxnSpPr>
+          <p:spPr>
+            <a:xfrm>
+              <a:off x="13606158" y="5495300"/>
+              <a:ext cx="0" cy="8391600"/>
+            </a:xfrm>
+            <a:prstGeom prst="straightConnector1">
+              <a:avLst/>
+            </a:prstGeom>
+            <a:ln>
+              <a:solidFill>
+                <a:schemeClr val="bg2">
+                  <a:lumMod val="75000"/>
+                </a:schemeClr>
+              </a:solidFill>
+              <a:prstDash val="sysDash"/>
+              <a:tailEnd type="triangle"/>
+            </a:ln>
+          </p:spPr>
+          <p:style>
+            <a:lnRef idx="2">
+              <a:schemeClr val="accent1"/>
+            </a:lnRef>
+            <a:fillRef idx="0">
+              <a:schemeClr val="accent1"/>
+            </a:fillRef>
+            <a:effectRef idx="1">
+              <a:schemeClr val="accent1"/>
+            </a:effectRef>
+            <a:fontRef idx="minor">
+              <a:schemeClr val="tx1"/>
+            </a:fontRef>
+          </p:style>
+        </p:cxnSp>
+        <p:cxnSp>
+          <p:nvCxnSpPr>
+            <p:cNvPr id="194" name="Gerade Verbindung mit Pfeil 193">
+              <a:extLst>
+                <a:ext uri="{FF2B5EF4-FFF2-40B4-BE49-F238E27FC236}">
+                  <a16:creationId xmlns:a16="http://schemas.microsoft.com/office/drawing/2014/main" id="{B5CB844F-AAF1-006F-1969-089EE8EB7CD5}"/>
+                </a:ext>
+              </a:extLst>
+            </p:cNvPr>
+            <p:cNvCxnSpPr>
+              <a:cxnSpLocks/>
+              <a:stCxn id="190" idx="2"/>
+            </p:cNvCxnSpPr>
+            <p:nvPr/>
+          </p:nvCxnSpPr>
+          <p:spPr>
+            <a:xfrm>
+              <a:off x="13647907" y="15296403"/>
+              <a:ext cx="360000" cy="0"/>
+            </a:xfrm>
+            <a:prstGeom prst="straightConnector1">
+              <a:avLst/>
+            </a:prstGeom>
+            <a:ln>
+              <a:tailEnd type="triangle"/>
+            </a:ln>
+          </p:spPr>
+          <p:style>
+            <a:lnRef idx="2">
+              <a:schemeClr val="accent1"/>
+            </a:lnRef>
+            <a:fillRef idx="0">
+              <a:schemeClr val="accent1"/>
+            </a:fillRef>
+            <a:effectRef idx="1">
+              <a:schemeClr val="accent1"/>
+            </a:effectRef>
+            <a:fontRef idx="minor">
+              <a:schemeClr val="tx1"/>
+            </a:fontRef>
+          </p:style>
+        </p:cxnSp>
+        <p:sp>
+          <p:nvSpPr>
+            <p:cNvPr id="196" name="Rechteck 195">
+              <a:extLst>
+                <a:ext uri="{FF2B5EF4-FFF2-40B4-BE49-F238E27FC236}">
+                  <a16:creationId xmlns:a16="http://schemas.microsoft.com/office/drawing/2014/main" id="{81DD8002-8E5D-D553-8375-56EE3E8937AD}"/>
+                </a:ext>
+              </a:extLst>
+            </p:cNvPr>
+            <p:cNvSpPr/>
+            <p:nvPr/>
+          </p:nvSpPr>
+          <p:spPr>
+            <a:xfrm rot="16200000">
+              <a:off x="13818008" y="15101999"/>
+              <a:ext cx="759227" cy="370800"/>
+            </a:xfrm>
+            <a:prstGeom prst="rect">
+              <a:avLst/>
+            </a:prstGeom>
+            <a:solidFill>
+              <a:schemeClr val="bg2">
+                <a:lumMod val="90000"/>
+                <a:alpha val="80000"/>
+              </a:schemeClr>
+            </a:solidFill>
+            <a:ln>
+              <a:solidFill>
+                <a:schemeClr val="bg2">
+                  <a:lumMod val="90000"/>
+                </a:schemeClr>
+              </a:solidFill>
+            </a:ln>
+          </p:spPr>
+          <p:style>
+            <a:lnRef idx="2">
+              <a:schemeClr val="accent1">
+                <a:shade val="15000"/>
+              </a:schemeClr>
+            </a:lnRef>
+            <a:fillRef idx="1">
+              <a:schemeClr val="accent1"/>
+            </a:fillRef>
+            <a:effectRef idx="0">
+              <a:schemeClr val="accent1"/>
+            </a:effectRef>
+            <a:fontRef idx="minor">
+              <a:schemeClr val="lt1"/>
+            </a:fontRef>
+          </p:style>
+          <p:txBody>
+            <a:bodyPr rtlCol="0" anchor="ctr"/>
+            <a:lstStyle/>
+            <a:p>
+              <a:pPr algn="ctr"/>
+              <a:r>
+                <a:rPr lang="en-GB" dirty="0">
+                  <a:solidFill>
+                    <a:schemeClr val="tx1"/>
+                  </a:solidFill>
+                </a:rPr>
+                <a:t>Split</a:t>
+              </a:r>
+              <a:r>
+                <a:rPr lang="en-GB" dirty="0"/>
+                <a:t> </a:t>
+              </a:r>
+            </a:p>
+          </p:txBody>
+        </p:sp>
+        <p:cxnSp>
+          <p:nvCxnSpPr>
+            <p:cNvPr id="198" name="Gerade Verbindung mit Pfeil 197">
+              <a:extLst>
+                <a:ext uri="{FF2B5EF4-FFF2-40B4-BE49-F238E27FC236}">
+                  <a16:creationId xmlns:a16="http://schemas.microsoft.com/office/drawing/2014/main" id="{ADDD36E4-C123-FD07-7312-D8F22180EFAA}"/>
+                </a:ext>
+              </a:extLst>
+            </p:cNvPr>
+            <p:cNvCxnSpPr>
+              <a:cxnSpLocks/>
+              <a:stCxn id="196" idx="2"/>
+              <a:endCxn id="202" idx="0"/>
+            </p:cNvCxnSpPr>
+            <p:nvPr/>
+          </p:nvCxnSpPr>
+          <p:spPr>
+            <a:xfrm>
+              <a:off x="14383022" y="15287399"/>
+              <a:ext cx="393048" cy="831705"/>
+            </a:xfrm>
+            <a:prstGeom prst="straightConnector1">
+              <a:avLst/>
+            </a:prstGeom>
+            <a:ln>
+              <a:tailEnd type="triangle"/>
+            </a:ln>
+          </p:spPr>
+          <p:style>
+            <a:lnRef idx="2">
+              <a:schemeClr val="accent1"/>
+            </a:lnRef>
+            <a:fillRef idx="0">
+              <a:schemeClr val="accent1"/>
+            </a:fillRef>
+            <a:effectRef idx="1">
+              <a:schemeClr val="accent1"/>
+            </a:effectRef>
+            <a:fontRef idx="minor">
+              <a:schemeClr val="tx1"/>
+            </a:fontRef>
+          </p:style>
+        </p:cxnSp>
+        <p:cxnSp>
+          <p:nvCxnSpPr>
+            <p:cNvPr id="200" name="Gerade Verbindung mit Pfeil 199">
+              <a:extLst>
+                <a:ext uri="{FF2B5EF4-FFF2-40B4-BE49-F238E27FC236}">
+                  <a16:creationId xmlns:a16="http://schemas.microsoft.com/office/drawing/2014/main" id="{DC509D5A-80F6-74A9-6EFB-1431BD6ECDF0}"/>
+                </a:ext>
+              </a:extLst>
+            </p:cNvPr>
+            <p:cNvCxnSpPr>
+              <a:cxnSpLocks/>
+              <a:stCxn id="196" idx="2"/>
+              <a:endCxn id="201" idx="0"/>
+            </p:cNvCxnSpPr>
+            <p:nvPr/>
+          </p:nvCxnSpPr>
+          <p:spPr>
+            <a:xfrm flipV="1">
+              <a:off x="14383022" y="14463103"/>
+              <a:ext cx="393048" cy="824296"/>
+            </a:xfrm>
+            <a:prstGeom prst="straightConnector1">
+              <a:avLst/>
+            </a:prstGeom>
+            <a:ln>
+              <a:tailEnd type="triangle"/>
+            </a:ln>
+          </p:spPr>
+          <p:style>
+            <a:lnRef idx="2">
+              <a:schemeClr val="accent1"/>
+            </a:lnRef>
+            <a:fillRef idx="0">
+              <a:schemeClr val="accent1"/>
+            </a:fillRef>
+            <a:effectRef idx="1">
+              <a:schemeClr val="accent1"/>
+            </a:effectRef>
+            <a:fontRef idx="minor">
+              <a:schemeClr val="tx1"/>
+            </a:fontRef>
+          </p:style>
+        </p:cxnSp>
+        <p:sp>
+          <p:nvSpPr>
+            <p:cNvPr id="201" name="Rechteck 200">
+              <a:extLst>
+                <a:ext uri="{FF2B5EF4-FFF2-40B4-BE49-F238E27FC236}">
+                  <a16:creationId xmlns:a16="http://schemas.microsoft.com/office/drawing/2014/main" id="{0421DE36-D5DA-08AE-82DE-63FB16F46EF0}"/>
+                </a:ext>
+              </a:extLst>
+            </p:cNvPr>
+            <p:cNvSpPr/>
+            <p:nvPr/>
+          </p:nvSpPr>
+          <p:spPr>
+            <a:xfrm rot="16200000">
+              <a:off x="14378270" y="14277703"/>
+              <a:ext cx="1166400" cy="370800"/>
+            </a:xfrm>
+            <a:prstGeom prst="rect">
+              <a:avLst/>
+            </a:prstGeom>
+            <a:solidFill>
+              <a:schemeClr val="bg2">
+                <a:lumMod val="90000"/>
+                <a:alpha val="80000"/>
+              </a:schemeClr>
+            </a:solidFill>
+            <a:ln>
+              <a:solidFill>
+                <a:schemeClr val="bg2">
+                  <a:lumMod val="90000"/>
+                </a:schemeClr>
+              </a:solidFill>
+            </a:ln>
+          </p:spPr>
+          <p:style>
+            <a:lnRef idx="2">
+              <a:schemeClr val="accent1">
+                <a:shade val="15000"/>
+              </a:schemeClr>
+            </a:lnRef>
+            <a:fillRef idx="1">
+              <a:schemeClr val="accent1"/>
+            </a:fillRef>
+            <a:effectRef idx="0">
+              <a:schemeClr val="accent1"/>
+            </a:effectRef>
+            <a:fontRef idx="minor">
+              <a:schemeClr val="lt1"/>
+            </a:fontRef>
+          </p:style>
+          <p:txBody>
+            <a:bodyPr rtlCol="0" anchor="ctr"/>
+            <a:lstStyle/>
+            <a:p>
+              <a:pPr algn="ctr"/>
+              <a:r>
+                <a:rPr lang="en-GB" dirty="0" err="1">
+                  <a:solidFill>
+                    <a:schemeClr val="tx1"/>
+                  </a:solidFill>
+                </a:rPr>
+                <a:t>Txt_Feat</a:t>
+              </a:r>
+              <a:endParaRPr lang="en-GB" dirty="0">
+                <a:solidFill>
+                  <a:schemeClr val="tx1"/>
+                </a:solidFill>
+              </a:endParaRPr>
+            </a:p>
+          </p:txBody>
+        </p:sp>
+        <p:sp>
+          <p:nvSpPr>
+            <p:cNvPr id="202" name="Rechteck 201">
+              <a:extLst>
+                <a:ext uri="{FF2B5EF4-FFF2-40B4-BE49-F238E27FC236}">
+                  <a16:creationId xmlns:a16="http://schemas.microsoft.com/office/drawing/2014/main" id="{E2A33537-93B8-980C-15E9-2B51BE0ACA03}"/>
+                </a:ext>
+              </a:extLst>
+            </p:cNvPr>
+            <p:cNvSpPr/>
+            <p:nvPr/>
+          </p:nvSpPr>
+          <p:spPr>
+            <a:xfrm rot="16200000">
+              <a:off x="14378270" y="15933704"/>
+              <a:ext cx="1166400" cy="370800"/>
+            </a:xfrm>
+            <a:prstGeom prst="rect">
+              <a:avLst/>
+            </a:prstGeom>
+            <a:solidFill>
+              <a:schemeClr val="bg2">
+                <a:lumMod val="90000"/>
+                <a:alpha val="80000"/>
+              </a:schemeClr>
+            </a:solidFill>
+            <a:ln>
+              <a:solidFill>
+                <a:schemeClr val="bg2">
+                  <a:lumMod val="90000"/>
+                </a:schemeClr>
+              </a:solidFill>
+            </a:ln>
+          </p:spPr>
+          <p:style>
+            <a:lnRef idx="2">
+              <a:schemeClr val="accent1">
+                <a:shade val="15000"/>
+              </a:schemeClr>
+            </a:lnRef>
+            <a:fillRef idx="1">
+              <a:schemeClr val="accent1"/>
+            </a:fillRef>
+            <a:effectRef idx="0">
+              <a:schemeClr val="accent1"/>
+            </a:effectRef>
+            <a:fontRef idx="minor">
+              <a:schemeClr val="lt1"/>
+            </a:fontRef>
+          </p:style>
+          <p:txBody>
+            <a:bodyPr rtlCol="0" anchor="ctr"/>
+            <a:lstStyle/>
+            <a:p>
+              <a:pPr algn="ctr"/>
+              <a:r>
+                <a:rPr lang="en-GB" dirty="0" err="1">
+                  <a:solidFill>
+                    <a:schemeClr val="tx1"/>
+                  </a:solidFill>
+                </a:rPr>
+                <a:t>Img_Feat</a:t>
+              </a:r>
+              <a:endParaRPr lang="en-GB" dirty="0">
+                <a:solidFill>
+                  <a:schemeClr val="tx1"/>
+                </a:solidFill>
+              </a:endParaRPr>
+            </a:p>
+          </p:txBody>
+        </p:sp>
+        <p:cxnSp>
+          <p:nvCxnSpPr>
+            <p:cNvPr id="209" name="Gerade Verbindung mit Pfeil 208">
+              <a:extLst>
+                <a:ext uri="{FF2B5EF4-FFF2-40B4-BE49-F238E27FC236}">
+                  <a16:creationId xmlns:a16="http://schemas.microsoft.com/office/drawing/2014/main" id="{24FA5C72-2318-A5B6-A3EB-E4B78E4D380B}"/>
+                </a:ext>
+              </a:extLst>
+            </p:cNvPr>
+            <p:cNvCxnSpPr>
+              <a:cxnSpLocks/>
+            </p:cNvCxnSpPr>
+            <p:nvPr/>
+          </p:nvCxnSpPr>
+          <p:spPr>
+            <a:xfrm>
+              <a:off x="15146870" y="16146060"/>
+              <a:ext cx="360000" cy="0"/>
+            </a:xfrm>
+            <a:prstGeom prst="straightConnector1">
+              <a:avLst/>
+            </a:prstGeom>
+            <a:ln>
+              <a:tailEnd type="triangle"/>
+            </a:ln>
+          </p:spPr>
+          <p:style>
+            <a:lnRef idx="2">
+              <a:schemeClr val="accent1"/>
+            </a:lnRef>
+            <a:fillRef idx="0">
+              <a:schemeClr val="accent1"/>
+            </a:fillRef>
+            <a:effectRef idx="1">
+              <a:schemeClr val="accent1"/>
+            </a:effectRef>
+            <a:fontRef idx="minor">
+              <a:schemeClr val="tx1"/>
+            </a:fontRef>
+          </p:style>
+        </p:cxnSp>
+        <p:sp>
+          <p:nvSpPr>
+            <p:cNvPr id="212" name="Rechteck 211">
+              <a:extLst>
+                <a:ext uri="{FF2B5EF4-FFF2-40B4-BE49-F238E27FC236}">
+                  <a16:creationId xmlns:a16="http://schemas.microsoft.com/office/drawing/2014/main" id="{795DF1B0-8E75-6285-E74A-3D3915165F8E}"/>
+                </a:ext>
+              </a:extLst>
+            </p:cNvPr>
+            <p:cNvSpPr/>
+            <p:nvPr/>
+          </p:nvSpPr>
+          <p:spPr>
+            <a:xfrm rot="16200000">
+              <a:off x="14613457" y="15963009"/>
+              <a:ext cx="2160000" cy="370800"/>
+            </a:xfrm>
+            <a:prstGeom prst="rect">
+              <a:avLst/>
+            </a:prstGeom>
+            <a:solidFill>
+              <a:schemeClr val="tx2">
+                <a:lumMod val="10000"/>
+                <a:lumOff val="90000"/>
+                <a:alpha val="65000"/>
+              </a:schemeClr>
+            </a:solidFill>
+            <a:ln>
+              <a:solidFill>
+                <a:schemeClr val="accent1"/>
+              </a:solidFill>
+            </a:ln>
+          </p:spPr>
+          <p:style>
+            <a:lnRef idx="2">
+              <a:schemeClr val="accent1">
+                <a:shade val="15000"/>
+              </a:schemeClr>
+            </a:lnRef>
+            <a:fillRef idx="1">
+              <a:schemeClr val="accent1"/>
+            </a:fillRef>
+            <a:effectRef idx="0">
+              <a:schemeClr val="accent1"/>
+            </a:effectRef>
+            <a:fontRef idx="minor">
+              <a:schemeClr val="lt1"/>
+            </a:fontRef>
+          </p:style>
+          <p:txBody>
+            <a:bodyPr rtlCol="0" anchor="ctr"/>
+            <a:lstStyle/>
+            <a:p>
+              <a:pPr algn="ctr"/>
+              <a:r>
+                <a:rPr lang="en-GB" dirty="0">
+                  <a:solidFill>
+                    <a:schemeClr val="tx1"/>
+                  </a:solidFill>
+                </a:rPr>
+                <a:t>Linear Projection</a:t>
+              </a:r>
+            </a:p>
+          </p:txBody>
+        </p:sp>
+        <p:cxnSp>
+          <p:nvCxnSpPr>
+            <p:cNvPr id="218" name="Gerade Verbindung mit Pfeil 217">
+              <a:extLst>
+                <a:ext uri="{FF2B5EF4-FFF2-40B4-BE49-F238E27FC236}">
+                  <a16:creationId xmlns:a16="http://schemas.microsoft.com/office/drawing/2014/main" id="{01022630-D2A3-C609-FCC5-0610942D02BD}"/>
+                </a:ext>
+              </a:extLst>
+            </p:cNvPr>
+            <p:cNvCxnSpPr>
+              <a:cxnSpLocks/>
+            </p:cNvCxnSpPr>
+            <p:nvPr/>
+          </p:nvCxnSpPr>
+          <p:spPr>
+            <a:xfrm>
+              <a:off x="15885849" y="16146060"/>
+              <a:ext cx="360000" cy="0"/>
+            </a:xfrm>
+            <a:prstGeom prst="straightConnector1">
+              <a:avLst/>
+            </a:prstGeom>
+            <a:ln>
+              <a:tailEnd type="triangle"/>
+            </a:ln>
+          </p:spPr>
+          <p:style>
+            <a:lnRef idx="2">
+              <a:schemeClr val="accent1"/>
+            </a:lnRef>
+            <a:fillRef idx="0">
+              <a:schemeClr val="accent1"/>
+            </a:fillRef>
+            <a:effectRef idx="1">
+              <a:schemeClr val="accent1"/>
+            </a:effectRef>
+            <a:fontRef idx="minor">
+              <a:schemeClr val="tx1"/>
+            </a:fontRef>
+          </p:style>
+        </p:cxnSp>
+        <p:sp>
+          <p:nvSpPr>
+            <p:cNvPr id="220" name="Textfeld 219">
+              <a:extLst>
+                <a:ext uri="{FF2B5EF4-FFF2-40B4-BE49-F238E27FC236}">
+                  <a16:creationId xmlns:a16="http://schemas.microsoft.com/office/drawing/2014/main" id="{C866E219-58CB-4A66-56DC-F7876A347873}"/>
+                </a:ext>
+              </a:extLst>
+            </p:cNvPr>
+            <p:cNvSpPr txBox="1"/>
+            <p:nvPr/>
+          </p:nvSpPr>
+          <p:spPr>
+            <a:xfrm>
+              <a:off x="16225455" y="15950878"/>
+              <a:ext cx="1200393" cy="369332"/>
+            </a:xfrm>
+            <a:prstGeom prst="rect">
+              <a:avLst/>
+            </a:prstGeom>
+            <a:noFill/>
+          </p:spPr>
+          <p:txBody>
+            <a:bodyPr wrap="none" rtlCol="0">
+              <a:spAutoFit/>
+            </a:bodyPr>
+            <a:lstStyle/>
+            <a:p>
+              <a:r>
+                <a:rPr lang="en-GB" dirty="0"/>
+                <a:t>Prediction</a:t>
+              </a:r>
+            </a:p>
+          </p:txBody>
+        </p:sp>
+        <p:sp>
+          <p:nvSpPr>
+            <p:cNvPr id="221" name="Textfeld 220">
+              <a:extLst>
+                <a:ext uri="{FF2B5EF4-FFF2-40B4-BE49-F238E27FC236}">
+                  <a16:creationId xmlns:a16="http://schemas.microsoft.com/office/drawing/2014/main" id="{850E5593-5804-3C09-A19A-645F50ECB72C}"/>
+                </a:ext>
+              </a:extLst>
+            </p:cNvPr>
+            <p:cNvSpPr txBox="1"/>
+            <p:nvPr/>
+          </p:nvSpPr>
+          <p:spPr>
+            <a:xfrm rot="16200000">
+              <a:off x="5084402" y="7405200"/>
+              <a:ext cx="727200" cy="276999"/>
+            </a:xfrm>
+            <a:prstGeom prst="rect">
+              <a:avLst/>
+            </a:prstGeom>
+            <a:noFill/>
+          </p:spPr>
+          <p:txBody>
+            <a:bodyPr wrap="none" rtlCol="0">
+              <a:spAutoFit/>
+            </a:bodyPr>
+            <a:lstStyle/>
+            <a:p>
+              <a:r>
+                <a:rPr lang="en-GB" sz="1200" dirty="0"/>
+                <a:t>(1,3072)</a:t>
+              </a:r>
+            </a:p>
+          </p:txBody>
+        </p:sp>
+        <p:sp>
+          <p:nvSpPr>
+            <p:cNvPr id="222" name="Textfeld 221">
+              <a:extLst>
+                <a:ext uri="{FF2B5EF4-FFF2-40B4-BE49-F238E27FC236}">
+                  <a16:creationId xmlns:a16="http://schemas.microsoft.com/office/drawing/2014/main" id="{6521F8C3-2E4C-817E-5DA3-EED5942EA89D}"/>
+                </a:ext>
+              </a:extLst>
+            </p:cNvPr>
+            <p:cNvSpPr txBox="1"/>
+            <p:nvPr/>
+          </p:nvSpPr>
+          <p:spPr>
+            <a:xfrm rot="16200000">
+              <a:off x="4388692" y="7405200"/>
+              <a:ext cx="727200" cy="276999"/>
+            </a:xfrm>
+            <a:prstGeom prst="rect">
+              <a:avLst/>
+            </a:prstGeom>
+            <a:noFill/>
+          </p:spPr>
+          <p:txBody>
+            <a:bodyPr wrap="none" rtlCol="0">
+              <a:spAutoFit/>
+            </a:bodyPr>
+            <a:lstStyle/>
+            <a:p>
+              <a:r>
+                <a:rPr lang="en-GB" sz="1200" dirty="0"/>
+                <a:t>(1,768)</a:t>
+              </a:r>
+            </a:p>
+          </p:txBody>
+        </p:sp>
+        <p:sp>
+          <p:nvSpPr>
+            <p:cNvPr id="223" name="Textfeld 222">
+              <a:extLst>
+                <a:ext uri="{FF2B5EF4-FFF2-40B4-BE49-F238E27FC236}">
+                  <a16:creationId xmlns:a16="http://schemas.microsoft.com/office/drawing/2014/main" id="{A4338B6A-4AFF-E361-E1B6-9D798409B6DA}"/>
+                </a:ext>
+              </a:extLst>
+            </p:cNvPr>
+            <p:cNvSpPr txBox="1"/>
+            <p:nvPr/>
+          </p:nvSpPr>
+          <p:spPr>
+            <a:xfrm rot="16200000">
+              <a:off x="3635887" y="5019157"/>
+              <a:ext cx="726481" cy="276999"/>
+            </a:xfrm>
+            <a:prstGeom prst="rect">
+              <a:avLst/>
+            </a:prstGeom>
+            <a:noFill/>
+          </p:spPr>
+          <p:txBody>
+            <a:bodyPr wrap="none" rtlCol="0">
+              <a:spAutoFit/>
+            </a:bodyPr>
+            <a:lstStyle/>
+            <a:p>
+              <a:r>
+                <a:rPr lang="en-GB" sz="1200" dirty="0"/>
+                <a:t>(1,3072)</a:t>
+              </a:r>
+            </a:p>
+          </p:txBody>
+        </p:sp>
+        <p:sp>
+          <p:nvSpPr>
+            <p:cNvPr id="224" name="Textfeld 223">
+              <a:extLst>
+                <a:ext uri="{FF2B5EF4-FFF2-40B4-BE49-F238E27FC236}">
+                  <a16:creationId xmlns:a16="http://schemas.microsoft.com/office/drawing/2014/main" id="{F56ECBB4-FAA0-36C8-2872-BA9706A6E7A9}"/>
+                </a:ext>
+              </a:extLst>
+            </p:cNvPr>
+            <p:cNvSpPr txBox="1"/>
+            <p:nvPr/>
+          </p:nvSpPr>
+          <p:spPr>
+            <a:xfrm rot="16200000">
+              <a:off x="3642209" y="2545690"/>
+              <a:ext cx="726481" cy="276999"/>
+            </a:xfrm>
+            <a:prstGeom prst="rect">
+              <a:avLst/>
+            </a:prstGeom>
+            <a:noFill/>
+          </p:spPr>
+          <p:txBody>
+            <a:bodyPr wrap="none" rtlCol="0">
+              <a:spAutoFit/>
+            </a:bodyPr>
+            <a:lstStyle/>
+            <a:p>
+              <a:r>
+                <a:rPr lang="en-GB" sz="1200" dirty="0"/>
+                <a:t>(1,3072)</a:t>
+              </a:r>
+            </a:p>
+          </p:txBody>
+        </p:sp>
+        <p:sp>
+          <p:nvSpPr>
+            <p:cNvPr id="225" name="Textfeld 224">
+              <a:extLst>
+                <a:ext uri="{FF2B5EF4-FFF2-40B4-BE49-F238E27FC236}">
+                  <a16:creationId xmlns:a16="http://schemas.microsoft.com/office/drawing/2014/main" id="{F25E273F-05CC-84EC-E501-D2611BB9E1FD}"/>
+                </a:ext>
+              </a:extLst>
+            </p:cNvPr>
+            <p:cNvSpPr txBox="1"/>
+            <p:nvPr/>
+          </p:nvSpPr>
+          <p:spPr>
+            <a:xfrm rot="16200000">
+              <a:off x="4244400" y="9698400"/>
+              <a:ext cx="1015021" cy="276999"/>
+            </a:xfrm>
+            <a:prstGeom prst="rect">
+              <a:avLst/>
+            </a:prstGeom>
+            <a:noFill/>
+          </p:spPr>
+          <p:txBody>
+            <a:bodyPr wrap="none" rtlCol="0">
+              <a:spAutoFit/>
+            </a:bodyPr>
+            <a:lstStyle/>
+            <a:p>
+              <a:r>
+                <a:rPr lang="en-GB" sz="1200" dirty="0"/>
+                <a:t>(1,512,4096)</a:t>
+              </a:r>
+            </a:p>
+          </p:txBody>
+        </p:sp>
+        <p:sp>
+          <p:nvSpPr>
+            <p:cNvPr id="226" name="Textfeld 225">
+              <a:extLst>
+                <a:ext uri="{FF2B5EF4-FFF2-40B4-BE49-F238E27FC236}">
+                  <a16:creationId xmlns:a16="http://schemas.microsoft.com/office/drawing/2014/main" id="{C8AA1BC7-243E-D204-D2D4-C4C005CA70F5}"/>
+                </a:ext>
+              </a:extLst>
+            </p:cNvPr>
+            <p:cNvSpPr txBox="1"/>
+            <p:nvPr/>
+          </p:nvSpPr>
+          <p:spPr>
+            <a:xfrm rot="16200000">
+              <a:off x="4948503" y="9698400"/>
+              <a:ext cx="1015021" cy="276999"/>
+            </a:xfrm>
+            <a:prstGeom prst="rect">
+              <a:avLst/>
+            </a:prstGeom>
+            <a:noFill/>
+          </p:spPr>
+          <p:txBody>
+            <a:bodyPr wrap="none" rtlCol="0">
+              <a:spAutoFit/>
+            </a:bodyPr>
+            <a:lstStyle/>
+            <a:p>
+              <a:r>
+                <a:rPr lang="en-GB" sz="1200" dirty="0"/>
+                <a:t>(1,512,3072)</a:t>
+              </a:r>
+            </a:p>
+          </p:txBody>
+        </p:sp>
+        <p:sp>
+          <p:nvSpPr>
+            <p:cNvPr id="227" name="Textfeld 226">
+              <a:extLst>
+                <a:ext uri="{FF2B5EF4-FFF2-40B4-BE49-F238E27FC236}">
+                  <a16:creationId xmlns:a16="http://schemas.microsoft.com/office/drawing/2014/main" id="{108837E6-ACD0-521B-2AF8-5E431ABE000C}"/>
+                </a:ext>
+              </a:extLst>
+            </p:cNvPr>
+            <p:cNvSpPr txBox="1"/>
+            <p:nvPr/>
+          </p:nvSpPr>
+          <p:spPr>
+            <a:xfrm rot="16200000">
+              <a:off x="4329895" y="16066800"/>
+              <a:ext cx="878400" cy="276999"/>
+            </a:xfrm>
+            <a:prstGeom prst="rect">
+              <a:avLst/>
+            </a:prstGeom>
+            <a:noFill/>
+          </p:spPr>
+          <p:txBody>
+            <a:bodyPr wrap="none" rtlCol="0">
+              <a:spAutoFit/>
+            </a:bodyPr>
+            <a:lstStyle/>
+            <a:p>
+              <a:pPr algn="r"/>
+              <a:r>
+                <a:rPr lang="en-GB" sz="1200" dirty="0"/>
+                <a:t>(1,N,64)</a:t>
+              </a:r>
+            </a:p>
+          </p:txBody>
+        </p:sp>
+        <p:sp>
+          <p:nvSpPr>
+            <p:cNvPr id="228" name="Textfeld 227">
+              <a:extLst>
+                <a:ext uri="{FF2B5EF4-FFF2-40B4-BE49-F238E27FC236}">
+                  <a16:creationId xmlns:a16="http://schemas.microsoft.com/office/drawing/2014/main" id="{89BDC9C4-DDA0-D31C-AF16-DDEC177D4D53}"/>
+                </a:ext>
+              </a:extLst>
+            </p:cNvPr>
+            <p:cNvSpPr txBox="1"/>
+            <p:nvPr/>
+          </p:nvSpPr>
+          <p:spPr>
+            <a:xfrm rot="16200000">
+              <a:off x="5085325" y="16066800"/>
+              <a:ext cx="878400" cy="276999"/>
+            </a:xfrm>
+            <a:prstGeom prst="rect">
+              <a:avLst/>
+            </a:prstGeom>
+            <a:noFill/>
+          </p:spPr>
+          <p:txBody>
+            <a:bodyPr wrap="none" rtlCol="0">
+              <a:spAutoFit/>
+            </a:bodyPr>
+            <a:lstStyle/>
+            <a:p>
+              <a:pPr algn="r"/>
+              <a:r>
+                <a:rPr lang="en-GB" sz="1200" dirty="0"/>
+                <a:t>(1,N,3072)</a:t>
+              </a:r>
+            </a:p>
+          </p:txBody>
+        </p:sp>
+        <p:sp>
+          <p:nvSpPr>
+            <p:cNvPr id="229" name="Textfeld 228">
+              <a:extLst>
+                <a:ext uri="{FF2B5EF4-FFF2-40B4-BE49-F238E27FC236}">
+                  <a16:creationId xmlns:a16="http://schemas.microsoft.com/office/drawing/2014/main" id="{E21088ED-810C-7BE0-DBD9-6E7041C3BBAF}"/>
+                </a:ext>
+              </a:extLst>
+            </p:cNvPr>
+            <p:cNvSpPr txBox="1"/>
+            <p:nvPr/>
+          </p:nvSpPr>
+          <p:spPr>
+            <a:xfrm rot="16200000">
+              <a:off x="8858812" y="14198400"/>
+              <a:ext cx="1015021" cy="276999"/>
+            </a:xfrm>
+            <a:prstGeom prst="rect">
+              <a:avLst/>
+            </a:prstGeom>
+            <a:noFill/>
+          </p:spPr>
+          <p:txBody>
+            <a:bodyPr wrap="none" rtlCol="0">
+              <a:spAutoFit/>
+            </a:bodyPr>
+            <a:lstStyle/>
+            <a:p>
+              <a:r>
+                <a:rPr lang="en-GB" sz="1200" dirty="0"/>
+                <a:t>(1,512,3072)</a:t>
+              </a:r>
+            </a:p>
+          </p:txBody>
+        </p:sp>
+        <p:sp>
+          <p:nvSpPr>
+            <p:cNvPr id="230" name="Textfeld 229">
+              <a:extLst>
+                <a:ext uri="{FF2B5EF4-FFF2-40B4-BE49-F238E27FC236}">
+                  <a16:creationId xmlns:a16="http://schemas.microsoft.com/office/drawing/2014/main" id="{A1279A42-A27F-0B7F-2ACE-1C2B9722A6A5}"/>
+                </a:ext>
+              </a:extLst>
+            </p:cNvPr>
+            <p:cNvSpPr txBox="1"/>
+            <p:nvPr/>
+          </p:nvSpPr>
+          <p:spPr>
+            <a:xfrm rot="16200000">
+              <a:off x="8918219" y="16066800"/>
+              <a:ext cx="878400" cy="276999"/>
+            </a:xfrm>
+            <a:prstGeom prst="rect">
+              <a:avLst/>
+            </a:prstGeom>
+            <a:noFill/>
+          </p:spPr>
+          <p:txBody>
+            <a:bodyPr wrap="none" rtlCol="0">
+              <a:spAutoFit/>
+            </a:bodyPr>
+            <a:lstStyle/>
+            <a:p>
+              <a:r>
+                <a:rPr lang="en-GB" sz="1200" dirty="0"/>
+                <a:t>(1,N,3072)</a:t>
+              </a:r>
+            </a:p>
+          </p:txBody>
+        </p:sp>
+        <p:sp>
+          <p:nvSpPr>
+            <p:cNvPr id="231" name="Textfeld 230">
+              <a:extLst>
+                <a:ext uri="{FF2B5EF4-FFF2-40B4-BE49-F238E27FC236}">
+                  <a16:creationId xmlns:a16="http://schemas.microsoft.com/office/drawing/2014/main" id="{E1BE22D8-0CEB-B0D1-7DE9-D3FF9C52F5BC}"/>
+                </a:ext>
+              </a:extLst>
+            </p:cNvPr>
+            <p:cNvSpPr txBox="1"/>
+            <p:nvPr/>
+          </p:nvSpPr>
+          <p:spPr>
+            <a:xfrm rot="16200000">
+              <a:off x="11687076" y="14551200"/>
+              <a:ext cx="1205779" cy="276999"/>
+            </a:xfrm>
+            <a:prstGeom prst="rect">
+              <a:avLst/>
+            </a:prstGeom>
+            <a:noFill/>
+          </p:spPr>
+          <p:txBody>
+            <a:bodyPr wrap="none" rtlCol="0">
+              <a:spAutoFit/>
+            </a:bodyPr>
+            <a:lstStyle/>
+            <a:p>
+              <a:r>
+                <a:rPr lang="en-GB" sz="1200" dirty="0"/>
+                <a:t>(1,N+512,3072)</a:t>
+              </a:r>
+            </a:p>
+          </p:txBody>
+        </p:sp>
+        <p:sp>
+          <p:nvSpPr>
+            <p:cNvPr id="232" name="Textfeld 231">
+              <a:extLst>
+                <a:ext uri="{FF2B5EF4-FFF2-40B4-BE49-F238E27FC236}">
+                  <a16:creationId xmlns:a16="http://schemas.microsoft.com/office/drawing/2014/main" id="{56EC7B1F-BA1F-8F14-92DF-3084690EE557}"/>
+                </a:ext>
+              </a:extLst>
+            </p:cNvPr>
+            <p:cNvSpPr txBox="1"/>
+            <p:nvPr/>
+          </p:nvSpPr>
+          <p:spPr>
+            <a:xfrm rot="16200000">
+              <a:off x="13190897" y="14551200"/>
+              <a:ext cx="1205779" cy="276999"/>
+            </a:xfrm>
+            <a:prstGeom prst="rect">
+              <a:avLst/>
+            </a:prstGeom>
+            <a:noFill/>
+          </p:spPr>
+          <p:txBody>
+            <a:bodyPr wrap="none" rtlCol="0">
+              <a:spAutoFit/>
+            </a:bodyPr>
+            <a:lstStyle/>
+            <a:p>
+              <a:r>
+                <a:rPr lang="en-GB" sz="1200" dirty="0"/>
+                <a:t>(1,N+512,3072)</a:t>
+              </a:r>
+            </a:p>
+          </p:txBody>
+        </p:sp>
+        <p:sp>
+          <p:nvSpPr>
+            <p:cNvPr id="233" name="Textfeld 232">
+              <a:extLst>
+                <a:ext uri="{FF2B5EF4-FFF2-40B4-BE49-F238E27FC236}">
+                  <a16:creationId xmlns:a16="http://schemas.microsoft.com/office/drawing/2014/main" id="{A390A15D-EC6D-097D-25AA-2E4516090A60}"/>
+                </a:ext>
+              </a:extLst>
+            </p:cNvPr>
+            <p:cNvSpPr txBox="1"/>
+            <p:nvPr/>
+          </p:nvSpPr>
+          <p:spPr>
+            <a:xfrm rot="16200000">
+              <a:off x="14843691" y="15606000"/>
+              <a:ext cx="878400" cy="276999"/>
+            </a:xfrm>
+            <a:prstGeom prst="rect">
+              <a:avLst/>
+            </a:prstGeom>
+            <a:noFill/>
+          </p:spPr>
+          <p:txBody>
+            <a:bodyPr wrap="none" rtlCol="0">
+              <a:spAutoFit/>
+            </a:bodyPr>
+            <a:lstStyle/>
+            <a:p>
+              <a:r>
+                <a:rPr lang="en-GB" sz="1200" dirty="0"/>
+                <a:t>(1,N,3072)</a:t>
+              </a:r>
+            </a:p>
+          </p:txBody>
+        </p:sp>
+        <p:sp>
+          <p:nvSpPr>
+            <p:cNvPr id="234" name="Textfeld 233">
+              <a:extLst>
+                <a:ext uri="{FF2B5EF4-FFF2-40B4-BE49-F238E27FC236}">
+                  <a16:creationId xmlns:a16="http://schemas.microsoft.com/office/drawing/2014/main" id="{835B0038-37B0-CC47-0AB6-849702AB6B87}"/>
+                </a:ext>
+              </a:extLst>
+            </p:cNvPr>
+            <p:cNvSpPr txBox="1"/>
+            <p:nvPr/>
+          </p:nvSpPr>
+          <p:spPr>
+            <a:xfrm rot="16200000">
+              <a:off x="15578156" y="15606000"/>
+              <a:ext cx="878400" cy="276999"/>
+            </a:xfrm>
+            <a:prstGeom prst="rect">
+              <a:avLst/>
+            </a:prstGeom>
+            <a:noFill/>
+          </p:spPr>
+          <p:txBody>
+            <a:bodyPr wrap="none" rtlCol="0">
+              <a:spAutoFit/>
+            </a:bodyPr>
+            <a:lstStyle/>
+            <a:p>
+              <a:r>
+                <a:rPr lang="en-GB" sz="1200" dirty="0"/>
+                <a:t>(1,N,64)</a:t>
+              </a:r>
+            </a:p>
+          </p:txBody>
+        </p:sp>
+        <p:sp>
+          <p:nvSpPr>
+            <p:cNvPr id="238" name="Textfeld 237">
+              <a:extLst>
+                <a:ext uri="{FF2B5EF4-FFF2-40B4-BE49-F238E27FC236}">
+                  <a16:creationId xmlns:a16="http://schemas.microsoft.com/office/drawing/2014/main" id="{3AAE7151-DCD3-3358-8955-C199469CE866}"/>
+                </a:ext>
+              </a:extLst>
+            </p:cNvPr>
+            <p:cNvSpPr txBox="1"/>
+            <p:nvPr/>
+          </p:nvSpPr>
+          <p:spPr>
+            <a:xfrm rot="16200000">
+              <a:off x="10611517" y="14198400"/>
+              <a:ext cx="1015021" cy="276999"/>
+            </a:xfrm>
+            <a:prstGeom prst="rect">
+              <a:avLst/>
+            </a:prstGeom>
+            <a:noFill/>
+          </p:spPr>
+          <p:txBody>
+            <a:bodyPr wrap="none" rtlCol="0">
+              <a:spAutoFit/>
+            </a:bodyPr>
+            <a:lstStyle/>
+            <a:p>
+              <a:r>
+                <a:rPr lang="en-GB" sz="1200" dirty="0"/>
+                <a:t>(1,512,3072)</a:t>
+              </a:r>
+            </a:p>
+          </p:txBody>
+        </p:sp>
+        <p:sp>
+          <p:nvSpPr>
+            <p:cNvPr id="239" name="Textfeld 238">
+              <a:extLst>
+                <a:ext uri="{FF2B5EF4-FFF2-40B4-BE49-F238E27FC236}">
+                  <a16:creationId xmlns:a16="http://schemas.microsoft.com/office/drawing/2014/main" id="{6EEF4E0B-819E-D93A-2D23-E11DC554E360}"/>
+                </a:ext>
+              </a:extLst>
+            </p:cNvPr>
+            <p:cNvSpPr txBox="1"/>
+            <p:nvPr/>
+          </p:nvSpPr>
+          <p:spPr>
+            <a:xfrm rot="16200000">
+              <a:off x="10679369" y="16066800"/>
+              <a:ext cx="878767" cy="276999"/>
+            </a:xfrm>
+            <a:prstGeom prst="rect">
+              <a:avLst/>
+            </a:prstGeom>
+            <a:noFill/>
+          </p:spPr>
+          <p:txBody>
+            <a:bodyPr wrap="none" rtlCol="0">
+              <a:spAutoFit/>
+            </a:bodyPr>
+            <a:lstStyle/>
+            <a:p>
+              <a:pPr algn="r"/>
+              <a:r>
+                <a:rPr lang="en-GB" sz="1200" dirty="0"/>
+                <a:t>(1,N,3072)</a:t>
+              </a:r>
+            </a:p>
+          </p:txBody>
+        </p:sp>
+        <p:sp>
+          <p:nvSpPr>
+            <p:cNvPr id="241" name="Rechteck 240">
+              <a:extLst>
+                <a:ext uri="{FF2B5EF4-FFF2-40B4-BE49-F238E27FC236}">
+                  <a16:creationId xmlns:a16="http://schemas.microsoft.com/office/drawing/2014/main" id="{551B15D8-F294-B914-F620-499511DC0274}"/>
+                </a:ext>
+              </a:extLst>
+            </p:cNvPr>
+            <p:cNvSpPr/>
+            <p:nvPr/>
+          </p:nvSpPr>
+          <p:spPr>
+            <a:xfrm rot="16200000">
+              <a:off x="3343624" y="15561000"/>
+              <a:ext cx="2160000" cy="370800"/>
+            </a:xfrm>
+            <a:prstGeom prst="rect">
+              <a:avLst/>
+            </a:prstGeom>
+            <a:solidFill>
+              <a:schemeClr val="bg2">
+                <a:lumMod val="90000"/>
+                <a:alpha val="80000"/>
+              </a:schemeClr>
+            </a:solidFill>
+            <a:ln>
+              <a:solidFill>
+                <a:schemeClr val="bg2">
+                  <a:lumMod val="90000"/>
+                </a:schemeClr>
+              </a:solidFill>
+            </a:ln>
+          </p:spPr>
+          <p:style>
+            <a:lnRef idx="2">
+              <a:schemeClr val="accent1">
+                <a:shade val="15000"/>
+              </a:schemeClr>
+            </a:lnRef>
+            <a:fillRef idx="1">
+              <a:schemeClr val="accent1"/>
+            </a:fillRef>
+            <a:effectRef idx="0">
+              <a:schemeClr val="accent1"/>
+            </a:effectRef>
+            <a:fontRef idx="minor">
+              <a:schemeClr val="lt1"/>
+            </a:fontRef>
+          </p:style>
+          <p:txBody>
+            <a:bodyPr rtlCol="0" anchor="ctr"/>
+            <a:lstStyle/>
+            <a:p>
+              <a:pPr algn="ctr"/>
+              <a:r>
+                <a:rPr lang="en-GB" dirty="0" err="1">
+                  <a:solidFill>
+                    <a:schemeClr val="tx1"/>
+                  </a:solidFill>
+                </a:rPr>
+                <a:t>Patchify</a:t>
+              </a:r>
+              <a:endParaRPr lang="en-GB" dirty="0">
+                <a:solidFill>
+                  <a:schemeClr val="tx1"/>
+                </a:solidFill>
+              </a:endParaRPr>
+            </a:p>
+          </p:txBody>
+        </p:sp>
+        <p:cxnSp>
+          <p:nvCxnSpPr>
+            <p:cNvPr id="243" name="Gerade Verbindung mit Pfeil 242">
+              <a:extLst>
+                <a:ext uri="{FF2B5EF4-FFF2-40B4-BE49-F238E27FC236}">
+                  <a16:creationId xmlns:a16="http://schemas.microsoft.com/office/drawing/2014/main" id="{CE3D660E-A303-5423-5C8E-8EF6DA0182FD}"/>
+                </a:ext>
+              </a:extLst>
+            </p:cNvPr>
+            <p:cNvCxnSpPr>
+              <a:stCxn id="241" idx="2"/>
+            </p:cNvCxnSpPr>
+            <p:nvPr/>
+          </p:nvCxnSpPr>
+          <p:spPr>
+            <a:xfrm>
+              <a:off x="4609024" y="15746400"/>
+              <a:ext cx="360000" cy="0"/>
+            </a:xfrm>
+            <a:prstGeom prst="straightConnector1">
+              <a:avLst/>
+            </a:prstGeom>
+            <a:ln>
+              <a:tailEnd type="triangle"/>
+            </a:ln>
+          </p:spPr>
+          <p:style>
+            <a:lnRef idx="2">
+              <a:schemeClr val="accent1"/>
+            </a:lnRef>
+            <a:fillRef idx="0">
+              <a:schemeClr val="accent1"/>
+            </a:fillRef>
+            <a:effectRef idx="1">
+              <a:schemeClr val="accent1"/>
+            </a:effectRef>
+            <a:fontRef idx="minor">
+              <a:schemeClr val="tx1"/>
+            </a:fontRef>
+          </p:style>
+        </p:cxnSp>
+        <p:cxnSp>
+          <p:nvCxnSpPr>
+            <p:cNvPr id="247" name="Gerade Verbindung 246">
+              <a:extLst>
+                <a:ext uri="{FF2B5EF4-FFF2-40B4-BE49-F238E27FC236}">
+                  <a16:creationId xmlns:a16="http://schemas.microsoft.com/office/drawing/2014/main" id="{6402061E-AA6C-E084-06F8-537DD3F41D93}"/>
+                </a:ext>
+              </a:extLst>
+            </p:cNvPr>
+            <p:cNvCxnSpPr>
+              <a:cxnSpLocks/>
+              <a:stCxn id="33" idx="1"/>
+            </p:cNvCxnSpPr>
+            <p:nvPr/>
+          </p:nvCxnSpPr>
+          <p:spPr>
+            <a:xfrm>
+              <a:off x="3657386" y="11407214"/>
+              <a:ext cx="0" cy="832898"/>
+            </a:xfrm>
+            <a:prstGeom prst="line">
+              <a:avLst/>
+            </a:prstGeom>
+            <a:ln>
+              <a:solidFill>
+                <a:schemeClr val="bg2">
+                  <a:lumMod val="75000"/>
+                </a:schemeClr>
+              </a:solidFill>
+            </a:ln>
+          </p:spPr>
+          <p:style>
+            <a:lnRef idx="2">
+              <a:schemeClr val="accent1"/>
+            </a:lnRef>
+            <a:fillRef idx="0">
+              <a:schemeClr val="accent1"/>
+            </a:fillRef>
+            <a:effectRef idx="1">
+              <a:schemeClr val="accent1"/>
+            </a:effectRef>
+            <a:fontRef idx="minor">
+              <a:schemeClr val="tx1"/>
+            </a:fontRef>
+          </p:style>
+        </p:cxnSp>
+        <p:cxnSp>
+          <p:nvCxnSpPr>
+            <p:cNvPr id="252" name="Gerade Verbindung 251">
+              <a:extLst>
+                <a:ext uri="{FF2B5EF4-FFF2-40B4-BE49-F238E27FC236}">
+                  <a16:creationId xmlns:a16="http://schemas.microsoft.com/office/drawing/2014/main" id="{2019212F-7290-43F8-E609-439B5858E060}"/>
+                </a:ext>
+              </a:extLst>
+            </p:cNvPr>
+            <p:cNvCxnSpPr>
+              <a:stCxn id="241" idx="3"/>
+            </p:cNvCxnSpPr>
+            <p:nvPr/>
+          </p:nvCxnSpPr>
+          <p:spPr>
+            <a:xfrm flipH="1" flipV="1">
+              <a:off x="4421024" y="13830924"/>
+              <a:ext cx="2600" cy="835476"/>
+            </a:xfrm>
+            <a:prstGeom prst="line">
+              <a:avLst/>
+            </a:prstGeom>
+            <a:ln>
+              <a:solidFill>
+                <a:schemeClr val="bg2">
+                  <a:lumMod val="75000"/>
+                </a:schemeClr>
+              </a:solidFill>
+            </a:ln>
+          </p:spPr>
+          <p:style>
+            <a:lnRef idx="2">
+              <a:schemeClr val="accent1"/>
+            </a:lnRef>
+            <a:fillRef idx="0">
+              <a:schemeClr val="accent1"/>
+            </a:fillRef>
+            <a:effectRef idx="1">
+              <a:schemeClr val="accent1"/>
+            </a:effectRef>
+            <a:fontRef idx="minor">
+              <a:schemeClr val="tx1"/>
+            </a:fontRef>
+          </p:style>
+        </p:cxnSp>
+        <p:sp>
+          <p:nvSpPr>
+            <p:cNvPr id="254" name="Textfeld 253">
+              <a:extLst>
+                <a:ext uri="{FF2B5EF4-FFF2-40B4-BE49-F238E27FC236}">
+                  <a16:creationId xmlns:a16="http://schemas.microsoft.com/office/drawing/2014/main" id="{6E129166-2DD2-FEC0-D1ED-049D9288BAA2}"/>
+                </a:ext>
+              </a:extLst>
+            </p:cNvPr>
+            <p:cNvSpPr txBox="1"/>
+            <p:nvPr/>
+          </p:nvSpPr>
+          <p:spPr>
+            <a:xfrm rot="16200000">
+              <a:off x="3542247" y="16066800"/>
+              <a:ext cx="878400" cy="276999"/>
+            </a:xfrm>
+            <a:prstGeom prst="rect">
+              <a:avLst/>
+            </a:prstGeom>
+            <a:noFill/>
+          </p:spPr>
+          <p:txBody>
+            <a:bodyPr wrap="none" rtlCol="0">
+              <a:spAutoFit/>
+            </a:bodyPr>
+            <a:lstStyle/>
+            <a:p>
+              <a:pPr algn="r"/>
+              <a:r>
+                <a:rPr lang="en-GB" sz="1200" dirty="0"/>
+                <a:t>(16,h,w)</a:t>
+              </a:r>
+            </a:p>
+          </p:txBody>
+        </p:sp>
+      </p:grpSp>
+      <p:sp>
+        <p:nvSpPr>
+          <p:cNvPr id="262" name="Textfeld 261">
+            <a:extLst>
+              <a:ext uri="{FF2B5EF4-FFF2-40B4-BE49-F238E27FC236}">
+                <a16:creationId xmlns:a16="http://schemas.microsoft.com/office/drawing/2014/main" id="{A50794CA-2F93-D61C-497A-C56BA2EAA620}"/>
+              </a:ext>
+            </a:extLst>
+          </p:cNvPr>
+          <p:cNvSpPr txBox="1"/>
+          <p:nvPr/>
+        </p:nvSpPr>
+        <p:spPr>
+          <a:xfrm rot="16200000">
+            <a:off x="5084636" y="11725898"/>
+            <a:ext cx="769763" cy="276999"/>
+          </a:xfrm>
+          <a:prstGeom prst="rect">
+            <a:avLst/>
+          </a:prstGeom>
+          <a:noFill/>
+        </p:spPr>
+        <p:txBody>
+          <a:bodyPr wrap="none" rtlCol="0">
+            <a:spAutoFit/>
+          </a:bodyPr>
+          <a:lstStyle/>
+          <a:p>
+            <a:r>
+              <a:rPr lang="en-GB" sz="1200" dirty="0"/>
+              <a:t>(1,512,3)</a:t>
+            </a:r>
+          </a:p>
+        </p:txBody>
+      </p:sp>
+      <p:sp>
+        <p:nvSpPr>
+          <p:cNvPr id="263" name="Textfeld 262">
+            <a:extLst>
+              <a:ext uri="{FF2B5EF4-FFF2-40B4-BE49-F238E27FC236}">
+                <a16:creationId xmlns:a16="http://schemas.microsoft.com/office/drawing/2014/main" id="{D6A92156-2C0F-C97E-2483-FE342F5B773F}"/>
+              </a:ext>
+            </a:extLst>
+          </p:cNvPr>
+          <p:cNvSpPr txBox="1"/>
+          <p:nvPr/>
+        </p:nvSpPr>
+        <p:spPr>
+          <a:xfrm rot="16200000">
+            <a:off x="5152762" y="13348283"/>
+            <a:ext cx="633507" cy="276999"/>
+          </a:xfrm>
+          <a:prstGeom prst="rect">
+            <a:avLst/>
+          </a:prstGeom>
+          <a:noFill/>
+        </p:spPr>
+        <p:txBody>
+          <a:bodyPr wrap="none" rtlCol="0">
+            <a:spAutoFit/>
+          </a:bodyPr>
+          <a:lstStyle/>
+          <a:p>
+            <a:r>
+              <a:rPr lang="en-GB" sz="1200" dirty="0"/>
+              <a:t>(1,N,3)</a:t>
+            </a:r>
+          </a:p>
+        </p:txBody>
+      </p:sp>
+      <p:sp>
+        <p:nvSpPr>
+          <p:cNvPr id="264" name="Textfeld 263">
+            <a:extLst>
+              <a:ext uri="{FF2B5EF4-FFF2-40B4-BE49-F238E27FC236}">
+                <a16:creationId xmlns:a16="http://schemas.microsoft.com/office/drawing/2014/main" id="{50990E7A-0517-33F5-4AD7-652A270413C9}"/>
+              </a:ext>
+            </a:extLst>
+          </p:cNvPr>
+          <p:cNvSpPr txBox="1"/>
+          <p:nvPr/>
+        </p:nvSpPr>
+        <p:spPr>
+          <a:xfrm rot="16200000">
+            <a:off x="6475813" y="12189290"/>
+            <a:ext cx="1417376" cy="276999"/>
+          </a:xfrm>
+          <a:prstGeom prst="rect">
+            <a:avLst/>
+          </a:prstGeom>
+          <a:noFill/>
+        </p:spPr>
+        <p:txBody>
+          <a:bodyPr wrap="none" rtlCol="0">
+            <a:spAutoFit/>
+          </a:bodyPr>
+          <a:lstStyle/>
+          <a:p>
+            <a:r>
+              <a:rPr lang="en-GB" sz="1200" dirty="0"/>
+              <a:t>(1,1,N+512,64,4,4)</a:t>
+            </a:r>
+          </a:p>
+        </p:txBody>
+      </p:sp>
+    </p:spTree>
+    <p:extLst>
+      <p:ext uri="{BB962C8B-B14F-4D97-AF65-F5344CB8AC3E}">
+        <p14:creationId xmlns:p14="http://schemas.microsoft.com/office/powerpoint/2010/main" val="4063166247"/>
       </p:ext>
     </p:extLst>
   </p:cSld>
